--- a/meterials/slides/ch04 reply-message.pptx
+++ b/meterials/slides/ch04 reply-message.pptx
@@ -270,7 +270,7 @@
           <a:p>
             <a:fld id="{2B71C804-97F5-4B36-A7AC-EEEC7F44F6C2}" type="datetimeFigureOut">
               <a:rPr lang="zh-CN" altLang="en-US" smtClean="0"/>
-              <a:t>2017/9/1</a:t>
+              <a:t>2017/9/7</a:t>
             </a:fld>
             <a:endParaRPr lang="zh-CN" altLang="en-US"/>
           </a:p>
@@ -436,7 +436,7 @@
           <a:p>
             <a:fld id="{0568D9C6-D8DC-4CC3-8480-E0C4DBA1CC07}" type="datetimeFigureOut">
               <a:rPr lang="zh-CN" altLang="en-US" smtClean="0"/>
-              <a:t>2017/9/1</a:t>
+              <a:t>2017/9/7</a:t>
             </a:fld>
             <a:endParaRPr lang="zh-CN" altLang="en-US"/>
           </a:p>
@@ -1049,7 +1049,7 @@
           <a:p>
             <a:fld id="{DB9D664F-4C68-42D2-B189-678958EFAFDA}" type="datetime1">
               <a:rPr lang="zh-CN" altLang="en-US" smtClean="0"/>
-              <a:t>2017/9/1</a:t>
+              <a:t>2017/9/7</a:t>
             </a:fld>
             <a:endParaRPr lang="zh-CN" altLang="en-US"/>
           </a:p>
@@ -2031,7 +2031,7 @@
           <a:p>
             <a:fld id="{ED5513C8-E3A4-4D78-B249-887659A958FF}" type="datetime1">
               <a:rPr lang="en-US" altLang="zh-CN" smtClean="0"/>
-              <a:t>9/1/2017</a:t>
+              <a:t>9/7/2017</a:t>
             </a:fld>
             <a:endParaRPr lang="en-US"/>
           </a:p>
@@ -2209,7 +2209,7 @@
           <a:p>
             <a:fld id="{EBEDA52C-3EEE-4289-818C-901C0A7814FE}" type="datetime1">
               <a:rPr lang="en-US" altLang="zh-CN" smtClean="0"/>
-              <a:t>9/1/2017</a:t>
+              <a:t>9/7/2017</a:t>
             </a:fld>
             <a:endParaRPr lang="en-US"/>
           </a:p>
@@ -2463,7 +2463,7 @@
           <a:p>
             <a:fld id="{09EF5D7F-EA15-485C-85DD-8FDC010A62D4}" type="datetime1">
               <a:rPr lang="en-US" altLang="zh-CN" smtClean="0"/>
-              <a:t>9/1/2017</a:t>
+              <a:t>9/7/2017</a:t>
             </a:fld>
             <a:endParaRPr lang="en-US"/>
           </a:p>
@@ -2703,7 +2703,7 @@
           <a:p>
             <a:fld id="{9541C2B2-0BAB-4CD4-83EE-25F1A7138896}" type="datetime1">
               <a:rPr lang="en-US" altLang="zh-CN" smtClean="0"/>
-              <a:t>9/1/2017</a:t>
+              <a:t>9/7/2017</a:t>
             </a:fld>
             <a:endParaRPr lang="en-US"/>
           </a:p>
@@ -3078,7 +3078,7 @@
           <a:p>
             <a:fld id="{7DEA23E7-D0FC-41DC-8745-BE6FC447B182}" type="datetime1">
               <a:rPr lang="en-US" altLang="zh-CN" smtClean="0"/>
-              <a:t>9/1/2017</a:t>
+              <a:t>9/7/2017</a:t>
             </a:fld>
             <a:endParaRPr lang="en-US"/>
           </a:p>
@@ -3863,7 +3863,7 @@
           <a:p>
             <a:fld id="{5DEA8378-5F33-490B-8120-8DE6B7EE2781}" type="datetime1">
               <a:rPr lang="en-US" altLang="zh-CN" smtClean="0"/>
-              <a:t>9/1/2017</a:t>
+              <a:t>9/7/2017</a:t>
             </a:fld>
             <a:endParaRPr lang="en-US"/>
           </a:p>
@@ -4117,7 +4117,7 @@
           <a:p>
             <a:fld id="{38DD30CF-78A7-4C73-91B4-38D3E3317745}" type="datetime1">
               <a:rPr lang="en-US" altLang="zh-CN" smtClean="0"/>
-              <a:t>9/1/2017</a:t>
+              <a:t>9/7/2017</a:t>
             </a:fld>
             <a:endParaRPr lang="en-US"/>
           </a:p>
@@ -4220,7 +4220,7 @@
           <a:p>
             <a:fld id="{A1BE0A72-8501-4974-A7B7-5BD248ABBAFC}" type="datetime1">
               <a:rPr lang="zh-CN" altLang="en-US" smtClean="0"/>
-              <a:t>2017/9/1</a:t>
+              <a:t>2017/9/7</a:t>
             </a:fld>
             <a:endParaRPr lang="zh-CN" altLang="en-US"/>
           </a:p>
@@ -4481,7 +4481,7 @@
           <a:p>
             <a:fld id="{0B7E01DD-16D0-4DBA-9C1A-51468BA0B73A}" type="datetime1">
               <a:rPr lang="en-US" altLang="zh-CN" smtClean="0"/>
-              <a:t>9/1/2017</a:t>
+              <a:t>9/7/2017</a:t>
             </a:fld>
             <a:endParaRPr lang="en-US"/>
           </a:p>
@@ -4659,7 +4659,7 @@
           <a:p>
             <a:fld id="{B587E63F-0E62-4A50-901F-E071D77F7634}" type="datetime1">
               <a:rPr lang="en-US" altLang="zh-CN" smtClean="0"/>
-              <a:t>9/1/2017</a:t>
+              <a:t>9/7/2017</a:t>
             </a:fld>
             <a:endParaRPr lang="en-US"/>
           </a:p>
@@ -4847,7 +4847,7 @@
           <a:p>
             <a:fld id="{BD8521E8-9297-400B-AD8C-0A4D05699D33}" type="datetime1">
               <a:rPr lang="en-US" altLang="zh-CN" smtClean="0"/>
-              <a:t>9/1/2017</a:t>
+              <a:t>9/7/2017</a:t>
             </a:fld>
             <a:endParaRPr lang="en-US"/>
           </a:p>
@@ -5078,7 +5078,7 @@
           <a:p>
             <a:fld id="{ED5513C8-E3A4-4D78-B249-887659A958FF}" type="datetime1">
               <a:rPr lang="en-US" altLang="zh-CN" smtClean="0"/>
-              <a:t>9/1/2017</a:t>
+              <a:t>9/7/2017</a:t>
             </a:fld>
             <a:endParaRPr lang="en-US"/>
           </a:p>
@@ -5256,7 +5256,7 @@
           <a:p>
             <a:fld id="{EBEDA52C-3EEE-4289-818C-901C0A7814FE}" type="datetime1">
               <a:rPr lang="en-US" altLang="zh-CN" smtClean="0"/>
-              <a:t>9/1/2017</a:t>
+              <a:t>9/7/2017</a:t>
             </a:fld>
             <a:endParaRPr lang="en-US"/>
           </a:p>
@@ -5510,7 +5510,7 @@
           <a:p>
             <a:fld id="{09EF5D7F-EA15-485C-85DD-8FDC010A62D4}" type="datetime1">
               <a:rPr lang="en-US" altLang="zh-CN" smtClean="0"/>
-              <a:t>9/1/2017</a:t>
+              <a:t>9/7/2017</a:t>
             </a:fld>
             <a:endParaRPr lang="en-US"/>
           </a:p>
@@ -5750,7 +5750,7 @@
           <a:p>
             <a:fld id="{9541C2B2-0BAB-4CD4-83EE-25F1A7138896}" type="datetime1">
               <a:rPr lang="en-US" altLang="zh-CN" smtClean="0"/>
-              <a:t>9/1/2017</a:t>
+              <a:t>9/7/2017</a:t>
             </a:fld>
             <a:endParaRPr lang="en-US"/>
           </a:p>
@@ -6125,7 +6125,7 @@
           <a:p>
             <a:fld id="{7DEA23E7-D0FC-41DC-8745-BE6FC447B182}" type="datetime1">
               <a:rPr lang="en-US" altLang="zh-CN" smtClean="0"/>
-              <a:t>9/1/2017</a:t>
+              <a:t>9/7/2017</a:t>
             </a:fld>
             <a:endParaRPr lang="en-US"/>
           </a:p>
@@ -6910,7 +6910,7 @@
           <a:p>
             <a:fld id="{A1BE0A72-8501-4974-A7B7-5BD248ABBAFC}" type="datetime1">
               <a:rPr lang="zh-CN" altLang="en-US" smtClean="0"/>
-              <a:t>2017/9/1</a:t>
+              <a:t>2017/9/7</a:t>
             </a:fld>
             <a:endParaRPr lang="zh-CN" altLang="en-US"/>
           </a:p>
@@ -6963,7 +6963,7 @@
           <a:p>
             <a:fld id="{5DEA8378-5F33-490B-8120-8DE6B7EE2781}" type="datetime1">
               <a:rPr lang="en-US" altLang="zh-CN" smtClean="0"/>
-              <a:t>9/1/2017</a:t>
+              <a:t>9/7/2017</a:t>
             </a:fld>
             <a:endParaRPr lang="en-US"/>
           </a:p>
@@ -7217,7 +7217,7 @@
           <a:p>
             <a:fld id="{38DD30CF-78A7-4C73-91B4-38D3E3317745}" type="datetime1">
               <a:rPr lang="en-US" altLang="zh-CN" smtClean="0"/>
-              <a:t>9/1/2017</a:t>
+              <a:t>9/7/2017</a:t>
             </a:fld>
             <a:endParaRPr lang="en-US"/>
           </a:p>
@@ -7482,7 +7482,7 @@
           <a:p>
             <a:fld id="{0B7E01DD-16D0-4DBA-9C1A-51468BA0B73A}" type="datetime1">
               <a:rPr lang="en-US" altLang="zh-CN" smtClean="0"/>
-              <a:t>9/1/2017</a:t>
+              <a:t>9/7/2017</a:t>
             </a:fld>
             <a:endParaRPr lang="en-US"/>
           </a:p>
@@ -7660,7 +7660,7 @@
           <a:p>
             <a:fld id="{B587E63F-0E62-4A50-901F-E071D77F7634}" type="datetime1">
               <a:rPr lang="en-US" altLang="zh-CN" smtClean="0"/>
-              <a:t>9/1/2017</a:t>
+              <a:t>9/7/2017</a:t>
             </a:fld>
             <a:endParaRPr lang="en-US"/>
           </a:p>
@@ -7848,7 +7848,7 @@
           <a:p>
             <a:fld id="{BD8521E8-9297-400B-AD8C-0A4D05699D33}" type="datetime1">
               <a:rPr lang="en-US" altLang="zh-CN" smtClean="0"/>
-              <a:t>9/1/2017</a:t>
+              <a:t>9/7/2017</a:t>
             </a:fld>
             <a:endParaRPr lang="en-US"/>
           </a:p>
@@ -7951,7 +7951,7 @@
           <a:p>
             <a:fld id="{EF452D9C-F9EB-4417-9C3A-C876C2AF9415}" type="datetime1">
               <a:rPr lang="zh-CN" altLang="en-US" smtClean="0"/>
-              <a:t>2017/9/1</a:t>
+              <a:t>2017/9/7</a:t>
             </a:fld>
             <a:endParaRPr lang="zh-CN" altLang="en-US"/>
           </a:p>
@@ -8137,7 +8137,7 @@
           <a:p>
             <a:fld id="{2F2E9289-9B4C-49AE-BDDA-70D6EDC89D17}" type="datetime1">
               <a:rPr lang="zh-CN" altLang="en-US" smtClean="0"/>
-              <a:t>2017/9/1</a:t>
+              <a:t>2017/9/7</a:t>
             </a:fld>
             <a:endParaRPr lang="zh-CN" altLang="en-US"/>
           </a:p>
@@ -8307,7 +8307,7 @@
           <a:p>
             <a:fld id="{2F2E9289-9B4C-49AE-BDDA-70D6EDC89D17}" type="datetime1">
               <a:rPr lang="zh-CN" altLang="en-US" smtClean="0"/>
-              <a:t>2017/9/1</a:t>
+              <a:t>2017/9/7</a:t>
             </a:fld>
             <a:endParaRPr lang="zh-CN" altLang="en-US"/>
           </a:p>
@@ -8543,7 +8543,7 @@
           <a:p>
             <a:fld id="{8C5BA751-A251-47D6-8494-C134D9EBED5F}" type="datetime1">
               <a:rPr lang="zh-CN" altLang="en-US" smtClean="0"/>
-              <a:t>2017/9/1</a:t>
+              <a:t>2017/9/7</a:t>
             </a:fld>
             <a:endParaRPr lang="zh-CN" altLang="en-US"/>
           </a:p>
@@ -8899,7 +8899,7 @@
           <a:p>
             <a:fld id="{C46E2078-F302-4651-A2A2-2FC6C4E1A3F1}" type="datetime1">
               <a:rPr lang="zh-CN" altLang="en-US" smtClean="0"/>
-              <a:t>2017/9/1</a:t>
+              <a:t>2017/9/7</a:t>
             </a:fld>
             <a:endParaRPr lang="zh-CN" altLang="en-US"/>
           </a:p>
@@ -9021,7 +9021,7 @@
               <a:pPr>
                 <a:defRPr/>
               </a:pPr>
-              <a:t>2017/9/1</a:t>
+              <a:t>2017/9/7</a:t>
             </a:fld>
             <a:endParaRPr lang="zh-CN" altLang="en-US"/>
           </a:p>
@@ -9169,7 +9169,7 @@
           <a:p>
             <a:fld id="{A1BE0A72-8501-4974-A7B7-5BD248ABBAFC}" type="datetime1">
               <a:rPr lang="zh-CN" altLang="en-US" smtClean="0"/>
-              <a:t>2017/9/1</a:t>
+              <a:t>2017/9/7</a:t>
             </a:fld>
             <a:endParaRPr lang="zh-CN" altLang="en-US"/>
           </a:p>
@@ -9683,7 +9683,7 @@
           <a:p>
             <a:fld id="{A1BE0A72-8501-4974-A7B7-5BD248ABBAFC}" type="datetime1">
               <a:rPr lang="zh-CN" altLang="en-US" smtClean="0"/>
-              <a:t>2017/9/1</a:t>
+              <a:t>2017/9/7</a:t>
             </a:fld>
             <a:endParaRPr lang="zh-CN" altLang="en-US"/>
           </a:p>
@@ -10289,7 +10289,7 @@
           <a:p>
             <a:fld id="{7A78726F-0AD2-4A20-BC72-263D2D3F3A2F}" type="datetime1">
               <a:rPr lang="en-US" altLang="zh-CN" smtClean="0"/>
-              <a:t>9/1/2017</a:t>
+              <a:t>9/7/2017</a:t>
             </a:fld>
             <a:endParaRPr lang="en-US"/>
           </a:p>
@@ -11270,7 +11270,7 @@
           <a:p>
             <a:fld id="{A1BE0A72-8501-4974-A7B7-5BD248ABBAFC}" type="datetime1">
               <a:rPr lang="zh-CN" altLang="en-US" smtClean="0"/>
-              <a:t>2017/9/1</a:t>
+              <a:t>2017/9/7</a:t>
             </a:fld>
             <a:endParaRPr lang="zh-CN" altLang="en-US"/>
           </a:p>
@@ -11876,7 +11876,7 @@
           <a:p>
             <a:fld id="{7A78726F-0AD2-4A20-BC72-263D2D3F3A2F}" type="datetime1">
               <a:rPr lang="en-US" altLang="zh-CN" smtClean="0"/>
-              <a:t>9/1/2017</a:t>
+              <a:t>9/7/2017</a:t>
             </a:fld>
             <a:endParaRPr lang="en-US"/>
           </a:p>

--- a/meterials/slides/ch04 reply-message.pptx
+++ b/meterials/slides/ch04 reply-message.pptx
@@ -270,7 +270,7 @@
           <a:p>
             <a:fld id="{2B71C804-97F5-4B36-A7AC-EEEC7F44F6C2}" type="datetimeFigureOut">
               <a:rPr lang="zh-CN" altLang="en-US" smtClean="0"/>
-              <a:t>2017/9/7</a:t>
+              <a:t>2017/9/10</a:t>
             </a:fld>
             <a:endParaRPr lang="zh-CN" altLang="en-US"/>
           </a:p>
@@ -436,7 +436,7 @@
           <a:p>
             <a:fld id="{0568D9C6-D8DC-4CC3-8480-E0C4DBA1CC07}" type="datetimeFigureOut">
               <a:rPr lang="zh-CN" altLang="en-US" smtClean="0"/>
-              <a:t>2017/9/7</a:t>
+              <a:t>2017/9/10</a:t>
             </a:fld>
             <a:endParaRPr lang="zh-CN" altLang="en-US"/>
           </a:p>
@@ -1049,7 +1049,7 @@
           <a:p>
             <a:fld id="{DB9D664F-4C68-42D2-B189-678958EFAFDA}" type="datetime1">
               <a:rPr lang="zh-CN" altLang="en-US" smtClean="0"/>
-              <a:t>2017/9/7</a:t>
+              <a:t>2017/9/10</a:t>
             </a:fld>
             <a:endParaRPr lang="zh-CN" altLang="en-US"/>
           </a:p>
@@ -2031,7 +2031,7 @@
           <a:p>
             <a:fld id="{ED5513C8-E3A4-4D78-B249-887659A958FF}" type="datetime1">
               <a:rPr lang="en-US" altLang="zh-CN" smtClean="0"/>
-              <a:t>9/7/2017</a:t>
+              <a:t>9/10/2017</a:t>
             </a:fld>
             <a:endParaRPr lang="en-US"/>
           </a:p>
@@ -2209,7 +2209,7 @@
           <a:p>
             <a:fld id="{EBEDA52C-3EEE-4289-818C-901C0A7814FE}" type="datetime1">
               <a:rPr lang="en-US" altLang="zh-CN" smtClean="0"/>
-              <a:t>9/7/2017</a:t>
+              <a:t>9/10/2017</a:t>
             </a:fld>
             <a:endParaRPr lang="en-US"/>
           </a:p>
@@ -2463,7 +2463,7 @@
           <a:p>
             <a:fld id="{09EF5D7F-EA15-485C-85DD-8FDC010A62D4}" type="datetime1">
               <a:rPr lang="en-US" altLang="zh-CN" smtClean="0"/>
-              <a:t>9/7/2017</a:t>
+              <a:t>9/10/2017</a:t>
             </a:fld>
             <a:endParaRPr lang="en-US"/>
           </a:p>
@@ -2703,7 +2703,7 @@
           <a:p>
             <a:fld id="{9541C2B2-0BAB-4CD4-83EE-25F1A7138896}" type="datetime1">
               <a:rPr lang="en-US" altLang="zh-CN" smtClean="0"/>
-              <a:t>9/7/2017</a:t>
+              <a:t>9/10/2017</a:t>
             </a:fld>
             <a:endParaRPr lang="en-US"/>
           </a:p>
@@ -3078,7 +3078,7 @@
           <a:p>
             <a:fld id="{7DEA23E7-D0FC-41DC-8745-BE6FC447B182}" type="datetime1">
               <a:rPr lang="en-US" altLang="zh-CN" smtClean="0"/>
-              <a:t>9/7/2017</a:t>
+              <a:t>9/10/2017</a:t>
             </a:fld>
             <a:endParaRPr lang="en-US"/>
           </a:p>
@@ -3863,7 +3863,7 @@
           <a:p>
             <a:fld id="{5DEA8378-5F33-490B-8120-8DE6B7EE2781}" type="datetime1">
               <a:rPr lang="en-US" altLang="zh-CN" smtClean="0"/>
-              <a:t>9/7/2017</a:t>
+              <a:t>9/10/2017</a:t>
             </a:fld>
             <a:endParaRPr lang="en-US"/>
           </a:p>
@@ -4117,7 +4117,7 @@
           <a:p>
             <a:fld id="{38DD30CF-78A7-4C73-91B4-38D3E3317745}" type="datetime1">
               <a:rPr lang="en-US" altLang="zh-CN" smtClean="0"/>
-              <a:t>9/7/2017</a:t>
+              <a:t>9/10/2017</a:t>
             </a:fld>
             <a:endParaRPr lang="en-US"/>
           </a:p>
@@ -4220,7 +4220,7 @@
           <a:p>
             <a:fld id="{A1BE0A72-8501-4974-A7B7-5BD248ABBAFC}" type="datetime1">
               <a:rPr lang="zh-CN" altLang="en-US" smtClean="0"/>
-              <a:t>2017/9/7</a:t>
+              <a:t>2017/9/10</a:t>
             </a:fld>
             <a:endParaRPr lang="zh-CN" altLang="en-US"/>
           </a:p>
@@ -4481,7 +4481,7 @@
           <a:p>
             <a:fld id="{0B7E01DD-16D0-4DBA-9C1A-51468BA0B73A}" type="datetime1">
               <a:rPr lang="en-US" altLang="zh-CN" smtClean="0"/>
-              <a:t>9/7/2017</a:t>
+              <a:t>9/10/2017</a:t>
             </a:fld>
             <a:endParaRPr lang="en-US"/>
           </a:p>
@@ -4659,7 +4659,7 @@
           <a:p>
             <a:fld id="{B587E63F-0E62-4A50-901F-E071D77F7634}" type="datetime1">
               <a:rPr lang="en-US" altLang="zh-CN" smtClean="0"/>
-              <a:t>9/7/2017</a:t>
+              <a:t>9/10/2017</a:t>
             </a:fld>
             <a:endParaRPr lang="en-US"/>
           </a:p>
@@ -4847,7 +4847,7 @@
           <a:p>
             <a:fld id="{BD8521E8-9297-400B-AD8C-0A4D05699D33}" type="datetime1">
               <a:rPr lang="en-US" altLang="zh-CN" smtClean="0"/>
-              <a:t>9/7/2017</a:t>
+              <a:t>9/10/2017</a:t>
             </a:fld>
             <a:endParaRPr lang="en-US"/>
           </a:p>
@@ -5078,7 +5078,7 @@
           <a:p>
             <a:fld id="{ED5513C8-E3A4-4D78-B249-887659A958FF}" type="datetime1">
               <a:rPr lang="en-US" altLang="zh-CN" smtClean="0"/>
-              <a:t>9/7/2017</a:t>
+              <a:t>9/10/2017</a:t>
             </a:fld>
             <a:endParaRPr lang="en-US"/>
           </a:p>
@@ -5256,7 +5256,7 @@
           <a:p>
             <a:fld id="{EBEDA52C-3EEE-4289-818C-901C0A7814FE}" type="datetime1">
               <a:rPr lang="en-US" altLang="zh-CN" smtClean="0"/>
-              <a:t>9/7/2017</a:t>
+              <a:t>9/10/2017</a:t>
             </a:fld>
             <a:endParaRPr lang="en-US"/>
           </a:p>
@@ -5510,7 +5510,7 @@
           <a:p>
             <a:fld id="{09EF5D7F-EA15-485C-85DD-8FDC010A62D4}" type="datetime1">
               <a:rPr lang="en-US" altLang="zh-CN" smtClean="0"/>
-              <a:t>9/7/2017</a:t>
+              <a:t>9/10/2017</a:t>
             </a:fld>
             <a:endParaRPr lang="en-US"/>
           </a:p>
@@ -5750,7 +5750,7 @@
           <a:p>
             <a:fld id="{9541C2B2-0BAB-4CD4-83EE-25F1A7138896}" type="datetime1">
               <a:rPr lang="en-US" altLang="zh-CN" smtClean="0"/>
-              <a:t>9/7/2017</a:t>
+              <a:t>9/10/2017</a:t>
             </a:fld>
             <a:endParaRPr lang="en-US"/>
           </a:p>
@@ -6125,7 +6125,7 @@
           <a:p>
             <a:fld id="{7DEA23E7-D0FC-41DC-8745-BE6FC447B182}" type="datetime1">
               <a:rPr lang="en-US" altLang="zh-CN" smtClean="0"/>
-              <a:t>9/7/2017</a:t>
+              <a:t>9/10/2017</a:t>
             </a:fld>
             <a:endParaRPr lang="en-US"/>
           </a:p>
@@ -6910,7 +6910,7 @@
           <a:p>
             <a:fld id="{A1BE0A72-8501-4974-A7B7-5BD248ABBAFC}" type="datetime1">
               <a:rPr lang="zh-CN" altLang="en-US" smtClean="0"/>
-              <a:t>2017/9/7</a:t>
+              <a:t>2017/9/10</a:t>
             </a:fld>
             <a:endParaRPr lang="zh-CN" altLang="en-US"/>
           </a:p>
@@ -6963,7 +6963,7 @@
           <a:p>
             <a:fld id="{5DEA8378-5F33-490B-8120-8DE6B7EE2781}" type="datetime1">
               <a:rPr lang="en-US" altLang="zh-CN" smtClean="0"/>
-              <a:t>9/7/2017</a:t>
+              <a:t>9/10/2017</a:t>
             </a:fld>
             <a:endParaRPr lang="en-US"/>
           </a:p>
@@ -7217,7 +7217,7 @@
           <a:p>
             <a:fld id="{38DD30CF-78A7-4C73-91B4-38D3E3317745}" type="datetime1">
               <a:rPr lang="en-US" altLang="zh-CN" smtClean="0"/>
-              <a:t>9/7/2017</a:t>
+              <a:t>9/10/2017</a:t>
             </a:fld>
             <a:endParaRPr lang="en-US"/>
           </a:p>
@@ -7482,7 +7482,7 @@
           <a:p>
             <a:fld id="{0B7E01DD-16D0-4DBA-9C1A-51468BA0B73A}" type="datetime1">
               <a:rPr lang="en-US" altLang="zh-CN" smtClean="0"/>
-              <a:t>9/7/2017</a:t>
+              <a:t>9/10/2017</a:t>
             </a:fld>
             <a:endParaRPr lang="en-US"/>
           </a:p>
@@ -7660,7 +7660,7 @@
           <a:p>
             <a:fld id="{B587E63F-0E62-4A50-901F-E071D77F7634}" type="datetime1">
               <a:rPr lang="en-US" altLang="zh-CN" smtClean="0"/>
-              <a:t>9/7/2017</a:t>
+              <a:t>9/10/2017</a:t>
             </a:fld>
             <a:endParaRPr lang="en-US"/>
           </a:p>
@@ -7848,7 +7848,7 @@
           <a:p>
             <a:fld id="{BD8521E8-9297-400B-AD8C-0A4D05699D33}" type="datetime1">
               <a:rPr lang="en-US" altLang="zh-CN" smtClean="0"/>
-              <a:t>9/7/2017</a:t>
+              <a:t>9/10/2017</a:t>
             </a:fld>
             <a:endParaRPr lang="en-US"/>
           </a:p>
@@ -7951,7 +7951,7 @@
           <a:p>
             <a:fld id="{EF452D9C-F9EB-4417-9C3A-C876C2AF9415}" type="datetime1">
               <a:rPr lang="zh-CN" altLang="en-US" smtClean="0"/>
-              <a:t>2017/9/7</a:t>
+              <a:t>2017/9/10</a:t>
             </a:fld>
             <a:endParaRPr lang="zh-CN" altLang="en-US"/>
           </a:p>
@@ -8137,7 +8137,7 @@
           <a:p>
             <a:fld id="{2F2E9289-9B4C-49AE-BDDA-70D6EDC89D17}" type="datetime1">
               <a:rPr lang="zh-CN" altLang="en-US" smtClean="0"/>
-              <a:t>2017/9/7</a:t>
+              <a:t>2017/9/10</a:t>
             </a:fld>
             <a:endParaRPr lang="zh-CN" altLang="en-US"/>
           </a:p>
@@ -8307,7 +8307,7 @@
           <a:p>
             <a:fld id="{2F2E9289-9B4C-49AE-BDDA-70D6EDC89D17}" type="datetime1">
               <a:rPr lang="zh-CN" altLang="en-US" smtClean="0"/>
-              <a:t>2017/9/7</a:t>
+              <a:t>2017/9/10</a:t>
             </a:fld>
             <a:endParaRPr lang="zh-CN" altLang="en-US"/>
           </a:p>
@@ -8543,7 +8543,7 @@
           <a:p>
             <a:fld id="{8C5BA751-A251-47D6-8494-C134D9EBED5F}" type="datetime1">
               <a:rPr lang="zh-CN" altLang="en-US" smtClean="0"/>
-              <a:t>2017/9/7</a:t>
+              <a:t>2017/9/10</a:t>
             </a:fld>
             <a:endParaRPr lang="zh-CN" altLang="en-US"/>
           </a:p>
@@ -8899,7 +8899,7 @@
           <a:p>
             <a:fld id="{C46E2078-F302-4651-A2A2-2FC6C4E1A3F1}" type="datetime1">
               <a:rPr lang="zh-CN" altLang="en-US" smtClean="0"/>
-              <a:t>2017/9/7</a:t>
+              <a:t>2017/9/10</a:t>
             </a:fld>
             <a:endParaRPr lang="zh-CN" altLang="en-US"/>
           </a:p>
@@ -9021,7 +9021,7 @@
               <a:pPr>
                 <a:defRPr/>
               </a:pPr>
-              <a:t>2017/9/7</a:t>
+              <a:t>2017/9/10</a:t>
             </a:fld>
             <a:endParaRPr lang="zh-CN" altLang="en-US"/>
           </a:p>
@@ -9169,7 +9169,7 @@
           <a:p>
             <a:fld id="{A1BE0A72-8501-4974-A7B7-5BD248ABBAFC}" type="datetime1">
               <a:rPr lang="zh-CN" altLang="en-US" smtClean="0"/>
-              <a:t>2017/9/7</a:t>
+              <a:t>2017/9/10</a:t>
             </a:fld>
             <a:endParaRPr lang="zh-CN" altLang="en-US"/>
           </a:p>
@@ -9683,7 +9683,7 @@
           <a:p>
             <a:fld id="{A1BE0A72-8501-4974-A7B7-5BD248ABBAFC}" type="datetime1">
               <a:rPr lang="zh-CN" altLang="en-US" smtClean="0"/>
-              <a:t>2017/9/7</a:t>
+              <a:t>2017/9/10</a:t>
             </a:fld>
             <a:endParaRPr lang="zh-CN" altLang="en-US"/>
           </a:p>
@@ -10289,7 +10289,7 @@
           <a:p>
             <a:fld id="{7A78726F-0AD2-4A20-BC72-263D2D3F3A2F}" type="datetime1">
               <a:rPr lang="en-US" altLang="zh-CN" smtClean="0"/>
-              <a:t>9/7/2017</a:t>
+              <a:t>9/10/2017</a:t>
             </a:fld>
             <a:endParaRPr lang="en-US"/>
           </a:p>
@@ -11270,7 +11270,7 @@
           <a:p>
             <a:fld id="{A1BE0A72-8501-4974-A7B7-5BD248ABBAFC}" type="datetime1">
               <a:rPr lang="zh-CN" altLang="en-US" smtClean="0"/>
-              <a:t>2017/9/7</a:t>
+              <a:t>2017/9/10</a:t>
             </a:fld>
             <a:endParaRPr lang="zh-CN" altLang="en-US"/>
           </a:p>
@@ -11876,7 +11876,7 @@
           <a:p>
             <a:fld id="{7A78726F-0AD2-4A20-BC72-263D2D3F3A2F}" type="datetime1">
               <a:rPr lang="en-US" altLang="zh-CN" smtClean="0"/>
-              <a:t>9/7/2017</a:t>
+              <a:t>9/10/2017</a:t>
             </a:fld>
             <a:endParaRPr lang="en-US"/>
           </a:p>

--- a/meterials/slides/ch04 reply-message.pptx
+++ b/meterials/slides/ch04 reply-message.pptx
@@ -270,7 +270,7 @@
           <a:p>
             <a:fld id="{2B71C804-97F5-4B36-A7AC-EEEC7F44F6C2}" type="datetimeFigureOut">
               <a:rPr lang="zh-CN" altLang="en-US" smtClean="0"/>
-              <a:t>2017/9/10</a:t>
+              <a:t>2017/9/26</a:t>
             </a:fld>
             <a:endParaRPr lang="zh-CN" altLang="en-US"/>
           </a:p>
@@ -436,7 +436,7 @@
           <a:p>
             <a:fld id="{0568D9C6-D8DC-4CC3-8480-E0C4DBA1CC07}" type="datetimeFigureOut">
               <a:rPr lang="zh-CN" altLang="en-US" smtClean="0"/>
-              <a:t>2017/9/10</a:t>
+              <a:t>2017/9/26</a:t>
             </a:fld>
             <a:endParaRPr lang="zh-CN" altLang="en-US"/>
           </a:p>
@@ -1049,7 +1049,7 @@
           <a:p>
             <a:fld id="{DB9D664F-4C68-42D2-B189-678958EFAFDA}" type="datetime1">
               <a:rPr lang="zh-CN" altLang="en-US" smtClean="0"/>
-              <a:t>2017/9/10</a:t>
+              <a:t>2017/9/26</a:t>
             </a:fld>
             <a:endParaRPr lang="zh-CN" altLang="en-US"/>
           </a:p>
@@ -2031,7 +2031,7 @@
           <a:p>
             <a:fld id="{ED5513C8-E3A4-4D78-B249-887659A958FF}" type="datetime1">
               <a:rPr lang="en-US" altLang="zh-CN" smtClean="0"/>
-              <a:t>9/10/2017</a:t>
+              <a:t>9/26/2017</a:t>
             </a:fld>
             <a:endParaRPr lang="en-US"/>
           </a:p>
@@ -2209,7 +2209,7 @@
           <a:p>
             <a:fld id="{EBEDA52C-3EEE-4289-818C-901C0A7814FE}" type="datetime1">
               <a:rPr lang="en-US" altLang="zh-CN" smtClean="0"/>
-              <a:t>9/10/2017</a:t>
+              <a:t>9/26/2017</a:t>
             </a:fld>
             <a:endParaRPr lang="en-US"/>
           </a:p>
@@ -2463,7 +2463,7 @@
           <a:p>
             <a:fld id="{09EF5D7F-EA15-485C-85DD-8FDC010A62D4}" type="datetime1">
               <a:rPr lang="en-US" altLang="zh-CN" smtClean="0"/>
-              <a:t>9/10/2017</a:t>
+              <a:t>9/26/2017</a:t>
             </a:fld>
             <a:endParaRPr lang="en-US"/>
           </a:p>
@@ -2703,7 +2703,7 @@
           <a:p>
             <a:fld id="{9541C2B2-0BAB-4CD4-83EE-25F1A7138896}" type="datetime1">
               <a:rPr lang="en-US" altLang="zh-CN" smtClean="0"/>
-              <a:t>9/10/2017</a:t>
+              <a:t>9/26/2017</a:t>
             </a:fld>
             <a:endParaRPr lang="en-US"/>
           </a:p>
@@ -3078,7 +3078,7 @@
           <a:p>
             <a:fld id="{7DEA23E7-D0FC-41DC-8745-BE6FC447B182}" type="datetime1">
               <a:rPr lang="en-US" altLang="zh-CN" smtClean="0"/>
-              <a:t>9/10/2017</a:t>
+              <a:t>9/26/2017</a:t>
             </a:fld>
             <a:endParaRPr lang="en-US"/>
           </a:p>
@@ -3863,7 +3863,7 @@
           <a:p>
             <a:fld id="{5DEA8378-5F33-490B-8120-8DE6B7EE2781}" type="datetime1">
               <a:rPr lang="en-US" altLang="zh-CN" smtClean="0"/>
-              <a:t>9/10/2017</a:t>
+              <a:t>9/26/2017</a:t>
             </a:fld>
             <a:endParaRPr lang="en-US"/>
           </a:p>
@@ -4117,7 +4117,7 @@
           <a:p>
             <a:fld id="{38DD30CF-78A7-4C73-91B4-38D3E3317745}" type="datetime1">
               <a:rPr lang="en-US" altLang="zh-CN" smtClean="0"/>
-              <a:t>9/10/2017</a:t>
+              <a:t>9/26/2017</a:t>
             </a:fld>
             <a:endParaRPr lang="en-US"/>
           </a:p>
@@ -4220,7 +4220,7 @@
           <a:p>
             <a:fld id="{A1BE0A72-8501-4974-A7B7-5BD248ABBAFC}" type="datetime1">
               <a:rPr lang="zh-CN" altLang="en-US" smtClean="0"/>
-              <a:t>2017/9/10</a:t>
+              <a:t>2017/9/26</a:t>
             </a:fld>
             <a:endParaRPr lang="zh-CN" altLang="en-US"/>
           </a:p>
@@ -4481,7 +4481,7 @@
           <a:p>
             <a:fld id="{0B7E01DD-16D0-4DBA-9C1A-51468BA0B73A}" type="datetime1">
               <a:rPr lang="en-US" altLang="zh-CN" smtClean="0"/>
-              <a:t>9/10/2017</a:t>
+              <a:t>9/26/2017</a:t>
             </a:fld>
             <a:endParaRPr lang="en-US"/>
           </a:p>
@@ -4659,7 +4659,7 @@
           <a:p>
             <a:fld id="{B587E63F-0E62-4A50-901F-E071D77F7634}" type="datetime1">
               <a:rPr lang="en-US" altLang="zh-CN" smtClean="0"/>
-              <a:t>9/10/2017</a:t>
+              <a:t>9/26/2017</a:t>
             </a:fld>
             <a:endParaRPr lang="en-US"/>
           </a:p>
@@ -4847,7 +4847,7 @@
           <a:p>
             <a:fld id="{BD8521E8-9297-400B-AD8C-0A4D05699D33}" type="datetime1">
               <a:rPr lang="en-US" altLang="zh-CN" smtClean="0"/>
-              <a:t>9/10/2017</a:t>
+              <a:t>9/26/2017</a:t>
             </a:fld>
             <a:endParaRPr lang="en-US"/>
           </a:p>
@@ -5078,7 +5078,7 @@
           <a:p>
             <a:fld id="{ED5513C8-E3A4-4D78-B249-887659A958FF}" type="datetime1">
               <a:rPr lang="en-US" altLang="zh-CN" smtClean="0"/>
-              <a:t>9/10/2017</a:t>
+              <a:t>9/26/2017</a:t>
             </a:fld>
             <a:endParaRPr lang="en-US"/>
           </a:p>
@@ -5256,7 +5256,7 @@
           <a:p>
             <a:fld id="{EBEDA52C-3EEE-4289-818C-901C0A7814FE}" type="datetime1">
               <a:rPr lang="en-US" altLang="zh-CN" smtClean="0"/>
-              <a:t>9/10/2017</a:t>
+              <a:t>9/26/2017</a:t>
             </a:fld>
             <a:endParaRPr lang="en-US"/>
           </a:p>
@@ -5510,7 +5510,7 @@
           <a:p>
             <a:fld id="{09EF5D7F-EA15-485C-85DD-8FDC010A62D4}" type="datetime1">
               <a:rPr lang="en-US" altLang="zh-CN" smtClean="0"/>
-              <a:t>9/10/2017</a:t>
+              <a:t>9/26/2017</a:t>
             </a:fld>
             <a:endParaRPr lang="en-US"/>
           </a:p>
@@ -5750,7 +5750,7 @@
           <a:p>
             <a:fld id="{9541C2B2-0BAB-4CD4-83EE-25F1A7138896}" type="datetime1">
               <a:rPr lang="en-US" altLang="zh-CN" smtClean="0"/>
-              <a:t>9/10/2017</a:t>
+              <a:t>9/26/2017</a:t>
             </a:fld>
             <a:endParaRPr lang="en-US"/>
           </a:p>
@@ -6125,7 +6125,7 @@
           <a:p>
             <a:fld id="{7DEA23E7-D0FC-41DC-8745-BE6FC447B182}" type="datetime1">
               <a:rPr lang="en-US" altLang="zh-CN" smtClean="0"/>
-              <a:t>9/10/2017</a:t>
+              <a:t>9/26/2017</a:t>
             </a:fld>
             <a:endParaRPr lang="en-US"/>
           </a:p>
@@ -6910,7 +6910,7 @@
           <a:p>
             <a:fld id="{A1BE0A72-8501-4974-A7B7-5BD248ABBAFC}" type="datetime1">
               <a:rPr lang="zh-CN" altLang="en-US" smtClean="0"/>
-              <a:t>2017/9/10</a:t>
+              <a:t>2017/9/26</a:t>
             </a:fld>
             <a:endParaRPr lang="zh-CN" altLang="en-US"/>
           </a:p>
@@ -6963,7 +6963,7 @@
           <a:p>
             <a:fld id="{5DEA8378-5F33-490B-8120-8DE6B7EE2781}" type="datetime1">
               <a:rPr lang="en-US" altLang="zh-CN" smtClean="0"/>
-              <a:t>9/10/2017</a:t>
+              <a:t>9/26/2017</a:t>
             </a:fld>
             <a:endParaRPr lang="en-US"/>
           </a:p>
@@ -7217,7 +7217,7 @@
           <a:p>
             <a:fld id="{38DD30CF-78A7-4C73-91B4-38D3E3317745}" type="datetime1">
               <a:rPr lang="en-US" altLang="zh-CN" smtClean="0"/>
-              <a:t>9/10/2017</a:t>
+              <a:t>9/26/2017</a:t>
             </a:fld>
             <a:endParaRPr lang="en-US"/>
           </a:p>
@@ -7482,7 +7482,7 @@
           <a:p>
             <a:fld id="{0B7E01DD-16D0-4DBA-9C1A-51468BA0B73A}" type="datetime1">
               <a:rPr lang="en-US" altLang="zh-CN" smtClean="0"/>
-              <a:t>9/10/2017</a:t>
+              <a:t>9/26/2017</a:t>
             </a:fld>
             <a:endParaRPr lang="en-US"/>
           </a:p>
@@ -7660,7 +7660,7 @@
           <a:p>
             <a:fld id="{B587E63F-0E62-4A50-901F-E071D77F7634}" type="datetime1">
               <a:rPr lang="en-US" altLang="zh-CN" smtClean="0"/>
-              <a:t>9/10/2017</a:t>
+              <a:t>9/26/2017</a:t>
             </a:fld>
             <a:endParaRPr lang="en-US"/>
           </a:p>
@@ -7848,7 +7848,7 @@
           <a:p>
             <a:fld id="{BD8521E8-9297-400B-AD8C-0A4D05699D33}" type="datetime1">
               <a:rPr lang="en-US" altLang="zh-CN" smtClean="0"/>
-              <a:t>9/10/2017</a:t>
+              <a:t>9/26/2017</a:t>
             </a:fld>
             <a:endParaRPr lang="en-US"/>
           </a:p>
@@ -7951,7 +7951,7 @@
           <a:p>
             <a:fld id="{EF452D9C-F9EB-4417-9C3A-C876C2AF9415}" type="datetime1">
               <a:rPr lang="zh-CN" altLang="en-US" smtClean="0"/>
-              <a:t>2017/9/10</a:t>
+              <a:t>2017/9/26</a:t>
             </a:fld>
             <a:endParaRPr lang="zh-CN" altLang="en-US"/>
           </a:p>
@@ -8137,7 +8137,7 @@
           <a:p>
             <a:fld id="{2F2E9289-9B4C-49AE-BDDA-70D6EDC89D17}" type="datetime1">
               <a:rPr lang="zh-CN" altLang="en-US" smtClean="0"/>
-              <a:t>2017/9/10</a:t>
+              <a:t>2017/9/26</a:t>
             </a:fld>
             <a:endParaRPr lang="zh-CN" altLang="en-US"/>
           </a:p>
@@ -8307,7 +8307,7 @@
           <a:p>
             <a:fld id="{2F2E9289-9B4C-49AE-BDDA-70D6EDC89D17}" type="datetime1">
               <a:rPr lang="zh-CN" altLang="en-US" smtClean="0"/>
-              <a:t>2017/9/10</a:t>
+              <a:t>2017/9/26</a:t>
             </a:fld>
             <a:endParaRPr lang="zh-CN" altLang="en-US"/>
           </a:p>
@@ -8543,7 +8543,7 @@
           <a:p>
             <a:fld id="{8C5BA751-A251-47D6-8494-C134D9EBED5F}" type="datetime1">
               <a:rPr lang="zh-CN" altLang="en-US" smtClean="0"/>
-              <a:t>2017/9/10</a:t>
+              <a:t>2017/9/26</a:t>
             </a:fld>
             <a:endParaRPr lang="zh-CN" altLang="en-US"/>
           </a:p>
@@ -8899,7 +8899,7 @@
           <a:p>
             <a:fld id="{C46E2078-F302-4651-A2A2-2FC6C4E1A3F1}" type="datetime1">
               <a:rPr lang="zh-CN" altLang="en-US" smtClean="0"/>
-              <a:t>2017/9/10</a:t>
+              <a:t>2017/9/26</a:t>
             </a:fld>
             <a:endParaRPr lang="zh-CN" altLang="en-US"/>
           </a:p>
@@ -9021,7 +9021,7 @@
               <a:pPr>
                 <a:defRPr/>
               </a:pPr>
-              <a:t>2017/9/10</a:t>
+              <a:t>2017/9/26</a:t>
             </a:fld>
             <a:endParaRPr lang="zh-CN" altLang="en-US"/>
           </a:p>
@@ -9169,7 +9169,7 @@
           <a:p>
             <a:fld id="{A1BE0A72-8501-4974-A7B7-5BD248ABBAFC}" type="datetime1">
               <a:rPr lang="zh-CN" altLang="en-US" smtClean="0"/>
-              <a:t>2017/9/10</a:t>
+              <a:t>2017/9/26</a:t>
             </a:fld>
             <a:endParaRPr lang="zh-CN" altLang="en-US"/>
           </a:p>
@@ -9683,7 +9683,7 @@
           <a:p>
             <a:fld id="{A1BE0A72-8501-4974-A7B7-5BD248ABBAFC}" type="datetime1">
               <a:rPr lang="zh-CN" altLang="en-US" smtClean="0"/>
-              <a:t>2017/9/10</a:t>
+              <a:t>2017/9/26</a:t>
             </a:fld>
             <a:endParaRPr lang="zh-CN" altLang="en-US"/>
           </a:p>
@@ -10289,7 +10289,7 @@
           <a:p>
             <a:fld id="{7A78726F-0AD2-4A20-BC72-263D2D3F3A2F}" type="datetime1">
               <a:rPr lang="en-US" altLang="zh-CN" smtClean="0"/>
-              <a:t>9/10/2017</a:t>
+              <a:t>9/26/2017</a:t>
             </a:fld>
             <a:endParaRPr lang="en-US"/>
           </a:p>
@@ -11270,7 +11270,7 @@
           <a:p>
             <a:fld id="{A1BE0A72-8501-4974-A7B7-5BD248ABBAFC}" type="datetime1">
               <a:rPr lang="zh-CN" altLang="en-US" smtClean="0"/>
-              <a:t>2017/9/10</a:t>
+              <a:t>2017/9/26</a:t>
             </a:fld>
             <a:endParaRPr lang="zh-CN" altLang="en-US"/>
           </a:p>
@@ -11876,7 +11876,7 @@
           <a:p>
             <a:fld id="{7A78726F-0AD2-4A20-BC72-263D2D3F3A2F}" type="datetime1">
               <a:rPr lang="en-US" altLang="zh-CN" smtClean="0"/>
-              <a:t>9/10/2017</a:t>
+              <a:t>9/26/2017</a:t>
             </a:fld>
             <a:endParaRPr lang="en-US"/>
           </a:p>
@@ -17431,10 +17431,12 @@
             </a:endParaRPr>
           </a:p>
           <a:p>
-            <a:pPr>
+            <a:pPr marL="342900" indent="-342900">
               <a:lnSpc>
                 <a:spcPct val="150000"/>
               </a:lnSpc>
+              <a:buFont typeface="Arial" panose="020B0604020202020204" pitchFamily="34" charset="0"/>
+              <a:buChar char="•"/>
             </a:pPr>
             <a:r>
               <a:rPr lang="zh-CN" altLang="en-US" sz="2000" dirty="0">

--- a/meterials/slides/ch04 reply-message.pptx
+++ b/meterials/slides/ch04 reply-message.pptx
@@ -16,19 +16,19 @@
   </p:handoutMasterIdLst>
   <p:sldIdLst>
     <p:sldId id="257" r:id="rId6"/>
-    <p:sldId id="454" r:id="rId7"/>
-    <p:sldId id="446" r:id="rId8"/>
-    <p:sldId id="451" r:id="rId9"/>
-    <p:sldId id="459" r:id="rId10"/>
-    <p:sldId id="462" r:id="rId11"/>
-    <p:sldId id="463" r:id="rId12"/>
-    <p:sldId id="461" r:id="rId13"/>
-    <p:sldId id="464" r:id="rId14"/>
-    <p:sldId id="460" r:id="rId15"/>
-    <p:sldId id="439" r:id="rId16"/>
-    <p:sldId id="465" r:id="rId17"/>
-    <p:sldId id="456" r:id="rId18"/>
-    <p:sldId id="440" r:id="rId19"/>
+    <p:sldId id="446" r:id="rId7"/>
+    <p:sldId id="451" r:id="rId8"/>
+    <p:sldId id="459" r:id="rId9"/>
+    <p:sldId id="462" r:id="rId10"/>
+    <p:sldId id="463" r:id="rId11"/>
+    <p:sldId id="461" r:id="rId12"/>
+    <p:sldId id="464" r:id="rId13"/>
+    <p:sldId id="460" r:id="rId14"/>
+    <p:sldId id="439" r:id="rId15"/>
+    <p:sldId id="465" r:id="rId16"/>
+    <p:sldId id="456" r:id="rId17"/>
+    <p:sldId id="440" r:id="rId18"/>
+    <p:sldId id="466" r:id="rId19"/>
     <p:sldId id="452" r:id="rId20"/>
     <p:sldId id="457" r:id="rId21"/>
     <p:sldId id="435" r:id="rId22"/>
@@ -270,7 +270,7 @@
           <a:p>
             <a:fld id="{2B71C804-97F5-4B36-A7AC-EEEC7F44F6C2}" type="datetimeFigureOut">
               <a:rPr lang="zh-CN" altLang="en-US" smtClean="0"/>
-              <a:t>2017/9/26</a:t>
+              <a:t>2017/10/17</a:t>
             </a:fld>
             <a:endParaRPr lang="zh-CN" altLang="en-US"/>
           </a:p>
@@ -436,7 +436,7 @@
           <a:p>
             <a:fld id="{0568D9C6-D8DC-4CC3-8480-E0C4DBA1CC07}" type="datetimeFigureOut">
               <a:rPr lang="zh-CN" altLang="en-US" smtClean="0"/>
-              <a:t>2017/9/26</a:t>
+              <a:t>2017/10/17</a:t>
             </a:fld>
             <a:endParaRPr lang="zh-CN" altLang="en-US"/>
           </a:p>
@@ -1049,7 +1049,7 @@
           <a:p>
             <a:fld id="{DB9D664F-4C68-42D2-B189-678958EFAFDA}" type="datetime1">
               <a:rPr lang="zh-CN" altLang="en-US" smtClean="0"/>
-              <a:t>2017/9/26</a:t>
+              <a:t>2017/10/17</a:t>
             </a:fld>
             <a:endParaRPr lang="zh-CN" altLang="en-US"/>
           </a:p>
@@ -2031,7 +2031,7 @@
           <a:p>
             <a:fld id="{ED5513C8-E3A4-4D78-B249-887659A958FF}" type="datetime1">
               <a:rPr lang="en-US" altLang="zh-CN" smtClean="0"/>
-              <a:t>9/26/2017</a:t>
+              <a:t>10/17/2017</a:t>
             </a:fld>
             <a:endParaRPr lang="en-US"/>
           </a:p>
@@ -2209,7 +2209,7 @@
           <a:p>
             <a:fld id="{EBEDA52C-3EEE-4289-818C-901C0A7814FE}" type="datetime1">
               <a:rPr lang="en-US" altLang="zh-CN" smtClean="0"/>
-              <a:t>9/26/2017</a:t>
+              <a:t>10/17/2017</a:t>
             </a:fld>
             <a:endParaRPr lang="en-US"/>
           </a:p>
@@ -2463,7 +2463,7 @@
           <a:p>
             <a:fld id="{09EF5D7F-EA15-485C-85DD-8FDC010A62D4}" type="datetime1">
               <a:rPr lang="en-US" altLang="zh-CN" smtClean="0"/>
-              <a:t>9/26/2017</a:t>
+              <a:t>10/17/2017</a:t>
             </a:fld>
             <a:endParaRPr lang="en-US"/>
           </a:p>
@@ -2703,7 +2703,7 @@
           <a:p>
             <a:fld id="{9541C2B2-0BAB-4CD4-83EE-25F1A7138896}" type="datetime1">
               <a:rPr lang="en-US" altLang="zh-CN" smtClean="0"/>
-              <a:t>9/26/2017</a:t>
+              <a:t>10/17/2017</a:t>
             </a:fld>
             <a:endParaRPr lang="en-US"/>
           </a:p>
@@ -3078,7 +3078,7 @@
           <a:p>
             <a:fld id="{7DEA23E7-D0FC-41DC-8745-BE6FC447B182}" type="datetime1">
               <a:rPr lang="en-US" altLang="zh-CN" smtClean="0"/>
-              <a:t>9/26/2017</a:t>
+              <a:t>10/17/2017</a:t>
             </a:fld>
             <a:endParaRPr lang="en-US"/>
           </a:p>
@@ -3863,7 +3863,7 @@
           <a:p>
             <a:fld id="{5DEA8378-5F33-490B-8120-8DE6B7EE2781}" type="datetime1">
               <a:rPr lang="en-US" altLang="zh-CN" smtClean="0"/>
-              <a:t>9/26/2017</a:t>
+              <a:t>10/17/2017</a:t>
             </a:fld>
             <a:endParaRPr lang="en-US"/>
           </a:p>
@@ -4117,7 +4117,7 @@
           <a:p>
             <a:fld id="{38DD30CF-78A7-4C73-91B4-38D3E3317745}" type="datetime1">
               <a:rPr lang="en-US" altLang="zh-CN" smtClean="0"/>
-              <a:t>9/26/2017</a:t>
+              <a:t>10/17/2017</a:t>
             </a:fld>
             <a:endParaRPr lang="en-US"/>
           </a:p>
@@ -4220,7 +4220,7 @@
           <a:p>
             <a:fld id="{A1BE0A72-8501-4974-A7B7-5BD248ABBAFC}" type="datetime1">
               <a:rPr lang="zh-CN" altLang="en-US" smtClean="0"/>
-              <a:t>2017/9/26</a:t>
+              <a:t>2017/10/17</a:t>
             </a:fld>
             <a:endParaRPr lang="zh-CN" altLang="en-US"/>
           </a:p>
@@ -4481,7 +4481,7 @@
           <a:p>
             <a:fld id="{0B7E01DD-16D0-4DBA-9C1A-51468BA0B73A}" type="datetime1">
               <a:rPr lang="en-US" altLang="zh-CN" smtClean="0"/>
-              <a:t>9/26/2017</a:t>
+              <a:t>10/17/2017</a:t>
             </a:fld>
             <a:endParaRPr lang="en-US"/>
           </a:p>
@@ -4659,7 +4659,7 @@
           <a:p>
             <a:fld id="{B587E63F-0E62-4A50-901F-E071D77F7634}" type="datetime1">
               <a:rPr lang="en-US" altLang="zh-CN" smtClean="0"/>
-              <a:t>9/26/2017</a:t>
+              <a:t>10/17/2017</a:t>
             </a:fld>
             <a:endParaRPr lang="en-US"/>
           </a:p>
@@ -4847,7 +4847,7 @@
           <a:p>
             <a:fld id="{BD8521E8-9297-400B-AD8C-0A4D05699D33}" type="datetime1">
               <a:rPr lang="en-US" altLang="zh-CN" smtClean="0"/>
-              <a:t>9/26/2017</a:t>
+              <a:t>10/17/2017</a:t>
             </a:fld>
             <a:endParaRPr lang="en-US"/>
           </a:p>
@@ -5078,7 +5078,7 @@
           <a:p>
             <a:fld id="{ED5513C8-E3A4-4D78-B249-887659A958FF}" type="datetime1">
               <a:rPr lang="en-US" altLang="zh-CN" smtClean="0"/>
-              <a:t>9/26/2017</a:t>
+              <a:t>10/17/2017</a:t>
             </a:fld>
             <a:endParaRPr lang="en-US"/>
           </a:p>
@@ -5256,7 +5256,7 @@
           <a:p>
             <a:fld id="{EBEDA52C-3EEE-4289-818C-901C0A7814FE}" type="datetime1">
               <a:rPr lang="en-US" altLang="zh-CN" smtClean="0"/>
-              <a:t>9/26/2017</a:t>
+              <a:t>10/17/2017</a:t>
             </a:fld>
             <a:endParaRPr lang="en-US"/>
           </a:p>
@@ -5510,7 +5510,7 @@
           <a:p>
             <a:fld id="{09EF5D7F-EA15-485C-85DD-8FDC010A62D4}" type="datetime1">
               <a:rPr lang="en-US" altLang="zh-CN" smtClean="0"/>
-              <a:t>9/26/2017</a:t>
+              <a:t>10/17/2017</a:t>
             </a:fld>
             <a:endParaRPr lang="en-US"/>
           </a:p>
@@ -5750,7 +5750,7 @@
           <a:p>
             <a:fld id="{9541C2B2-0BAB-4CD4-83EE-25F1A7138896}" type="datetime1">
               <a:rPr lang="en-US" altLang="zh-CN" smtClean="0"/>
-              <a:t>9/26/2017</a:t>
+              <a:t>10/17/2017</a:t>
             </a:fld>
             <a:endParaRPr lang="en-US"/>
           </a:p>
@@ -6125,7 +6125,7 @@
           <a:p>
             <a:fld id="{7DEA23E7-D0FC-41DC-8745-BE6FC447B182}" type="datetime1">
               <a:rPr lang="en-US" altLang="zh-CN" smtClean="0"/>
-              <a:t>9/26/2017</a:t>
+              <a:t>10/17/2017</a:t>
             </a:fld>
             <a:endParaRPr lang="en-US"/>
           </a:p>
@@ -6910,7 +6910,7 @@
           <a:p>
             <a:fld id="{A1BE0A72-8501-4974-A7B7-5BD248ABBAFC}" type="datetime1">
               <a:rPr lang="zh-CN" altLang="en-US" smtClean="0"/>
-              <a:t>2017/9/26</a:t>
+              <a:t>2017/10/17</a:t>
             </a:fld>
             <a:endParaRPr lang="zh-CN" altLang="en-US"/>
           </a:p>
@@ -6963,7 +6963,7 @@
           <a:p>
             <a:fld id="{5DEA8378-5F33-490B-8120-8DE6B7EE2781}" type="datetime1">
               <a:rPr lang="en-US" altLang="zh-CN" smtClean="0"/>
-              <a:t>9/26/2017</a:t>
+              <a:t>10/17/2017</a:t>
             </a:fld>
             <a:endParaRPr lang="en-US"/>
           </a:p>
@@ -7217,7 +7217,7 @@
           <a:p>
             <a:fld id="{38DD30CF-78A7-4C73-91B4-38D3E3317745}" type="datetime1">
               <a:rPr lang="en-US" altLang="zh-CN" smtClean="0"/>
-              <a:t>9/26/2017</a:t>
+              <a:t>10/17/2017</a:t>
             </a:fld>
             <a:endParaRPr lang="en-US"/>
           </a:p>
@@ -7482,7 +7482,7 @@
           <a:p>
             <a:fld id="{0B7E01DD-16D0-4DBA-9C1A-51468BA0B73A}" type="datetime1">
               <a:rPr lang="en-US" altLang="zh-CN" smtClean="0"/>
-              <a:t>9/26/2017</a:t>
+              <a:t>10/17/2017</a:t>
             </a:fld>
             <a:endParaRPr lang="en-US"/>
           </a:p>
@@ -7660,7 +7660,7 @@
           <a:p>
             <a:fld id="{B587E63F-0E62-4A50-901F-E071D77F7634}" type="datetime1">
               <a:rPr lang="en-US" altLang="zh-CN" smtClean="0"/>
-              <a:t>9/26/2017</a:t>
+              <a:t>10/17/2017</a:t>
             </a:fld>
             <a:endParaRPr lang="en-US"/>
           </a:p>
@@ -7848,7 +7848,7 @@
           <a:p>
             <a:fld id="{BD8521E8-9297-400B-AD8C-0A4D05699D33}" type="datetime1">
               <a:rPr lang="en-US" altLang="zh-CN" smtClean="0"/>
-              <a:t>9/26/2017</a:t>
+              <a:t>10/17/2017</a:t>
             </a:fld>
             <a:endParaRPr lang="en-US"/>
           </a:p>
@@ -7951,7 +7951,7 @@
           <a:p>
             <a:fld id="{EF452D9C-F9EB-4417-9C3A-C876C2AF9415}" type="datetime1">
               <a:rPr lang="zh-CN" altLang="en-US" smtClean="0"/>
-              <a:t>2017/9/26</a:t>
+              <a:t>2017/10/17</a:t>
             </a:fld>
             <a:endParaRPr lang="zh-CN" altLang="en-US"/>
           </a:p>
@@ -8137,7 +8137,7 @@
           <a:p>
             <a:fld id="{2F2E9289-9B4C-49AE-BDDA-70D6EDC89D17}" type="datetime1">
               <a:rPr lang="zh-CN" altLang="en-US" smtClean="0"/>
-              <a:t>2017/9/26</a:t>
+              <a:t>2017/10/17</a:t>
             </a:fld>
             <a:endParaRPr lang="zh-CN" altLang="en-US"/>
           </a:p>
@@ -8307,7 +8307,7 @@
           <a:p>
             <a:fld id="{2F2E9289-9B4C-49AE-BDDA-70D6EDC89D17}" type="datetime1">
               <a:rPr lang="zh-CN" altLang="en-US" smtClean="0"/>
-              <a:t>2017/9/26</a:t>
+              <a:t>2017/10/17</a:t>
             </a:fld>
             <a:endParaRPr lang="zh-CN" altLang="en-US"/>
           </a:p>
@@ -8543,7 +8543,7 @@
           <a:p>
             <a:fld id="{8C5BA751-A251-47D6-8494-C134D9EBED5F}" type="datetime1">
               <a:rPr lang="zh-CN" altLang="en-US" smtClean="0"/>
-              <a:t>2017/9/26</a:t>
+              <a:t>2017/10/17</a:t>
             </a:fld>
             <a:endParaRPr lang="zh-CN" altLang="en-US"/>
           </a:p>
@@ -8899,7 +8899,7 @@
           <a:p>
             <a:fld id="{C46E2078-F302-4651-A2A2-2FC6C4E1A3F1}" type="datetime1">
               <a:rPr lang="zh-CN" altLang="en-US" smtClean="0"/>
-              <a:t>2017/9/26</a:t>
+              <a:t>2017/10/17</a:t>
             </a:fld>
             <a:endParaRPr lang="zh-CN" altLang="en-US"/>
           </a:p>
@@ -9021,7 +9021,7 @@
               <a:pPr>
                 <a:defRPr/>
               </a:pPr>
-              <a:t>2017/9/26</a:t>
+              <a:t>2017/10/17</a:t>
             </a:fld>
             <a:endParaRPr lang="zh-CN" altLang="en-US"/>
           </a:p>
@@ -9169,7 +9169,7 @@
           <a:p>
             <a:fld id="{A1BE0A72-8501-4974-A7B7-5BD248ABBAFC}" type="datetime1">
               <a:rPr lang="zh-CN" altLang="en-US" smtClean="0"/>
-              <a:t>2017/9/26</a:t>
+              <a:t>2017/10/17</a:t>
             </a:fld>
             <a:endParaRPr lang="zh-CN" altLang="en-US"/>
           </a:p>
@@ -9683,7 +9683,7 @@
           <a:p>
             <a:fld id="{A1BE0A72-8501-4974-A7B7-5BD248ABBAFC}" type="datetime1">
               <a:rPr lang="zh-CN" altLang="en-US" smtClean="0"/>
-              <a:t>2017/9/26</a:t>
+              <a:t>2017/10/17</a:t>
             </a:fld>
             <a:endParaRPr lang="zh-CN" altLang="en-US"/>
           </a:p>
@@ -10289,7 +10289,7 @@
           <a:p>
             <a:fld id="{7A78726F-0AD2-4A20-BC72-263D2D3F3A2F}" type="datetime1">
               <a:rPr lang="en-US" altLang="zh-CN" smtClean="0"/>
-              <a:t>9/26/2017</a:t>
+              <a:t>10/17/2017</a:t>
             </a:fld>
             <a:endParaRPr lang="en-US"/>
           </a:p>
@@ -11270,7 +11270,7 @@
           <a:p>
             <a:fld id="{A1BE0A72-8501-4974-A7B7-5BD248ABBAFC}" type="datetime1">
               <a:rPr lang="zh-CN" altLang="en-US" smtClean="0"/>
-              <a:t>2017/9/26</a:t>
+              <a:t>2017/10/17</a:t>
             </a:fld>
             <a:endParaRPr lang="zh-CN" altLang="en-US"/>
           </a:p>
@@ -11876,7 +11876,7 @@
           <a:p>
             <a:fld id="{7A78726F-0AD2-4A20-BC72-263D2D3F3A2F}" type="datetime1">
               <a:rPr lang="en-US" altLang="zh-CN" smtClean="0"/>
-              <a:t>9/26/2017</a:t>
+              <a:t>10/17/2017</a:t>
             </a:fld>
             <a:endParaRPr lang="en-US"/>
           </a:p>
@@ -12832,188 +12832,6 @@
       </p:grpSpPr>
       <p:sp>
         <p:nvSpPr>
-          <p:cNvPr id="2" name="内容占位符 1"/>
-          <p:cNvSpPr>
-            <a:spLocks noGrp="1"/>
-          </p:cNvSpPr>
-          <p:nvPr>
-            <p:ph sz="quarter" idx="13"/>
-          </p:nvPr>
-        </p:nvSpPr>
-        <p:spPr/>
-        <p:txBody>
-          <a:bodyPr/>
-          <a:lstStyle/>
-          <a:p>
-            <a:r>
-              <a:rPr lang="zh-CN" altLang="en-US" b="0" dirty="0"/>
-              <a:t>第二讲</a:t>
-            </a:r>
-          </a:p>
-        </p:txBody>
-      </p:sp>
-      <p:sp>
-        <p:nvSpPr>
-          <p:cNvPr id="4" name="文本框 3"/>
-          <p:cNvSpPr txBox="1"/>
-          <p:nvPr/>
-        </p:nvSpPr>
-        <p:spPr>
-          <a:xfrm>
-            <a:off x="4058444" y="2343152"/>
-            <a:ext cx="4699794" cy="2062103"/>
-          </a:xfrm>
-          <a:prstGeom prst="rect">
-            <a:avLst/>
-          </a:prstGeom>
-          <a:noFill/>
-        </p:spPr>
-        <p:txBody>
-          <a:bodyPr wrap="square" rtlCol="0">
-            <a:spAutoFit/>
-          </a:bodyPr>
-          <a:lstStyle/>
-          <a:p>
-            <a:pPr marL="514350" indent="-514350">
-              <a:lnSpc>
-                <a:spcPct val="200000"/>
-              </a:lnSpc>
-              <a:buFont typeface="+mj-ea"/>
-              <a:buAutoNum type="ea1JpnChsDbPeriod"/>
-            </a:pPr>
-            <a:r>
-              <a:rPr lang="en-US" altLang="zh-CN" sz="2000" dirty="0">
-                <a:solidFill>
-                  <a:schemeClr val="tx1">
-                    <a:lumMod val="65000"/>
-                    <a:lumOff val="35000"/>
-                  </a:schemeClr>
-                </a:solidFill>
-                <a:latin typeface="微软雅黑" panose="020B0503020204020204" pitchFamily="34" charset="-122"/>
-                <a:ea typeface="微软雅黑" panose="020B0503020204020204" pitchFamily="34" charset="-122"/>
-              </a:rPr>
-              <a:t>XML</a:t>
-            </a:r>
-            <a:r>
-              <a:rPr lang="zh-CN" altLang="en-US" sz="2000" dirty="0">
-                <a:solidFill>
-                  <a:schemeClr val="tx1">
-                    <a:lumMod val="65000"/>
-                    <a:lumOff val="35000"/>
-                  </a:schemeClr>
-                </a:solidFill>
-                <a:latin typeface="微软雅黑" panose="020B0503020204020204" pitchFamily="34" charset="-122"/>
-                <a:ea typeface="微软雅黑" panose="020B0503020204020204" pitchFamily="34" charset="-122"/>
-              </a:rPr>
-              <a:t>解析</a:t>
-            </a:r>
-            <a:endParaRPr lang="en-US" altLang="zh-CN" sz="2000" dirty="0">
-              <a:solidFill>
-                <a:schemeClr val="tx1">
-                  <a:lumMod val="65000"/>
-                  <a:lumOff val="35000"/>
-                </a:schemeClr>
-              </a:solidFill>
-              <a:latin typeface="微软雅黑" panose="020B0503020204020204" pitchFamily="34" charset="-122"/>
-              <a:ea typeface="微软雅黑" panose="020B0503020204020204" pitchFamily="34" charset="-122"/>
-            </a:endParaRPr>
-          </a:p>
-          <a:p>
-            <a:pPr marL="514350" indent="-514350">
-              <a:lnSpc>
-                <a:spcPct val="200000"/>
-              </a:lnSpc>
-              <a:buFont typeface="+mj-ea"/>
-              <a:buAutoNum type="ea1JpnChsDbPeriod"/>
-            </a:pPr>
-            <a:r>
-              <a:rPr lang="zh-CN" altLang="en-US" sz="2400" dirty="0">
-                <a:solidFill>
-                  <a:schemeClr val="accent6">
-                    <a:lumMod val="75000"/>
-                  </a:schemeClr>
-                </a:solidFill>
-                <a:latin typeface="微软雅黑" panose="020B0503020204020204" pitchFamily="34" charset="-122"/>
-                <a:ea typeface="微软雅黑" panose="020B0503020204020204" pitchFamily="34" charset="-122"/>
-              </a:rPr>
-              <a:t>接收并回复消息</a:t>
-            </a:r>
-            <a:endParaRPr lang="en-US" altLang="zh-CN" sz="2400" dirty="0">
-              <a:solidFill>
-                <a:schemeClr val="accent6">
-                  <a:lumMod val="75000"/>
-                </a:schemeClr>
-              </a:solidFill>
-              <a:latin typeface="微软雅黑" panose="020B0503020204020204" pitchFamily="34" charset="-122"/>
-              <a:ea typeface="微软雅黑" panose="020B0503020204020204" pitchFamily="34" charset="-122"/>
-            </a:endParaRPr>
-          </a:p>
-          <a:p>
-            <a:pPr marL="514350" indent="-514350">
-              <a:lnSpc>
-                <a:spcPct val="200000"/>
-              </a:lnSpc>
-              <a:buFont typeface="+mj-ea"/>
-              <a:buAutoNum type="ea1JpnChsDbPeriod"/>
-            </a:pPr>
-            <a:r>
-              <a:rPr lang="zh-CN" altLang="en-US" sz="2000" dirty="0">
-                <a:solidFill>
-                  <a:schemeClr val="tx1">
-                    <a:lumMod val="65000"/>
-                    <a:lumOff val="35000"/>
-                  </a:schemeClr>
-                </a:solidFill>
-                <a:latin typeface="微软雅黑" panose="020B0503020204020204" pitchFamily="34" charset="-122"/>
-                <a:ea typeface="微软雅黑" panose="020B0503020204020204" pitchFamily="34" charset="-122"/>
-              </a:rPr>
-              <a:t>消息加密解密</a:t>
-            </a:r>
-            <a:endParaRPr lang="en-US" altLang="zh-CN" sz="2000" dirty="0">
-              <a:solidFill>
-                <a:schemeClr val="tx1">
-                  <a:lumMod val="65000"/>
-                  <a:lumOff val="35000"/>
-                </a:schemeClr>
-              </a:solidFill>
-              <a:latin typeface="微软雅黑" panose="020B0503020204020204" pitchFamily="34" charset="-122"/>
-              <a:ea typeface="微软雅黑" panose="020B0503020204020204" pitchFamily="34" charset="-122"/>
-            </a:endParaRPr>
-          </a:p>
-        </p:txBody>
-      </p:sp>
-    </p:spTree>
-    <p:extLst>
-      <p:ext uri="{BB962C8B-B14F-4D97-AF65-F5344CB8AC3E}">
-        <p14:creationId xmlns:p14="http://schemas.microsoft.com/office/powerpoint/2010/main" val="2999457395"/>
-      </p:ext>
-    </p:extLst>
-  </p:cSld>
-  <p:clrMapOvr>
-    <a:masterClrMapping/>
-  </p:clrMapOvr>
-</p:sld>
-</file>
-
-<file path=ppt/slides/slide11.xml><?xml version="1.0" encoding="utf-8"?>
-<p:sld xmlns:a="http://schemas.openxmlformats.org/drawingml/2006/main" xmlns:r="http://schemas.openxmlformats.org/officeDocument/2006/relationships" xmlns:p="http://schemas.openxmlformats.org/presentationml/2006/main">
-  <p:cSld>
-    <p:spTree>
-      <p:nvGrpSpPr>
-        <p:cNvPr id="1" name=""/>
-        <p:cNvGrpSpPr/>
-        <p:nvPr/>
-      </p:nvGrpSpPr>
-      <p:grpSpPr>
-        <a:xfrm>
-          <a:off x="0" y="0"/>
-          <a:ext cx="0" cy="0"/>
-          <a:chOff x="0" y="0"/>
-          <a:chExt cx="0" cy="0"/>
-        </a:xfrm>
-      </p:grpSpPr>
-      <p:sp>
-        <p:nvSpPr>
           <p:cNvPr id="3" name="内容占位符 2"/>
           <p:cNvSpPr>
             <a:spLocks noGrp="1"/>
@@ -13468,7 +13286,7 @@
 </p:sld>
 </file>
 
-<file path=ppt/slides/slide12.xml><?xml version="1.0" encoding="utf-8"?>
+<file path=ppt/slides/slide11.xml><?xml version="1.0" encoding="utf-8"?>
 <p:sld xmlns:a="http://schemas.openxmlformats.org/drawingml/2006/main" xmlns:r="http://schemas.openxmlformats.org/officeDocument/2006/relationships" xmlns:p="http://schemas.openxmlformats.org/presentationml/2006/main">
   <p:cSld>
     <p:spTree>
@@ -14029,7 +13847,7 @@
 </p:sld>
 </file>
 
-<file path=ppt/slides/slide13.xml><?xml version="1.0" encoding="utf-8"?>
+<file path=ppt/slides/slide12.xml><?xml version="1.0" encoding="utf-8"?>
 <p:sld xmlns:a="http://schemas.openxmlformats.org/drawingml/2006/main" xmlns:r="http://schemas.openxmlformats.org/officeDocument/2006/relationships" xmlns:p="http://schemas.openxmlformats.org/presentationml/2006/main">
   <p:cSld>
     <p:spTree>
@@ -14405,7 +14223,7 @@
 </p:sld>
 </file>
 
-<file path=ppt/slides/slide14.xml><?xml version="1.0" encoding="utf-8"?>
+<file path=ppt/slides/slide13.xml><?xml version="1.0" encoding="utf-8"?>
 <p:sld xmlns:a="http://schemas.openxmlformats.org/drawingml/2006/main" xmlns:r="http://schemas.openxmlformats.org/officeDocument/2006/relationships" xmlns:p="http://schemas.openxmlformats.org/presentationml/2006/main">
   <p:cSld>
     <p:spTree>
@@ -14529,6 +14347,164 @@
 </p:sld>
 </file>
 
+<file path=ppt/slides/slide14.xml><?xml version="1.0" encoding="utf-8"?>
+<p:sld xmlns:a="http://schemas.openxmlformats.org/drawingml/2006/main" xmlns:r="http://schemas.openxmlformats.org/officeDocument/2006/relationships" xmlns:p="http://schemas.openxmlformats.org/presentationml/2006/main">
+  <p:cSld>
+    <p:spTree>
+      <p:nvGrpSpPr>
+        <p:cNvPr id="1" name=""/>
+        <p:cNvGrpSpPr/>
+        <p:nvPr/>
+      </p:nvGrpSpPr>
+      <p:grpSpPr>
+        <a:xfrm>
+          <a:off x="0" y="0"/>
+          <a:ext cx="0" cy="0"/>
+          <a:chOff x="0" y="0"/>
+          <a:chExt cx="0" cy="0"/>
+        </a:xfrm>
+      </p:grpSpPr>
+      <p:sp>
+        <p:nvSpPr>
+          <p:cNvPr id="2" name="内容占位符 1"/>
+          <p:cNvSpPr>
+            <a:spLocks noGrp="1"/>
+          </p:cNvSpPr>
+          <p:nvPr>
+            <p:ph sz="quarter" idx="13"/>
+          </p:nvPr>
+        </p:nvSpPr>
+        <p:spPr>
+          <a:xfrm>
+            <a:off x="1054099" y="543636"/>
+            <a:ext cx="7032626" cy="685800"/>
+          </a:xfrm>
+        </p:spPr>
+        <p:txBody>
+          <a:bodyPr/>
+          <a:lstStyle/>
+          <a:p>
+            <a:r>
+              <a:rPr lang="zh-CN" altLang="en-US" b="0" dirty="0"/>
+              <a:t>处理图片和语音消息</a:t>
+            </a:r>
+          </a:p>
+        </p:txBody>
+      </p:sp>
+      <p:sp>
+        <p:nvSpPr>
+          <p:cNvPr id="4" name="文本框 3"/>
+          <p:cNvSpPr txBox="1"/>
+          <p:nvPr/>
+        </p:nvSpPr>
+        <p:spPr>
+          <a:xfrm>
+            <a:off x="1257300" y="1614487"/>
+            <a:ext cx="9803990" cy="1422954"/>
+          </a:xfrm>
+          <a:prstGeom prst="rect">
+            <a:avLst/>
+          </a:prstGeom>
+          <a:noFill/>
+        </p:spPr>
+        <p:txBody>
+          <a:bodyPr wrap="square" rtlCol="0">
+            <a:spAutoFit/>
+          </a:bodyPr>
+          <a:lstStyle/>
+          <a:p>
+            <a:pPr marL="342900" indent="-342900">
+              <a:lnSpc>
+                <a:spcPct val="150000"/>
+              </a:lnSpc>
+              <a:buFont typeface="Arial" panose="020B0604020202020204" pitchFamily="34" charset="0"/>
+              <a:buChar char="•"/>
+            </a:pPr>
+            <a:r>
+              <a:rPr lang="zh-CN" altLang="en-US" sz="2000" dirty="0">
+                <a:latin typeface="微软雅黑" panose="020B0503020204020204" pitchFamily="34" charset="-122"/>
+                <a:ea typeface="微软雅黑" panose="020B0503020204020204" pitchFamily="34" charset="-122"/>
+              </a:rPr>
+              <a:t>根据</a:t>
+            </a:r>
+            <a:r>
+              <a:rPr lang="en-US" altLang="zh-CN" sz="2000" dirty="0" err="1">
+                <a:latin typeface="微软雅黑" panose="020B0503020204020204" pitchFamily="34" charset="-122"/>
+                <a:ea typeface="微软雅黑" panose="020B0503020204020204" pitchFamily="34" charset="-122"/>
+              </a:rPr>
+              <a:t>MsgType</a:t>
+            </a:r>
+            <a:r>
+              <a:rPr lang="zh-CN" altLang="en-US" sz="2000" dirty="0">
+                <a:latin typeface="微软雅黑" panose="020B0503020204020204" pitchFamily="34" charset="-122"/>
+                <a:ea typeface="微软雅黑" panose="020B0503020204020204" pitchFamily="34" charset="-122"/>
+              </a:rPr>
+              <a:t>字段判断消息类型，并设置图像类型模板字符串，格式化后返回，</a:t>
+            </a:r>
+            <a:r>
+              <a:rPr lang="en-US" altLang="zh-CN" sz="2000" dirty="0" err="1">
+                <a:latin typeface="微软雅黑" panose="020B0503020204020204" pitchFamily="34" charset="-122"/>
+                <a:ea typeface="微软雅黑" panose="020B0503020204020204" pitchFamily="34" charset="-122"/>
+              </a:rPr>
+              <a:t>MediaId</a:t>
+            </a:r>
+            <a:r>
+              <a:rPr lang="zh-CN" altLang="en-US" sz="2000" dirty="0">
+                <a:latin typeface="微软雅黑" panose="020B0503020204020204" pitchFamily="34" charset="-122"/>
+                <a:ea typeface="微软雅黑" panose="020B0503020204020204" pitchFamily="34" charset="-122"/>
+              </a:rPr>
+              <a:t>设置为发送者的</a:t>
+            </a:r>
+            <a:r>
+              <a:rPr lang="en-US" altLang="zh-CN" sz="2000" dirty="0" err="1">
+                <a:latin typeface="微软雅黑" panose="020B0503020204020204" pitchFamily="34" charset="-122"/>
+                <a:ea typeface="微软雅黑" panose="020B0503020204020204" pitchFamily="34" charset="-122"/>
+              </a:rPr>
+              <a:t>MediaId</a:t>
+            </a:r>
+            <a:r>
+              <a:rPr lang="zh-CN" altLang="en-US" sz="2000" dirty="0">
+                <a:latin typeface="微软雅黑" panose="020B0503020204020204" pitchFamily="34" charset="-122"/>
+                <a:ea typeface="微软雅黑" panose="020B0503020204020204" pitchFamily="34" charset="-122"/>
+              </a:rPr>
+              <a:t>，则可以实现原样返回图片。</a:t>
+            </a:r>
+            <a:endParaRPr lang="en-US" altLang="zh-CN" sz="2000" dirty="0">
+              <a:latin typeface="微软雅黑" panose="020B0503020204020204" pitchFamily="34" charset="-122"/>
+              <a:ea typeface="微软雅黑" panose="020B0503020204020204" pitchFamily="34" charset="-122"/>
+            </a:endParaRPr>
+          </a:p>
+          <a:p>
+            <a:pPr marL="342900" indent="-342900">
+              <a:lnSpc>
+                <a:spcPct val="150000"/>
+              </a:lnSpc>
+              <a:buFont typeface="Arial" panose="020B0604020202020204" pitchFamily="34" charset="0"/>
+              <a:buChar char="•"/>
+            </a:pPr>
+            <a:r>
+              <a:rPr lang="zh-CN" altLang="en-US" sz="2000" dirty="0">
+                <a:latin typeface="微软雅黑" panose="020B0503020204020204" pitchFamily="34" charset="-122"/>
+                <a:ea typeface="微软雅黑" panose="020B0503020204020204" pitchFamily="34" charset="-122"/>
+              </a:rPr>
+              <a:t>音频消息可进行同样的处理。</a:t>
+            </a:r>
+          </a:p>
+        </p:txBody>
+      </p:sp>
+    </p:spTree>
+    <p:extLst>
+      <p:ext uri="{BB962C8B-B14F-4D97-AF65-F5344CB8AC3E}">
+        <p14:creationId xmlns:p14="http://schemas.microsoft.com/office/powerpoint/2010/main" val="993432519"/>
+      </p:ext>
+    </p:extLst>
+  </p:cSld>
+  <p:clrMapOvr>
+    <a:masterClrMapping/>
+  </p:clrMapOvr>
+</p:sld>
+</file>
+
 <file path=ppt/slides/slide15.xml><?xml version="1.0" encoding="utf-8"?>
 <p:sld xmlns:a="http://schemas.openxmlformats.org/drawingml/2006/main" xmlns:r="http://schemas.openxmlformats.org/officeDocument/2006/relationships" xmlns:p="http://schemas.openxmlformats.org/presentationml/2006/main">
   <p:cSld>
@@ -16058,21 +16034,21 @@
           <a:p>
             <a:r>
               <a:rPr lang="zh-CN" altLang="en-US" b="0" dirty="0"/>
-              <a:t>课程概要</a:t>
-            </a:r>
-          </a:p>
-        </p:txBody>
-      </p:sp>
-      <p:sp>
-        <p:nvSpPr>
-          <p:cNvPr id="3" name="文本框 2"/>
+              <a:t>本次课程目录</a:t>
+            </a:r>
+          </a:p>
+        </p:txBody>
+      </p:sp>
+      <p:sp>
+        <p:nvSpPr>
+          <p:cNvPr id="4" name="文本框 3"/>
           <p:cNvSpPr txBox="1"/>
           <p:nvPr/>
         </p:nvSpPr>
         <p:spPr>
           <a:xfrm>
-            <a:off x="1200150" y="1857375"/>
-            <a:ext cx="8120831" cy="1938992"/>
+            <a:off x="4058444" y="2343152"/>
+            <a:ext cx="5385594" cy="2196883"/>
           </a:xfrm>
           <a:prstGeom prst="rect">
             <a:avLst/>
@@ -16085,109 +16061,120 @@
           </a:bodyPr>
           <a:lstStyle/>
           <a:p>
-            <a:pPr marL="285750" indent="-285750">
+            <a:pPr marL="514350" indent="-514350">
               <a:lnSpc>
-                <a:spcPct val="150000"/>
+                <a:spcPct val="200000"/>
               </a:lnSpc>
-              <a:buFont typeface="Arial" panose="020B0604020202020204" pitchFamily="34" charset="0"/>
-              <a:buChar char="•"/>
+              <a:buFont typeface="+mj-ea"/>
+              <a:buAutoNum type="ea1JpnChsDbPeriod"/>
             </a:pPr>
             <a:r>
-              <a:rPr lang="zh-CN" altLang="en-US" sz="2000" dirty="0">
-                <a:latin typeface="微软雅黑" panose="020B0503020204020204" pitchFamily="34" charset="-122"/>
-                <a:ea typeface="微软雅黑" panose="020B0503020204020204" pitchFamily="34" charset="-122"/>
-              </a:rPr>
-              <a:t>首先讲解</a:t>
-            </a:r>
-            <a:r>
-              <a:rPr lang="en-US" altLang="zh-CN" sz="2000" dirty="0">
+              <a:rPr lang="en-US" altLang="zh-CN" sz="2400" dirty="0">
+                <a:solidFill>
+                  <a:schemeClr val="tx1">
+                    <a:lumMod val="65000"/>
+                    <a:lumOff val="35000"/>
+                  </a:schemeClr>
+                </a:solidFill>
                 <a:latin typeface="微软雅黑" panose="020B0503020204020204" pitchFamily="34" charset="-122"/>
                 <a:ea typeface="微软雅黑" panose="020B0503020204020204" pitchFamily="34" charset="-122"/>
               </a:rPr>
               <a:t>XML</a:t>
             </a:r>
             <a:r>
-              <a:rPr lang="zh-CN" altLang="en-US" sz="2000" dirty="0">
-                <a:latin typeface="微软雅黑" panose="020B0503020204020204" pitchFamily="34" charset="-122"/>
-                <a:ea typeface="微软雅黑" panose="020B0503020204020204" pitchFamily="34" charset="-122"/>
-              </a:rPr>
-              <a:t>的基础知识。</a:t>
-            </a:r>
-            <a:endParaRPr lang="en-US" altLang="zh-CN" sz="2000" dirty="0">
+              <a:rPr lang="zh-CN" altLang="en-US" sz="2400" dirty="0">
+                <a:solidFill>
+                  <a:schemeClr val="tx1">
+                    <a:lumMod val="65000"/>
+                    <a:lumOff val="35000"/>
+                  </a:schemeClr>
+                </a:solidFill>
+                <a:latin typeface="微软雅黑" panose="020B0503020204020204" pitchFamily="34" charset="-122"/>
+                <a:ea typeface="微软雅黑" panose="020B0503020204020204" pitchFamily="34" charset="-122"/>
+              </a:rPr>
+              <a:t>解析</a:t>
+            </a:r>
+            <a:endParaRPr lang="en-US" altLang="zh-CN" sz="2400" dirty="0">
+              <a:solidFill>
+                <a:schemeClr val="tx1">
+                  <a:lumMod val="65000"/>
+                  <a:lumOff val="35000"/>
+                </a:schemeClr>
+              </a:solidFill>
               <a:latin typeface="微软雅黑" panose="020B0503020204020204" pitchFamily="34" charset="-122"/>
               <a:ea typeface="微软雅黑" panose="020B0503020204020204" pitchFamily="34" charset="-122"/>
             </a:endParaRPr>
           </a:p>
           <a:p>
-            <a:pPr marL="285750" indent="-285750">
+            <a:pPr marL="514350" indent="-514350">
               <a:lnSpc>
-                <a:spcPct val="150000"/>
+                <a:spcPct val="200000"/>
               </a:lnSpc>
-              <a:buFont typeface="Arial" panose="020B0604020202020204" pitchFamily="34" charset="0"/>
-              <a:buChar char="•"/>
+              <a:buFont typeface="+mj-ea"/>
+              <a:buAutoNum type="ea1JpnChsDbPeriod"/>
             </a:pPr>
             <a:r>
-              <a:rPr lang="zh-CN" altLang="en-US" sz="2000" dirty="0">
-                <a:latin typeface="微软雅黑" panose="020B0503020204020204" pitchFamily="34" charset="-122"/>
-                <a:ea typeface="微软雅黑" panose="020B0503020204020204" pitchFamily="34" charset="-122"/>
-              </a:rPr>
-              <a:t>在有了</a:t>
-            </a:r>
-            <a:r>
-              <a:rPr lang="en-US" altLang="zh-CN" sz="2000" dirty="0">
-                <a:latin typeface="微软雅黑" panose="020B0503020204020204" pitchFamily="34" charset="-122"/>
-                <a:ea typeface="微软雅黑" panose="020B0503020204020204" pitchFamily="34" charset="-122"/>
-              </a:rPr>
-              <a:t>XML</a:t>
-            </a:r>
-            <a:r>
-              <a:rPr lang="zh-CN" altLang="en-US" sz="2000" dirty="0">
-                <a:latin typeface="微软雅黑" panose="020B0503020204020204" pitchFamily="34" charset="-122"/>
-                <a:ea typeface="微软雅黑" panose="020B0503020204020204" pitchFamily="34" charset="-122"/>
-              </a:rPr>
-              <a:t>的基础之后，讲解</a:t>
-            </a:r>
-            <a:r>
-              <a:rPr lang="en-US" altLang="zh-CN" sz="2000" dirty="0">
-                <a:latin typeface="微软雅黑" panose="020B0503020204020204" pitchFamily="34" charset="-122"/>
-                <a:ea typeface="微软雅黑" panose="020B0503020204020204" pitchFamily="34" charset="-122"/>
-              </a:rPr>
-              <a:t>XML</a:t>
-            </a:r>
-            <a:r>
-              <a:rPr lang="zh-CN" altLang="en-US" sz="2000" dirty="0">
-                <a:latin typeface="微软雅黑" panose="020B0503020204020204" pitchFamily="34" charset="-122"/>
-                <a:ea typeface="微软雅黑" panose="020B0503020204020204" pitchFamily="34" charset="-122"/>
-              </a:rPr>
-              <a:t>格式的微信消息，以文本消息格式为例讲解如何回复消息。</a:t>
-            </a:r>
-            <a:endParaRPr lang="en-US" altLang="zh-CN" sz="2000" dirty="0">
+              <a:rPr lang="zh-CN" altLang="en-US" sz="2400" dirty="0">
+                <a:solidFill>
+                  <a:schemeClr val="tx1">
+                    <a:lumMod val="65000"/>
+                    <a:lumOff val="35000"/>
+                  </a:schemeClr>
+                </a:solidFill>
+                <a:latin typeface="微软雅黑" panose="020B0503020204020204" pitchFamily="34" charset="-122"/>
+                <a:ea typeface="微软雅黑" panose="020B0503020204020204" pitchFamily="34" charset="-122"/>
+              </a:rPr>
+              <a:t>接收并回复消息</a:t>
+            </a:r>
+            <a:endParaRPr lang="en-US" altLang="zh-CN" sz="2400" dirty="0">
+              <a:solidFill>
+                <a:schemeClr val="tx1">
+                  <a:lumMod val="65000"/>
+                  <a:lumOff val="35000"/>
+                </a:schemeClr>
+              </a:solidFill>
               <a:latin typeface="微软雅黑" panose="020B0503020204020204" pitchFamily="34" charset="-122"/>
               <a:ea typeface="微软雅黑" panose="020B0503020204020204" pitchFamily="34" charset="-122"/>
             </a:endParaRPr>
           </a:p>
           <a:p>
-            <a:pPr marL="285750" indent="-285750">
+            <a:pPr marL="514350" indent="-514350">
               <a:lnSpc>
-                <a:spcPct val="150000"/>
+                <a:spcPct val="200000"/>
               </a:lnSpc>
-              <a:buFont typeface="Arial" panose="020B0604020202020204" pitchFamily="34" charset="0"/>
-              <a:buChar char="•"/>
+              <a:buFont typeface="+mj-ea"/>
+              <a:buAutoNum type="ea1JpnChsDbPeriod"/>
             </a:pPr>
             <a:r>
-              <a:rPr lang="zh-CN" altLang="en-US" sz="2000" dirty="0">
-                <a:latin typeface="微软雅黑" panose="020B0503020204020204" pitchFamily="34" charset="-122"/>
-                <a:ea typeface="微软雅黑" panose="020B0503020204020204" pitchFamily="34" charset="-122"/>
-              </a:rPr>
-              <a:t>在已经实现被动回复消息的基础上，实现消息加密解密的功能</a:t>
-            </a:r>
+              <a:rPr lang="zh-CN" altLang="en-US" sz="2400" dirty="0">
+                <a:solidFill>
+                  <a:schemeClr val="tx1">
+                    <a:lumMod val="65000"/>
+                    <a:lumOff val="35000"/>
+                  </a:schemeClr>
+                </a:solidFill>
+                <a:latin typeface="微软雅黑" panose="020B0503020204020204" pitchFamily="34" charset="-122"/>
+                <a:ea typeface="微软雅黑" panose="020B0503020204020204" pitchFamily="34" charset="-122"/>
+              </a:rPr>
+              <a:t>消息加密处理</a:t>
+            </a:r>
+            <a:endParaRPr lang="en-US" altLang="zh-CN" sz="2400" dirty="0">
+              <a:solidFill>
+                <a:schemeClr val="tx1">
+                  <a:lumMod val="65000"/>
+                  <a:lumOff val="35000"/>
+                </a:schemeClr>
+              </a:solidFill>
+              <a:latin typeface="微软雅黑" panose="020B0503020204020204" pitchFamily="34" charset="-122"/>
+              <a:ea typeface="微软雅黑" panose="020B0503020204020204" pitchFamily="34" charset="-122"/>
+            </a:endParaRPr>
           </a:p>
         </p:txBody>
       </p:sp>
     </p:spTree>
     <p:extLst>
       <p:ext uri="{BB962C8B-B14F-4D97-AF65-F5344CB8AC3E}">
-        <p14:creationId xmlns:p14="http://schemas.microsoft.com/office/powerpoint/2010/main" val="947354603"/>
+        <p14:creationId xmlns:p14="http://schemas.microsoft.com/office/powerpoint/2010/main" val="714534542"/>
       </p:ext>
     </p:extLst>
   </p:cSld>
@@ -16925,28 +16912,33 @@
             <p:ph sz="quarter" idx="13"/>
           </p:nvPr>
         </p:nvSpPr>
-        <p:spPr/>
+        <p:spPr>
+          <a:xfrm>
+            <a:off x="1054099" y="543636"/>
+            <a:ext cx="6418263" cy="685800"/>
+          </a:xfrm>
+        </p:spPr>
         <p:txBody>
           <a:bodyPr/>
           <a:lstStyle/>
           <a:p>
             <a:r>
               <a:rPr lang="zh-CN" altLang="en-US" b="0" dirty="0"/>
-              <a:t>本次课程目录</a:t>
-            </a:r>
-          </a:p>
-        </p:txBody>
-      </p:sp>
-      <p:sp>
-        <p:nvSpPr>
-          <p:cNvPr id="4" name="文本框 3"/>
+              <a:t>第一节 </a:t>
+            </a:r>
+          </a:p>
+        </p:txBody>
+      </p:sp>
+      <p:sp>
+        <p:nvSpPr>
+          <p:cNvPr id="5" name="文本框 4"/>
           <p:cNvSpPr txBox="1"/>
           <p:nvPr/>
         </p:nvSpPr>
         <p:spPr>
           <a:xfrm>
             <a:off x="4058444" y="2343152"/>
-            <a:ext cx="5385594" cy="2196883"/>
+            <a:ext cx="4699794" cy="2062103"/>
           </a:xfrm>
           <a:prstGeom prst="rect">
             <a:avLst/>
@@ -16969,9 +16961,8 @@
             <a:r>
               <a:rPr lang="en-US" altLang="zh-CN" sz="2400" dirty="0">
                 <a:solidFill>
-                  <a:schemeClr val="tx1">
-                    <a:lumMod val="65000"/>
-                    <a:lumOff val="35000"/>
+                  <a:schemeClr val="accent6">
+                    <a:lumMod val="75000"/>
                   </a:schemeClr>
                 </a:solidFill>
                 <a:latin typeface="微软雅黑" panose="020B0503020204020204" pitchFamily="34" charset="-122"/>
@@ -16981,6 +16972,36 @@
             </a:r>
             <a:r>
               <a:rPr lang="zh-CN" altLang="en-US" sz="2400" dirty="0">
+                <a:solidFill>
+                  <a:schemeClr val="accent6">
+                    <a:lumMod val="75000"/>
+                  </a:schemeClr>
+                </a:solidFill>
+                <a:latin typeface="微软雅黑" panose="020B0503020204020204" pitchFamily="34" charset="-122"/>
+                <a:ea typeface="微软雅黑" panose="020B0503020204020204" pitchFamily="34" charset="-122"/>
+              </a:rPr>
+              <a:t>解析</a:t>
+            </a:r>
+            <a:endParaRPr lang="en-US" altLang="zh-CN" sz="2400" dirty="0">
+              <a:solidFill>
+                <a:schemeClr val="accent6">
+                  <a:lumMod val="75000"/>
+                </a:schemeClr>
+              </a:solidFill>
+              <a:latin typeface="微软雅黑" panose="020B0503020204020204" pitchFamily="34" charset="-122"/>
+              <a:ea typeface="微软雅黑" panose="020B0503020204020204" pitchFamily="34" charset="-122"/>
+            </a:endParaRPr>
+          </a:p>
+          <a:p>
+            <a:pPr marL="514350" indent="-514350">
+              <a:lnSpc>
+                <a:spcPct val="200000"/>
+              </a:lnSpc>
+              <a:buFont typeface="+mj-ea"/>
+              <a:buAutoNum type="ea1JpnChsDbPeriod"/>
+            </a:pPr>
+            <a:r>
+              <a:rPr lang="zh-CN" altLang="en-US" sz="2000" dirty="0">
                 <a:solidFill>
                   <a:schemeClr val="tx1">
                     <a:lumMod val="65000"/>
@@ -16990,9 +17011,9 @@
                 <a:latin typeface="微软雅黑" panose="020B0503020204020204" pitchFamily="34" charset="-122"/>
                 <a:ea typeface="微软雅黑" panose="020B0503020204020204" pitchFamily="34" charset="-122"/>
               </a:rPr>
-              <a:t>解析</a:t>
-            </a:r>
-            <a:endParaRPr lang="en-US" altLang="zh-CN" sz="2400" dirty="0">
+              <a:t>接收并回复消息</a:t>
+            </a:r>
+            <a:endParaRPr lang="en-US" altLang="zh-CN" sz="2000" dirty="0">
               <a:solidFill>
                 <a:schemeClr val="tx1">
                   <a:lumMod val="65000"/>
@@ -17012,7 +17033,7 @@
               <a:buAutoNum type="ea1JpnChsDbPeriod"/>
             </a:pPr>
             <a:r>
-              <a:rPr lang="zh-CN" altLang="en-US" sz="2400" dirty="0">
+              <a:rPr lang="zh-CN" altLang="en-US" sz="2000" dirty="0">
                 <a:solidFill>
                   <a:schemeClr val="tx1">
                     <a:lumMod val="65000"/>
@@ -17022,9 +17043,9 @@
                 <a:latin typeface="微软雅黑" panose="020B0503020204020204" pitchFamily="34" charset="-122"/>
                 <a:ea typeface="微软雅黑" panose="020B0503020204020204" pitchFamily="34" charset="-122"/>
               </a:rPr>
-              <a:t>接收并回复消息</a:t>
-            </a:r>
-            <a:endParaRPr lang="en-US" altLang="zh-CN" sz="2400" dirty="0">
+              <a:t>消息加密解密</a:t>
+            </a:r>
+            <a:endParaRPr lang="en-US" altLang="zh-CN" sz="2000" dirty="0">
               <a:solidFill>
                 <a:schemeClr val="tx1">
                   <a:lumMod val="65000"/>
@@ -17035,44 +17056,12 @@
               <a:ea typeface="微软雅黑" panose="020B0503020204020204" pitchFamily="34" charset="-122"/>
             </a:endParaRPr>
           </a:p>
-          <a:p>
-            <a:pPr marL="514350" indent="-514350">
-              <a:lnSpc>
-                <a:spcPct val="200000"/>
-              </a:lnSpc>
-              <a:buFont typeface="+mj-ea"/>
-              <a:buAutoNum type="ea1JpnChsDbPeriod"/>
-            </a:pPr>
-            <a:r>
-              <a:rPr lang="zh-CN" altLang="en-US" sz="2400" dirty="0">
-                <a:solidFill>
-                  <a:schemeClr val="tx1">
-                    <a:lumMod val="65000"/>
-                    <a:lumOff val="35000"/>
-                  </a:schemeClr>
-                </a:solidFill>
-                <a:latin typeface="微软雅黑" panose="020B0503020204020204" pitchFamily="34" charset="-122"/>
-                <a:ea typeface="微软雅黑" panose="020B0503020204020204" pitchFamily="34" charset="-122"/>
-              </a:rPr>
-              <a:t>消息加密处理</a:t>
-            </a:r>
-            <a:endParaRPr lang="en-US" altLang="zh-CN" sz="2400" dirty="0">
-              <a:solidFill>
-                <a:schemeClr val="tx1">
-                  <a:lumMod val="65000"/>
-                  <a:lumOff val="35000"/>
-                </a:schemeClr>
-              </a:solidFill>
-              <a:latin typeface="微软雅黑" panose="020B0503020204020204" pitchFamily="34" charset="-122"/>
-              <a:ea typeface="微软雅黑" panose="020B0503020204020204" pitchFamily="34" charset="-122"/>
-            </a:endParaRPr>
-          </a:p>
         </p:txBody>
       </p:sp>
     </p:spTree>
     <p:extLst>
       <p:ext uri="{BB962C8B-B14F-4D97-AF65-F5344CB8AC3E}">
-        <p14:creationId xmlns:p14="http://schemas.microsoft.com/office/powerpoint/2010/main" val="714534542"/>
+        <p14:creationId xmlns:p14="http://schemas.microsoft.com/office/powerpoint/2010/main" val="2268354123"/>
       </p:ext>
     </p:extLst>
   </p:cSld>
@@ -17109,33 +17098,32 @@
             <p:ph sz="quarter" idx="13"/>
           </p:nvPr>
         </p:nvSpPr>
+        <p:spPr/>
+        <p:txBody>
+          <a:bodyPr/>
+          <a:lstStyle/>
+          <a:p>
+            <a:r>
+              <a:rPr lang="en-US" altLang="zh-CN" b="0" dirty="0"/>
+              <a:t>XML</a:t>
+            </a:r>
+            <a:r>
+              <a:rPr lang="zh-CN" altLang="en-US" b="0" dirty="0"/>
+              <a:t>基础</a:t>
+            </a:r>
+          </a:p>
+        </p:txBody>
+      </p:sp>
+      <p:sp>
+        <p:nvSpPr>
+          <p:cNvPr id="3" name="文本框 2"/>
+          <p:cNvSpPr txBox="1"/>
+          <p:nvPr/>
+        </p:nvSpPr>
         <p:spPr>
           <a:xfrm>
-            <a:off x="1054099" y="543636"/>
-            <a:ext cx="6418263" cy="685800"/>
-          </a:xfrm>
-        </p:spPr>
-        <p:txBody>
-          <a:bodyPr/>
-          <a:lstStyle/>
-          <a:p>
-            <a:r>
-              <a:rPr lang="zh-CN" altLang="en-US" b="0" dirty="0"/>
-              <a:t>第一节 </a:t>
-            </a:r>
-          </a:p>
-        </p:txBody>
-      </p:sp>
-      <p:sp>
-        <p:nvSpPr>
-          <p:cNvPr id="5" name="文本框 4"/>
-          <p:cNvSpPr txBox="1"/>
-          <p:nvPr/>
-        </p:nvSpPr>
-        <p:spPr>
-          <a:xfrm>
-            <a:off x="4058444" y="2343152"/>
-            <a:ext cx="4699794" cy="2062103"/>
+            <a:off x="1054100" y="1814513"/>
+            <a:ext cx="6804025" cy="3647152"/>
           </a:xfrm>
           <a:prstGeom prst="rect">
             <a:avLst/>
@@ -17148,117 +17136,375 @@
           </a:bodyPr>
           <a:lstStyle/>
           <a:p>
-            <a:pPr marL="514350" indent="-514350">
+            <a:pPr marL="342900" indent="-342900">
               <a:lnSpc>
-                <a:spcPct val="200000"/>
+                <a:spcPct val="150000"/>
               </a:lnSpc>
-              <a:buFont typeface="+mj-ea"/>
-              <a:buAutoNum type="ea1JpnChsDbPeriod"/>
+              <a:buFont typeface="Arial" panose="020B0604020202020204" pitchFamily="34" charset="0"/>
+              <a:buChar char="•"/>
             </a:pPr>
             <a:r>
-              <a:rPr lang="en-US" altLang="zh-CN" sz="2400" dirty="0">
-                <a:solidFill>
-                  <a:schemeClr val="accent6">
-                    <a:lumMod val="75000"/>
-                  </a:schemeClr>
-                </a:solidFill>
-                <a:latin typeface="微软雅黑" panose="020B0503020204020204" pitchFamily="34" charset="-122"/>
-                <a:ea typeface="微软雅黑" panose="020B0503020204020204" pitchFamily="34" charset="-122"/>
-              </a:rPr>
-              <a:t>XML</a:t>
-            </a:r>
-            <a:r>
-              <a:rPr lang="zh-CN" altLang="en-US" sz="2400" dirty="0">
-                <a:solidFill>
-                  <a:schemeClr val="accent6">
-                    <a:lumMod val="75000"/>
-                  </a:schemeClr>
-                </a:solidFill>
-                <a:latin typeface="微软雅黑" panose="020B0503020204020204" pitchFamily="34" charset="-122"/>
-                <a:ea typeface="微软雅黑" panose="020B0503020204020204" pitchFamily="34" charset="-122"/>
-              </a:rPr>
-              <a:t>解析</a:t>
-            </a:r>
-            <a:endParaRPr lang="en-US" altLang="zh-CN" sz="2400" dirty="0">
-              <a:solidFill>
-                <a:schemeClr val="accent6">
-                  <a:lumMod val="75000"/>
-                </a:schemeClr>
-              </a:solidFill>
+              <a:rPr lang="zh-CN" altLang="en-US" sz="2000" dirty="0">
+                <a:latin typeface="微软雅黑" panose="020B0503020204020204" pitchFamily="34" charset="-122"/>
+                <a:ea typeface="微软雅黑" panose="020B0503020204020204" pitchFamily="34" charset="-122"/>
+              </a:rPr>
+              <a:t>可扩展标记语言（</a:t>
+            </a:r>
+            <a:r>
+              <a:rPr lang="en-US" altLang="zh-CN" sz="2000" dirty="0">
+                <a:latin typeface="微软雅黑" panose="020B0503020204020204" pitchFamily="34" charset="-122"/>
+                <a:ea typeface="微软雅黑" panose="020B0503020204020204" pitchFamily="34" charset="-122"/>
+              </a:rPr>
+              <a:t>Extensible Markup Language </a:t>
+            </a:r>
+            <a:r>
+              <a:rPr lang="zh-CN" altLang="en-US" sz="2000" dirty="0">
+                <a:latin typeface="微软雅黑" panose="020B0503020204020204" pitchFamily="34" charset="-122"/>
+                <a:ea typeface="微软雅黑" panose="020B0503020204020204" pitchFamily="34" charset="-122"/>
+              </a:rPr>
+              <a:t>）。</a:t>
+            </a:r>
+            <a:endParaRPr lang="en-US" altLang="zh-CN" sz="2000" dirty="0">
               <a:latin typeface="微软雅黑" panose="020B0503020204020204" pitchFamily="34" charset="-122"/>
               <a:ea typeface="微软雅黑" panose="020B0503020204020204" pitchFamily="34" charset="-122"/>
             </a:endParaRPr>
           </a:p>
           <a:p>
-            <a:pPr marL="514350" indent="-514350">
+            <a:pPr marL="342900" indent="-342900">
               <a:lnSpc>
-                <a:spcPct val="200000"/>
+                <a:spcPct val="150000"/>
               </a:lnSpc>
-              <a:buFont typeface="+mj-ea"/>
-              <a:buAutoNum type="ea1JpnChsDbPeriod"/>
+              <a:buFont typeface="Arial" panose="020B0604020202020204" pitchFamily="34" charset="0"/>
+              <a:buChar char="•"/>
             </a:pPr>
+            <a:r>
+              <a:rPr lang="en-US" altLang="zh-CN" sz="2000" dirty="0">
+                <a:latin typeface="微软雅黑" panose="020B0503020204020204" pitchFamily="34" charset="-122"/>
+                <a:ea typeface="微软雅黑" panose="020B0503020204020204" pitchFamily="34" charset="-122"/>
+              </a:rPr>
+              <a:t>XML</a:t>
+            </a:r>
             <a:r>
               <a:rPr lang="zh-CN" altLang="en-US" sz="2000" dirty="0">
                 <a:solidFill>
-                  <a:schemeClr val="tx1">
-                    <a:lumMod val="65000"/>
-                    <a:lumOff val="35000"/>
-                  </a:schemeClr>
+                  <a:srgbClr val="F52C17"/>
                 </a:solidFill>
                 <a:latin typeface="微软雅黑" panose="020B0503020204020204" pitchFamily="34" charset="-122"/>
                 <a:ea typeface="微软雅黑" panose="020B0503020204020204" pitchFamily="34" charset="-122"/>
               </a:rPr>
-              <a:t>接收并回复消息</a:t>
+              <a:t>很像</a:t>
+            </a:r>
+            <a:r>
+              <a:rPr lang="zh-CN" altLang="en-US" sz="2000" dirty="0">
+                <a:latin typeface="微软雅黑" panose="020B0503020204020204" pitchFamily="34" charset="-122"/>
+                <a:ea typeface="微软雅黑" panose="020B0503020204020204" pitchFamily="34" charset="-122"/>
+              </a:rPr>
+              <a:t>超文本标记语言的标记语言。</a:t>
             </a:r>
             <a:endParaRPr lang="en-US" altLang="zh-CN" sz="2000" dirty="0">
-              <a:solidFill>
-                <a:schemeClr val="tx1">
-                  <a:lumMod val="65000"/>
-                  <a:lumOff val="35000"/>
-                </a:schemeClr>
-              </a:solidFill>
               <a:latin typeface="微软雅黑" panose="020B0503020204020204" pitchFamily="34" charset="-122"/>
               <a:ea typeface="微软雅黑" panose="020B0503020204020204" pitchFamily="34" charset="-122"/>
             </a:endParaRPr>
           </a:p>
           <a:p>
-            <a:pPr marL="514350" indent="-514350">
+            <a:pPr marL="342900" indent="-342900">
               <a:lnSpc>
-                <a:spcPct val="200000"/>
+                <a:spcPct val="150000"/>
               </a:lnSpc>
-              <a:buFont typeface="+mj-ea"/>
-              <a:buAutoNum type="ea1JpnChsDbPeriod"/>
+              <a:buFont typeface="Arial" panose="020B0604020202020204" pitchFamily="34" charset="0"/>
+              <a:buChar char="•"/>
             </a:pPr>
             <a:r>
+              <a:rPr lang="en-US" altLang="zh-CN" sz="2000" dirty="0">
+                <a:latin typeface="微软雅黑" panose="020B0503020204020204" pitchFamily="34" charset="-122"/>
+                <a:ea typeface="微软雅黑" panose="020B0503020204020204" pitchFamily="34" charset="-122"/>
+              </a:rPr>
+              <a:t>XML</a:t>
+            </a:r>
+            <a:r>
               <a:rPr lang="zh-CN" altLang="en-US" sz="2000" dirty="0">
-                <a:solidFill>
-                  <a:schemeClr val="tx1">
-                    <a:lumMod val="65000"/>
-                    <a:lumOff val="35000"/>
-                  </a:schemeClr>
-                </a:solidFill>
-                <a:latin typeface="微软雅黑" panose="020B0503020204020204" pitchFamily="34" charset="-122"/>
-                <a:ea typeface="微软雅黑" panose="020B0503020204020204" pitchFamily="34" charset="-122"/>
-              </a:rPr>
-              <a:t>消息加密解密</a:t>
+                <a:latin typeface="微软雅黑" panose="020B0503020204020204" pitchFamily="34" charset="-122"/>
+                <a:ea typeface="微软雅黑" panose="020B0503020204020204" pitchFamily="34" charset="-122"/>
+              </a:rPr>
+              <a:t>的标签没有被预定义，需要自行定义标签。</a:t>
             </a:r>
             <a:endParaRPr lang="en-US" altLang="zh-CN" sz="2000" dirty="0">
-              <a:solidFill>
-                <a:schemeClr val="tx1">
-                  <a:lumMod val="65000"/>
-                  <a:lumOff val="35000"/>
-                </a:schemeClr>
-              </a:solidFill>
               <a:latin typeface="微软雅黑" panose="020B0503020204020204" pitchFamily="34" charset="-122"/>
               <a:ea typeface="微软雅黑" panose="020B0503020204020204" pitchFamily="34" charset="-122"/>
             </a:endParaRPr>
           </a:p>
+          <a:p>
+            <a:pPr marL="342900" indent="-342900">
+              <a:lnSpc>
+                <a:spcPct val="150000"/>
+              </a:lnSpc>
+              <a:buFont typeface="Arial" panose="020B0604020202020204" pitchFamily="34" charset="0"/>
+              <a:buChar char="•"/>
+            </a:pPr>
+            <a:r>
+              <a:rPr lang="zh-CN" altLang="en-US" sz="2000" dirty="0">
+                <a:latin typeface="微软雅黑" panose="020B0503020204020204" pitchFamily="34" charset="-122"/>
+                <a:ea typeface="微软雅黑" panose="020B0503020204020204" pitchFamily="34" charset="-122"/>
+              </a:rPr>
+              <a:t>与</a:t>
+            </a:r>
+            <a:r>
+              <a:rPr lang="en-US" altLang="zh-CN" sz="2000" dirty="0">
+                <a:latin typeface="微软雅黑" panose="020B0503020204020204" pitchFamily="34" charset="-122"/>
+                <a:ea typeface="微软雅黑" panose="020B0503020204020204" pitchFamily="34" charset="-122"/>
+              </a:rPr>
+              <a:t>HTML</a:t>
+            </a:r>
+            <a:r>
+              <a:rPr lang="zh-CN" altLang="en-US" sz="2000" dirty="0">
+                <a:latin typeface="微软雅黑" panose="020B0503020204020204" pitchFamily="34" charset="-122"/>
+                <a:ea typeface="微软雅黑" panose="020B0503020204020204" pitchFamily="34" charset="-122"/>
+              </a:rPr>
+              <a:t>的差异：</a:t>
+            </a:r>
+            <a:endParaRPr lang="en-US" altLang="zh-CN" sz="2000" dirty="0">
+              <a:latin typeface="微软雅黑" panose="020B0503020204020204" pitchFamily="34" charset="-122"/>
+              <a:ea typeface="微软雅黑" panose="020B0503020204020204" pitchFamily="34" charset="-122"/>
+            </a:endParaRPr>
+          </a:p>
+          <a:p>
+            <a:pPr marL="800100" lvl="1" indent="-342900">
+              <a:lnSpc>
+                <a:spcPct val="150000"/>
+              </a:lnSpc>
+              <a:buFont typeface="Arial" panose="020B0604020202020204" pitchFamily="34" charset="0"/>
+              <a:buChar char="•"/>
+            </a:pPr>
+            <a:r>
+              <a:rPr lang="en-US" altLang="zh-CN" dirty="0">
+                <a:latin typeface="微软雅黑" panose="020B0503020204020204" pitchFamily="34" charset="-122"/>
+                <a:ea typeface="微软雅黑" panose="020B0503020204020204" pitchFamily="34" charset="-122"/>
+              </a:rPr>
+              <a:t>XML</a:t>
+            </a:r>
+            <a:r>
+              <a:rPr lang="zh-CN" altLang="en-US" dirty="0">
+                <a:latin typeface="微软雅黑" panose="020B0503020204020204" pitchFamily="34" charset="-122"/>
+                <a:ea typeface="微软雅黑" panose="020B0503020204020204" pitchFamily="34" charset="-122"/>
+              </a:rPr>
+              <a:t>不是</a:t>
+            </a:r>
+            <a:r>
+              <a:rPr lang="en-US" altLang="zh-CN" dirty="0">
+                <a:latin typeface="微软雅黑" panose="020B0503020204020204" pitchFamily="34" charset="-122"/>
+                <a:ea typeface="微软雅黑" panose="020B0503020204020204" pitchFamily="34" charset="-122"/>
+              </a:rPr>
+              <a:t>HTML</a:t>
+            </a:r>
+            <a:r>
+              <a:rPr lang="zh-CN" altLang="en-US" dirty="0">
+                <a:latin typeface="微软雅黑" panose="020B0503020204020204" pitchFamily="34" charset="-122"/>
+                <a:ea typeface="微软雅黑" panose="020B0503020204020204" pitchFamily="34" charset="-122"/>
+              </a:rPr>
+              <a:t>的替代。</a:t>
+            </a:r>
+            <a:endParaRPr lang="en-US" altLang="zh-CN" dirty="0">
+              <a:latin typeface="微软雅黑" panose="020B0503020204020204" pitchFamily="34" charset="-122"/>
+              <a:ea typeface="微软雅黑" panose="020B0503020204020204" pitchFamily="34" charset="-122"/>
+            </a:endParaRPr>
+          </a:p>
+          <a:p>
+            <a:pPr marL="800100" lvl="1" indent="-342900">
+              <a:lnSpc>
+                <a:spcPct val="150000"/>
+              </a:lnSpc>
+              <a:buFont typeface="Arial" panose="020B0604020202020204" pitchFamily="34" charset="0"/>
+              <a:buChar char="•"/>
+            </a:pPr>
+            <a:r>
+              <a:rPr lang="en-US" altLang="zh-CN" dirty="0">
+                <a:latin typeface="微软雅黑" panose="020B0503020204020204" pitchFamily="34" charset="-122"/>
+                <a:ea typeface="微软雅黑" panose="020B0503020204020204" pitchFamily="34" charset="-122"/>
+              </a:rPr>
+              <a:t>XML</a:t>
+            </a:r>
+            <a:r>
+              <a:rPr lang="zh-CN" altLang="en-US" dirty="0">
+                <a:latin typeface="微软雅黑" panose="020B0503020204020204" pitchFamily="34" charset="-122"/>
+                <a:ea typeface="微软雅黑" panose="020B0503020204020204" pitchFamily="34" charset="-122"/>
+              </a:rPr>
+              <a:t>被设计用来传输和存储数据，其焦点是数据的内容。</a:t>
+            </a:r>
+            <a:endParaRPr lang="en-US" altLang="zh-CN" dirty="0">
+              <a:latin typeface="微软雅黑" panose="020B0503020204020204" pitchFamily="34" charset="-122"/>
+              <a:ea typeface="微软雅黑" panose="020B0503020204020204" pitchFamily="34" charset="-122"/>
+            </a:endParaRPr>
+          </a:p>
+          <a:p>
+            <a:pPr marL="800100" lvl="1" indent="-342900">
+              <a:lnSpc>
+                <a:spcPct val="150000"/>
+              </a:lnSpc>
+              <a:buFont typeface="Arial" panose="020B0604020202020204" pitchFamily="34" charset="0"/>
+              <a:buChar char="•"/>
+            </a:pPr>
+            <a:r>
+              <a:rPr lang="en-US" altLang="zh-CN" dirty="0">
+                <a:latin typeface="微软雅黑" panose="020B0503020204020204" pitchFamily="34" charset="-122"/>
+                <a:ea typeface="微软雅黑" panose="020B0503020204020204" pitchFamily="34" charset="-122"/>
+              </a:rPr>
+              <a:t>HTML</a:t>
+            </a:r>
+            <a:r>
+              <a:rPr lang="zh-CN" altLang="en-US" dirty="0">
+                <a:latin typeface="微软雅黑" panose="020B0503020204020204" pitchFamily="34" charset="-122"/>
+                <a:ea typeface="微软雅黑" panose="020B0503020204020204" pitchFamily="34" charset="-122"/>
+              </a:rPr>
+              <a:t>被设计用来显示数据，其焦点是数据的外观。</a:t>
+            </a:r>
+            <a:endParaRPr lang="en-US" altLang="zh-CN" dirty="0">
+              <a:latin typeface="微软雅黑" panose="020B0503020204020204" pitchFamily="34" charset="-122"/>
+              <a:ea typeface="微软雅黑" panose="020B0503020204020204" pitchFamily="34" charset="-122"/>
+            </a:endParaRPr>
+          </a:p>
+          <a:p>
+            <a:pPr marL="342900" indent="-342900">
+              <a:lnSpc>
+                <a:spcPct val="150000"/>
+              </a:lnSpc>
+              <a:buFont typeface="Arial" panose="020B0604020202020204" pitchFamily="34" charset="0"/>
+              <a:buChar char="•"/>
+            </a:pPr>
+            <a:endParaRPr lang="zh-CN" altLang="en-US" sz="2000" dirty="0">
+              <a:latin typeface="微软雅黑" panose="020B0503020204020204" pitchFamily="34" charset="-122"/>
+              <a:ea typeface="微软雅黑" panose="020B0503020204020204" pitchFamily="34" charset="-122"/>
+            </a:endParaRPr>
+          </a:p>
+        </p:txBody>
+      </p:sp>
+      <p:sp>
+        <p:nvSpPr>
+          <p:cNvPr id="4" name="文本框 3"/>
+          <p:cNvSpPr txBox="1"/>
+          <p:nvPr/>
+        </p:nvSpPr>
+        <p:spPr>
+          <a:xfrm>
+            <a:off x="7858125" y="1814513"/>
+            <a:ext cx="4186238" cy="3416320"/>
+          </a:xfrm>
+          <a:prstGeom prst="rect">
+            <a:avLst/>
+          </a:prstGeom>
+          <a:noFill/>
+        </p:spPr>
+        <p:txBody>
+          <a:bodyPr wrap="square" rtlCol="0">
+            <a:spAutoFit/>
+          </a:bodyPr>
+          <a:lstStyle/>
+          <a:p>
+            <a:pPr>
+              <a:lnSpc>
+                <a:spcPct val="150000"/>
+              </a:lnSpc>
+            </a:pPr>
+            <a:r>
+              <a:rPr lang="en-US" altLang="zh-CN" b="1" dirty="0"/>
+              <a:t>XML</a:t>
+            </a:r>
+            <a:r>
+              <a:rPr lang="zh-CN" altLang="en-US" b="1" dirty="0"/>
+              <a:t>示例：</a:t>
+            </a:r>
+            <a:endParaRPr lang="en-US" altLang="zh-CN" b="1" dirty="0"/>
+          </a:p>
+          <a:p>
+            <a:pPr>
+              <a:lnSpc>
+                <a:spcPct val="150000"/>
+              </a:lnSpc>
+            </a:pPr>
+            <a:r>
+              <a:rPr lang="en-US" altLang="zh-CN" dirty="0"/>
+              <a:t>&lt;?xml version="1.0" encoding="UTF-8"?&gt;</a:t>
+            </a:r>
+          </a:p>
+          <a:p>
+            <a:pPr>
+              <a:lnSpc>
+                <a:spcPct val="150000"/>
+              </a:lnSpc>
+            </a:pPr>
+            <a:r>
+              <a:rPr lang="en-US" altLang="zh-CN" dirty="0"/>
+              <a:t> &lt;note&gt;</a:t>
+            </a:r>
+          </a:p>
+          <a:p>
+            <a:pPr>
+              <a:lnSpc>
+                <a:spcPct val="150000"/>
+              </a:lnSpc>
+            </a:pPr>
+            <a:r>
+              <a:rPr lang="en-US" altLang="zh-CN" dirty="0"/>
+              <a:t>   &lt;to&gt;</a:t>
+            </a:r>
+            <a:r>
+              <a:rPr lang="en-US" altLang="zh-CN" dirty="0" err="1"/>
+              <a:t>Tove</a:t>
+            </a:r>
+            <a:r>
+              <a:rPr lang="en-US" altLang="zh-CN" dirty="0"/>
+              <a:t>&lt;/to&gt;</a:t>
+            </a:r>
+          </a:p>
+          <a:p>
+            <a:pPr>
+              <a:lnSpc>
+                <a:spcPct val="150000"/>
+              </a:lnSpc>
+            </a:pPr>
+            <a:r>
+              <a:rPr lang="en-US" altLang="zh-CN" dirty="0"/>
+              <a:t>   &lt;from&gt;Jani&lt;/from&gt;    </a:t>
+            </a:r>
+          </a:p>
+          <a:p>
+            <a:pPr>
+              <a:lnSpc>
+                <a:spcPct val="150000"/>
+              </a:lnSpc>
+            </a:pPr>
+            <a:r>
+              <a:rPr lang="en-US" altLang="zh-CN" dirty="0"/>
+              <a:t>   &lt;heading&gt;Reminder&lt;/heading&gt;           </a:t>
+            </a:r>
+          </a:p>
+          <a:p>
+            <a:pPr>
+              <a:lnSpc>
+                <a:spcPct val="150000"/>
+              </a:lnSpc>
+            </a:pPr>
+            <a:r>
+              <a:rPr lang="en-US" altLang="zh-CN" dirty="0"/>
+              <a:t>   &lt;body&gt;Don't forget me&lt;/body&gt; </a:t>
+            </a:r>
+          </a:p>
+          <a:p>
+            <a:pPr>
+              <a:lnSpc>
+                <a:spcPct val="150000"/>
+              </a:lnSpc>
+            </a:pPr>
+            <a:r>
+              <a:rPr lang="en-US" altLang="zh-CN" dirty="0"/>
+              <a:t>&lt;/note&gt;</a:t>
+            </a:r>
+          </a:p>
         </p:txBody>
       </p:sp>
     </p:spTree>
     <p:extLst>
       <p:ext uri="{BB962C8B-B14F-4D97-AF65-F5344CB8AC3E}">
-        <p14:creationId xmlns:p14="http://schemas.microsoft.com/office/powerpoint/2010/main" val="2268354123"/>
+        <p14:creationId xmlns:p14="http://schemas.microsoft.com/office/powerpoint/2010/main" val="4134704572"/>
       </p:ext>
     </p:extLst>
   </p:cSld>
@@ -17306,21 +17552,21 @@
             </a:r>
             <a:r>
               <a:rPr lang="zh-CN" altLang="en-US" b="0" dirty="0"/>
-              <a:t>基础</a:t>
-            </a:r>
-          </a:p>
-        </p:txBody>
-      </p:sp>
-      <p:sp>
-        <p:nvSpPr>
-          <p:cNvPr id="3" name="文本框 2"/>
+              <a:t>语法规则</a:t>
+            </a:r>
+          </a:p>
+        </p:txBody>
+      </p:sp>
+      <p:sp>
+        <p:nvSpPr>
+          <p:cNvPr id="4" name="文本框 3"/>
           <p:cNvSpPr txBox="1"/>
           <p:nvPr/>
         </p:nvSpPr>
         <p:spPr>
           <a:xfrm>
-            <a:off x="1054100" y="1814513"/>
-            <a:ext cx="6804025" cy="3647152"/>
+            <a:off x="1054100" y="1800225"/>
+            <a:ext cx="6375400" cy="4201150"/>
           </a:xfrm>
           <a:prstGeom prst="rect">
             <a:avLst/>
@@ -17333,7 +17579,7 @@
           </a:bodyPr>
           <a:lstStyle/>
           <a:p>
-            <a:pPr marL="342900" indent="-342900">
+            <a:pPr marL="285750" indent="-285750">
               <a:lnSpc>
                 <a:spcPct val="150000"/>
               </a:lnSpc>
@@ -17341,25 +17587,18 @@
               <a:buChar char="•"/>
             </a:pPr>
             <a:r>
+              <a:rPr lang="en-US" altLang="zh-CN" sz="2000" dirty="0">
+                <a:latin typeface="微软雅黑" panose="020B0503020204020204" pitchFamily="34" charset="-122"/>
+                <a:ea typeface="微软雅黑" panose="020B0503020204020204" pitchFamily="34" charset="-122"/>
+              </a:rPr>
+              <a:t>XML</a:t>
+            </a:r>
+            <a:r>
               <a:rPr lang="zh-CN" altLang="en-US" sz="2000" dirty="0">
                 <a:latin typeface="微软雅黑" panose="020B0503020204020204" pitchFamily="34" charset="-122"/>
                 <a:ea typeface="微软雅黑" panose="020B0503020204020204" pitchFamily="34" charset="-122"/>
               </a:rPr>
-              <a:t>可扩展标记语言（</a:t>
-            </a:r>
-            <a:r>
-              <a:rPr lang="en-US" altLang="zh-CN" sz="2000" dirty="0">
-                <a:latin typeface="微软雅黑" panose="020B0503020204020204" pitchFamily="34" charset="-122"/>
-                <a:ea typeface="微软雅黑" panose="020B0503020204020204" pitchFamily="34" charset="-122"/>
-              </a:rPr>
-              <a:t>Extensible Markup Language </a:t>
-            </a:r>
-            <a:r>
-              <a:rPr lang="zh-CN" altLang="en-US" sz="2000" dirty="0">
-                <a:latin typeface="微软雅黑" panose="020B0503020204020204" pitchFamily="34" charset="-122"/>
-                <a:ea typeface="微软雅黑" panose="020B0503020204020204" pitchFamily="34" charset="-122"/>
-              </a:rPr>
-              <a:t>）。</a:t>
+              <a:t>必须有根元素</a:t>
             </a:r>
             <a:endParaRPr lang="en-US" altLang="zh-CN" sz="2000" dirty="0">
               <a:latin typeface="微软雅黑" panose="020B0503020204020204" pitchFamily="34" charset="-122"/>
@@ -17367,7 +17606,7 @@
             </a:endParaRPr>
           </a:p>
           <a:p>
-            <a:pPr marL="342900" indent="-342900">
+            <a:pPr marL="285750" indent="-285750">
               <a:lnSpc>
                 <a:spcPct val="150000"/>
               </a:lnSpc>
@@ -17375,28 +17614,11 @@
               <a:buChar char="•"/>
             </a:pPr>
             <a:r>
-              <a:rPr lang="en-US" altLang="zh-CN" sz="2000" dirty="0">
-                <a:latin typeface="微软雅黑" panose="020B0503020204020204" pitchFamily="34" charset="-122"/>
-                <a:ea typeface="微软雅黑" panose="020B0503020204020204" pitchFamily="34" charset="-122"/>
-              </a:rPr>
-              <a:t>XML</a:t>
-            </a:r>
-            <a:r>
               <a:rPr lang="zh-CN" altLang="en-US" sz="2000" dirty="0">
-                <a:solidFill>
-                  <a:srgbClr val="F52C17"/>
-                </a:solidFill>
-                <a:latin typeface="微软雅黑" panose="020B0503020204020204" pitchFamily="34" charset="-122"/>
-                <a:ea typeface="微软雅黑" panose="020B0503020204020204" pitchFamily="34" charset="-122"/>
-              </a:rPr>
-              <a:t>很像</a:t>
-            </a:r>
-            <a:r>
-              <a:rPr lang="zh-CN" altLang="en-US" sz="2000" dirty="0">
-                <a:latin typeface="微软雅黑" panose="020B0503020204020204" pitchFamily="34" charset="-122"/>
-                <a:ea typeface="微软雅黑" panose="020B0503020204020204" pitchFamily="34" charset="-122"/>
-              </a:rPr>
-              <a:t>超文本标记语言的标记语言。</a:t>
+                <a:latin typeface="微软雅黑" panose="020B0503020204020204" pitchFamily="34" charset="-122"/>
+                <a:ea typeface="微软雅黑" panose="020B0503020204020204" pitchFamily="34" charset="-122"/>
+              </a:rPr>
+              <a:t>所有元素都必须有一个关闭标签</a:t>
             </a:r>
             <a:endParaRPr lang="en-US" altLang="zh-CN" sz="2000" dirty="0">
               <a:latin typeface="微软雅黑" panose="020B0503020204020204" pitchFamily="34" charset="-122"/>
@@ -17404,7 +17626,7 @@
             </a:endParaRPr>
           </a:p>
           <a:p>
-            <a:pPr marL="342900" indent="-342900">
+            <a:pPr marL="285750" indent="-285750">
               <a:lnSpc>
                 <a:spcPct val="150000"/>
               </a:lnSpc>
@@ -17412,18 +17634,11 @@
               <a:buChar char="•"/>
             </a:pPr>
             <a:r>
-              <a:rPr lang="en-US" altLang="zh-CN" sz="2000" dirty="0">
-                <a:latin typeface="微软雅黑" panose="020B0503020204020204" pitchFamily="34" charset="-122"/>
-                <a:ea typeface="微软雅黑" panose="020B0503020204020204" pitchFamily="34" charset="-122"/>
-              </a:rPr>
-              <a:t>XML</a:t>
-            </a:r>
-            <a:r>
               <a:rPr lang="zh-CN" altLang="en-US" sz="2000" dirty="0">
                 <a:latin typeface="微软雅黑" panose="020B0503020204020204" pitchFamily="34" charset="-122"/>
                 <a:ea typeface="微软雅黑" panose="020B0503020204020204" pitchFamily="34" charset="-122"/>
               </a:rPr>
-              <a:t>的标签没有被预定义，需要自行定义标签。</a:t>
+              <a:t>标签对大小写敏感</a:t>
             </a:r>
             <a:endParaRPr lang="en-US" altLang="zh-CN" sz="2000" dirty="0">
               <a:latin typeface="微软雅黑" panose="020B0503020204020204" pitchFamily="34" charset="-122"/>
@@ -17431,7 +17646,7 @@
             </a:endParaRPr>
           </a:p>
           <a:p>
-            <a:pPr marL="342900" indent="-342900">
+            <a:pPr marL="285750" indent="-285750">
               <a:lnSpc>
                 <a:spcPct val="150000"/>
               </a:lnSpc>
@@ -17443,21 +17658,7 @@
                 <a:latin typeface="微软雅黑" panose="020B0503020204020204" pitchFamily="34" charset="-122"/>
                 <a:ea typeface="微软雅黑" panose="020B0503020204020204" pitchFamily="34" charset="-122"/>
               </a:rPr>
-              <a:t>与</a:t>
-            </a:r>
-            <a:r>
-              <a:rPr lang="en-US" altLang="zh-CN" sz="2000" dirty="0">
-                <a:latin typeface="微软雅黑" panose="020B0503020204020204" pitchFamily="34" charset="-122"/>
-                <a:ea typeface="微软雅黑" panose="020B0503020204020204" pitchFamily="34" charset="-122"/>
-              </a:rPr>
-              <a:t>HTML</a:t>
-            </a:r>
-            <a:r>
-              <a:rPr lang="zh-CN" altLang="en-US" sz="2000" dirty="0">
-                <a:latin typeface="微软雅黑" panose="020B0503020204020204" pitchFamily="34" charset="-122"/>
-                <a:ea typeface="微软雅黑" panose="020B0503020204020204" pitchFamily="34" charset="-122"/>
-              </a:rPr>
-              <a:t>的差异：</a:t>
+              <a:t>属性必须加引号</a:t>
             </a:r>
             <a:endParaRPr lang="en-US" altLang="zh-CN" sz="2000" dirty="0">
               <a:latin typeface="微软雅黑" panose="020B0503020204020204" pitchFamily="34" charset="-122"/>
@@ -17465,7 +17666,7 @@
             </a:endParaRPr>
           </a:p>
           <a:p>
-            <a:pPr marL="800100" lvl="1" indent="-342900">
+            <a:pPr marL="285750" indent="-285750">
               <a:lnSpc>
                 <a:spcPct val="150000"/>
               </a:lnSpc>
@@ -17473,40 +17674,19 @@
               <a:buChar char="•"/>
             </a:pPr>
             <a:r>
-              <a:rPr lang="en-US" altLang="zh-CN" dirty="0">
-                <a:latin typeface="微软雅黑" panose="020B0503020204020204" pitchFamily="34" charset="-122"/>
-                <a:ea typeface="微软雅黑" panose="020B0503020204020204" pitchFamily="34" charset="-122"/>
-              </a:rPr>
-              <a:t>XML</a:t>
-            </a:r>
-            <a:r>
-              <a:rPr lang="zh-CN" altLang="en-US" dirty="0">
-                <a:latin typeface="微软雅黑" panose="020B0503020204020204" pitchFamily="34" charset="-122"/>
-                <a:ea typeface="微软雅黑" panose="020B0503020204020204" pitchFamily="34" charset="-122"/>
-              </a:rPr>
-              <a:t>不是</a:t>
-            </a:r>
-            <a:r>
-              <a:rPr lang="en-US" altLang="zh-CN" dirty="0">
-                <a:latin typeface="微软雅黑" panose="020B0503020204020204" pitchFamily="34" charset="-122"/>
-                <a:ea typeface="微软雅黑" panose="020B0503020204020204" pitchFamily="34" charset="-122"/>
-              </a:rPr>
-              <a:t>HTML</a:t>
-            </a:r>
-            <a:r>
-              <a:rPr lang="zh-CN" altLang="en-US" dirty="0">
-                <a:latin typeface="微软雅黑" panose="020B0503020204020204" pitchFamily="34" charset="-122"/>
-                <a:ea typeface="微软雅黑" panose="020B0503020204020204" pitchFamily="34" charset="-122"/>
-              </a:rPr>
-              <a:t>的替代。</a:t>
-            </a:r>
-            <a:endParaRPr lang="en-US" altLang="zh-CN" dirty="0">
+              <a:rPr lang="zh-CN" altLang="en-US" sz="2000" dirty="0">
+                <a:latin typeface="微软雅黑" panose="020B0503020204020204" pitchFamily="34" charset="-122"/>
+                <a:ea typeface="微软雅黑" panose="020B0503020204020204" pitchFamily="34" charset="-122"/>
+              </a:rPr>
+              <a:t>标签必须被正确嵌套</a:t>
+            </a:r>
+            <a:endParaRPr lang="en-US" altLang="zh-CN" sz="2000" dirty="0">
               <a:latin typeface="微软雅黑" panose="020B0503020204020204" pitchFamily="34" charset="-122"/>
               <a:ea typeface="微软雅黑" panose="020B0503020204020204" pitchFamily="34" charset="-122"/>
             </a:endParaRPr>
           </a:p>
           <a:p>
-            <a:pPr marL="800100" lvl="1" indent="-342900">
+            <a:pPr marL="285750" indent="-285750">
               <a:lnSpc>
                 <a:spcPct val="150000"/>
               </a:lnSpc>
@@ -17514,26 +17694,33 @@
               <a:buChar char="•"/>
             </a:pPr>
             <a:r>
-              <a:rPr lang="en-US" altLang="zh-CN" dirty="0">
-                <a:latin typeface="微软雅黑" panose="020B0503020204020204" pitchFamily="34" charset="-122"/>
-                <a:ea typeface="微软雅黑" panose="020B0503020204020204" pitchFamily="34" charset="-122"/>
-              </a:rPr>
-              <a:t>XML</a:t>
-            </a:r>
-            <a:r>
-              <a:rPr lang="zh-CN" altLang="en-US" dirty="0">
-                <a:latin typeface="微软雅黑" panose="020B0503020204020204" pitchFamily="34" charset="-122"/>
-                <a:ea typeface="微软雅黑" panose="020B0503020204020204" pitchFamily="34" charset="-122"/>
-              </a:rPr>
-              <a:t>被设计用来传输和存储数据，其焦点是数据的内容。</a:t>
-            </a:r>
-            <a:endParaRPr lang="en-US" altLang="zh-CN" dirty="0">
+              <a:rPr lang="zh-CN" altLang="en-US" sz="2000" dirty="0">
+                <a:latin typeface="微软雅黑" panose="020B0503020204020204" pitchFamily="34" charset="-122"/>
+                <a:ea typeface="微软雅黑" panose="020B0503020204020204" pitchFamily="34" charset="-122"/>
+              </a:rPr>
+              <a:t>空格会被保留（</a:t>
+            </a:r>
+            <a:r>
+              <a:rPr lang="en-US" altLang="zh-CN" sz="2000" dirty="0">
+                <a:latin typeface="微软雅黑" panose="020B0503020204020204" pitchFamily="34" charset="-122"/>
+                <a:ea typeface="微软雅黑" panose="020B0503020204020204" pitchFamily="34" charset="-122"/>
+              </a:rPr>
+              <a:t>HTML</a:t>
+            </a:r>
+            <a:r>
+              <a:rPr lang="zh-CN" altLang="en-US" sz="2000" dirty="0">
+                <a:latin typeface="微软雅黑" panose="020B0503020204020204" pitchFamily="34" charset="-122"/>
+                <a:ea typeface="微软雅黑" panose="020B0503020204020204" pitchFamily="34" charset="-122"/>
+              </a:rPr>
+              <a:t>会把多个连续的空格字符裁减为一个）</a:t>
+            </a:r>
+            <a:endParaRPr lang="en-US" altLang="zh-CN" sz="2000" dirty="0">
               <a:latin typeface="微软雅黑" panose="020B0503020204020204" pitchFamily="34" charset="-122"/>
               <a:ea typeface="微软雅黑" panose="020B0503020204020204" pitchFamily="34" charset="-122"/>
             </a:endParaRPr>
           </a:p>
           <a:p>
-            <a:pPr marL="800100" lvl="1" indent="-342900">
+            <a:pPr marL="285750" indent="-285750">
               <a:lnSpc>
                 <a:spcPct val="150000"/>
               </a:lnSpc>
@@ -17541,49 +17728,50 @@
               <a:buChar char="•"/>
             </a:pPr>
             <a:r>
-              <a:rPr lang="en-US" altLang="zh-CN" dirty="0">
-                <a:latin typeface="微软雅黑" panose="020B0503020204020204" pitchFamily="34" charset="-122"/>
-                <a:ea typeface="微软雅黑" panose="020B0503020204020204" pitchFamily="34" charset="-122"/>
-              </a:rPr>
-              <a:t>HTML</a:t>
-            </a:r>
-            <a:r>
-              <a:rPr lang="zh-CN" altLang="en-US" dirty="0">
-                <a:latin typeface="微软雅黑" panose="020B0503020204020204" pitchFamily="34" charset="-122"/>
-                <a:ea typeface="微软雅黑" panose="020B0503020204020204" pitchFamily="34" charset="-122"/>
-              </a:rPr>
-              <a:t>被设计用来显示数据，其焦点是数据的外观。</a:t>
-            </a:r>
-            <a:endParaRPr lang="en-US" altLang="zh-CN" dirty="0">
+              <a:rPr lang="en-US" altLang="zh-CN" sz="2000" dirty="0">
+                <a:latin typeface="微软雅黑" panose="020B0503020204020204" pitchFamily="34" charset="-122"/>
+                <a:ea typeface="微软雅黑" panose="020B0503020204020204" pitchFamily="34" charset="-122"/>
+              </a:rPr>
+              <a:t>XML</a:t>
+            </a:r>
+            <a:r>
+              <a:rPr lang="zh-CN" altLang="en-US" sz="2000" dirty="0">
+                <a:latin typeface="微软雅黑" panose="020B0503020204020204" pitchFamily="34" charset="-122"/>
+                <a:ea typeface="微软雅黑" panose="020B0503020204020204" pitchFamily="34" charset="-122"/>
+              </a:rPr>
+              <a:t>声明存在的话需要放在第一行，但它不是必须的</a:t>
+            </a:r>
+            <a:endParaRPr lang="en-US" altLang="zh-CN" sz="2000" dirty="0">
               <a:latin typeface="微软雅黑" panose="020B0503020204020204" pitchFamily="34" charset="-122"/>
               <a:ea typeface="微软雅黑" panose="020B0503020204020204" pitchFamily="34" charset="-122"/>
             </a:endParaRPr>
           </a:p>
           <a:p>
-            <a:pPr marL="342900" indent="-342900">
+            <a:pPr lvl="1">
               <a:lnSpc>
                 <a:spcPct val="150000"/>
               </a:lnSpc>
-              <a:buFont typeface="Arial" panose="020B0604020202020204" pitchFamily="34" charset="0"/>
-              <a:buChar char="•"/>
             </a:pPr>
-            <a:endParaRPr lang="zh-CN" altLang="en-US" sz="2000" dirty="0">
-              <a:latin typeface="微软雅黑" panose="020B0503020204020204" pitchFamily="34" charset="-122"/>
-              <a:ea typeface="微软雅黑" panose="020B0503020204020204" pitchFamily="34" charset="-122"/>
-            </a:endParaRPr>
-          </a:p>
-        </p:txBody>
-      </p:sp>
-      <p:sp>
-        <p:nvSpPr>
-          <p:cNvPr id="4" name="文本框 3"/>
+            <a:r>
+              <a:rPr lang="en-US" altLang="zh-CN" dirty="0">
+                <a:latin typeface="微软雅黑" panose="020B0503020204020204" pitchFamily="34" charset="-122"/>
+                <a:ea typeface="微软雅黑" panose="020B0503020204020204" pitchFamily="34" charset="-122"/>
+              </a:rPr>
+              <a:t>&lt;?xml version="1.0" encoding="utf-8"?&gt;</a:t>
+            </a:r>
+          </a:p>
+        </p:txBody>
+      </p:sp>
+      <p:sp>
+        <p:nvSpPr>
+          <p:cNvPr id="3" name="文本框 2"/>
           <p:cNvSpPr txBox="1"/>
           <p:nvPr/>
         </p:nvSpPr>
         <p:spPr>
           <a:xfrm>
-            <a:off x="7858125" y="1814513"/>
-            <a:ext cx="4186238" cy="3416320"/>
+            <a:off x="7658099" y="1624355"/>
+            <a:ext cx="4329113" cy="4801314"/>
           </a:xfrm>
           <a:prstGeom prst="rect">
             <a:avLst/>
@@ -17596,104 +17784,149 @@
           </a:bodyPr>
           <a:lstStyle/>
           <a:p>
-            <a:pPr>
-              <a:lnSpc>
-                <a:spcPct val="150000"/>
-              </a:lnSpc>
+            <a:pPr marL="285750" indent="-285750">
+              <a:buFont typeface="Arial" panose="020B0604020202020204" pitchFamily="34" charset="0"/>
+              <a:buChar char="•"/>
             </a:pPr>
             <a:r>
-              <a:rPr lang="en-US" altLang="zh-CN" b="1" dirty="0"/>
-              <a:t>XML</a:t>
-            </a:r>
-            <a:r>
-              <a:rPr lang="zh-CN" altLang="en-US" b="1" dirty="0"/>
-              <a:t>示例：</a:t>
-            </a:r>
-            <a:endParaRPr lang="en-US" altLang="zh-CN" b="1" dirty="0"/>
-          </a:p>
-          <a:p>
-            <a:pPr>
-              <a:lnSpc>
-                <a:spcPct val="150000"/>
-              </a:lnSpc>
+              <a:rPr lang="zh-CN" altLang="en-US" dirty="0"/>
+              <a:t>错误的格式：</a:t>
+            </a:r>
+            <a:endParaRPr lang="en-US" altLang="zh-CN" dirty="0"/>
+          </a:p>
+          <a:p>
+            <a:pPr lvl="1"/>
+            <a:r>
+              <a:rPr lang="en-US" altLang="zh-CN" i="1" dirty="0"/>
+              <a:t>//</a:t>
+            </a:r>
+            <a:r>
+              <a:rPr lang="zh-CN" altLang="en-US" i="1" dirty="0"/>
+              <a:t>没有根元素</a:t>
+            </a:r>
+            <a:endParaRPr lang="en-US" altLang="zh-CN" i="1" dirty="0"/>
+          </a:p>
+          <a:p>
+            <a:pPr lvl="1"/>
+            <a:r>
+              <a:rPr lang="en-US" altLang="zh-CN" dirty="0"/>
+              <a:t>&lt;name&gt;Albert&lt;/name&gt;</a:t>
+            </a:r>
+          </a:p>
+          <a:p>
+            <a:pPr lvl="1"/>
+            <a:endParaRPr lang="en-US" altLang="zh-CN" dirty="0"/>
+          </a:p>
+          <a:p>
+            <a:pPr lvl="1"/>
+            <a:r>
+              <a:rPr lang="en-US" altLang="zh-CN" i="1" dirty="0"/>
+              <a:t>//</a:t>
+            </a:r>
+            <a:r>
+              <a:rPr lang="zh-CN" altLang="en-US" i="1" dirty="0"/>
+              <a:t>大小写不统一</a:t>
+            </a:r>
+            <a:endParaRPr lang="en-US" altLang="zh-CN" i="1" dirty="0"/>
+          </a:p>
+          <a:p>
+            <a:pPr lvl="1"/>
+            <a:r>
+              <a:rPr lang="en-US" altLang="zh-CN" dirty="0"/>
+              <a:t>&lt;name&gt;Albert&lt;/Name&gt;</a:t>
+            </a:r>
+          </a:p>
+          <a:p>
+            <a:pPr lvl="1"/>
+            <a:endParaRPr lang="en-US" altLang="zh-CN" dirty="0"/>
+          </a:p>
+          <a:p>
+            <a:pPr lvl="1"/>
+            <a:r>
+              <a:rPr lang="en-US" altLang="zh-CN" i="1" dirty="0"/>
+              <a:t>//</a:t>
+            </a:r>
+            <a:r>
+              <a:rPr lang="zh-CN" altLang="en-US" i="1" dirty="0"/>
+              <a:t>没有关闭标签</a:t>
+            </a:r>
+            <a:endParaRPr lang="en-US" altLang="zh-CN" i="1" dirty="0"/>
+          </a:p>
+          <a:p>
+            <a:pPr lvl="1"/>
+            <a:r>
+              <a:rPr lang="en-US" altLang="zh-CN" dirty="0"/>
+              <a:t>&lt;name&gt;Albert</a:t>
+            </a:r>
+          </a:p>
+          <a:p>
+            <a:pPr lvl="1"/>
+            <a:endParaRPr lang="en-US" altLang="zh-CN" dirty="0"/>
+          </a:p>
+          <a:p>
+            <a:pPr lvl="1"/>
+            <a:r>
+              <a:rPr lang="en-US" altLang="zh-CN" i="1" dirty="0"/>
+              <a:t>//</a:t>
+            </a:r>
+            <a:r>
+              <a:rPr lang="zh-CN" altLang="en-US" i="1" dirty="0"/>
+              <a:t>属性没有加引号</a:t>
+            </a:r>
+            <a:endParaRPr lang="en-US" altLang="zh-CN" i="1" dirty="0"/>
+          </a:p>
+          <a:p>
+            <a:pPr lvl="1"/>
+            <a:r>
+              <a:rPr lang="en-US" altLang="zh-CN" dirty="0"/>
+              <a:t>&lt;name sex=male&gt;Albert&lt;/name&gt;</a:t>
+            </a:r>
+          </a:p>
+          <a:p>
+            <a:pPr marL="285750" indent="-285750">
+              <a:buFont typeface="Arial" panose="020B0604020202020204" pitchFamily="34" charset="0"/>
+              <a:buChar char="•"/>
             </a:pPr>
             <a:r>
+              <a:rPr lang="zh-CN" altLang="en-US" dirty="0"/>
+              <a:t>正确的格式：</a:t>
+            </a:r>
+            <a:endParaRPr lang="en-US" altLang="zh-CN" dirty="0"/>
+          </a:p>
+          <a:p>
+            <a:pPr lvl="1"/>
+            <a:r>
               <a:rPr lang="en-US" altLang="zh-CN" dirty="0"/>
-              <a:t>&lt;?xml version="1.0" encoding="UTF-8"?&gt;</a:t>
-            </a:r>
-          </a:p>
-          <a:p>
-            <a:pPr>
-              <a:lnSpc>
-                <a:spcPct val="150000"/>
-              </a:lnSpc>
-            </a:pPr>
+              <a:t>&lt;person&gt;</a:t>
+            </a:r>
+          </a:p>
+          <a:p>
+            <a:pPr lvl="1"/>
             <a:r>
               <a:rPr lang="en-US" altLang="zh-CN" dirty="0"/>
-              <a:t> &lt;note&gt;</a:t>
-            </a:r>
-          </a:p>
-          <a:p>
-            <a:pPr>
-              <a:lnSpc>
-                <a:spcPct val="150000"/>
-              </a:lnSpc>
-            </a:pPr>
+              <a:t>    &lt;name sex=“male”&gt;</a:t>
+            </a:r>
+            <a:r>
+              <a:rPr lang="en-US" altLang="zh-CN" dirty="0" err="1"/>
+              <a:t>ALbert</a:t>
+            </a:r>
             <a:r>
               <a:rPr lang="en-US" altLang="zh-CN" dirty="0"/>
-              <a:t>   &lt;to&gt;</a:t>
-            </a:r>
-            <a:r>
-              <a:rPr lang="en-US" altLang="zh-CN" dirty="0" err="1"/>
-              <a:t>Tove</a:t>
-            </a:r>
+              <a:t>&lt;/name&gt;</a:t>
+            </a:r>
+          </a:p>
+          <a:p>
+            <a:pPr lvl="1"/>
             <a:r>
               <a:rPr lang="en-US" altLang="zh-CN" dirty="0"/>
-              <a:t>&lt;/to&gt;</a:t>
-            </a:r>
-          </a:p>
-          <a:p>
-            <a:pPr>
-              <a:lnSpc>
-                <a:spcPct val="150000"/>
-              </a:lnSpc>
-            </a:pPr>
+              <a:t>    &lt;age&gt;27&lt;/age&gt;</a:t>
+            </a:r>
+          </a:p>
+          <a:p>
+            <a:pPr lvl="1"/>
             <a:r>
               <a:rPr lang="en-US" altLang="zh-CN" dirty="0"/>
-              <a:t>   &lt;from&gt;Jani&lt;/from&gt;    </a:t>
-            </a:r>
-          </a:p>
-          <a:p>
-            <a:pPr>
-              <a:lnSpc>
-                <a:spcPct val="150000"/>
-              </a:lnSpc>
-            </a:pPr>
-            <a:r>
-              <a:rPr lang="en-US" altLang="zh-CN" dirty="0"/>
-              <a:t>   &lt;heading&gt;Reminder&lt;/heading&gt;           </a:t>
-            </a:r>
-          </a:p>
-          <a:p>
-            <a:pPr>
-              <a:lnSpc>
-                <a:spcPct val="150000"/>
-              </a:lnSpc>
-            </a:pPr>
-            <a:r>
-              <a:rPr lang="en-US" altLang="zh-CN" dirty="0"/>
-              <a:t>   &lt;body&gt;Don't forget me&lt;/body&gt; </a:t>
-            </a:r>
-          </a:p>
-          <a:p>
-            <a:pPr>
-              <a:lnSpc>
-                <a:spcPct val="150000"/>
-              </a:lnSpc>
-            </a:pPr>
-            <a:r>
-              <a:rPr lang="en-US" altLang="zh-CN" dirty="0"/>
-              <a:t>&lt;/note&gt;</a:t>
+              <a:t>&lt;/person&gt;</a:t>
             </a:r>
           </a:p>
         </p:txBody>
@@ -17701,7 +17934,7 @@
     </p:spTree>
     <p:extLst>
       <p:ext uri="{BB962C8B-B14F-4D97-AF65-F5344CB8AC3E}">
-        <p14:creationId xmlns:p14="http://schemas.microsoft.com/office/powerpoint/2010/main" val="4134704572"/>
+        <p14:creationId xmlns:p14="http://schemas.microsoft.com/office/powerpoint/2010/main" val="3135136331"/>
       </p:ext>
     </p:extLst>
   </p:cSld>
@@ -17749,7 +17982,7 @@
             </a:r>
             <a:r>
               <a:rPr lang="zh-CN" altLang="en-US" b="0" dirty="0"/>
-              <a:t>语法规则</a:t>
+              <a:t>什么也不做</a:t>
             </a:r>
           </a:p>
         </p:txBody>
@@ -17762,8 +17995,8 @@
         </p:nvSpPr>
         <p:spPr>
           <a:xfrm>
-            <a:off x="1054100" y="1800225"/>
-            <a:ext cx="6375400" cy="4201150"/>
+            <a:off x="1185864" y="1714500"/>
+            <a:ext cx="9258300" cy="1938992"/>
           </a:xfrm>
           <a:prstGeom prst="rect">
             <a:avLst/>
@@ -17795,7 +18028,7 @@
                 <a:latin typeface="微软雅黑" panose="020B0503020204020204" pitchFamily="34" charset="-122"/>
                 <a:ea typeface="微软雅黑" panose="020B0503020204020204" pitchFamily="34" charset="-122"/>
               </a:rPr>
-              <a:t>必须有根元素</a:t>
+              <a:t>仅仅是规定了如何去编写，统一了格式方便程序去解析。</a:t>
             </a:r>
             <a:endParaRPr lang="en-US" altLang="zh-CN" sz="2000" dirty="0">
               <a:latin typeface="微软雅黑" panose="020B0503020204020204" pitchFamily="34" charset="-122"/>
@@ -17815,7 +18048,7 @@
                 <a:latin typeface="微软雅黑" panose="020B0503020204020204" pitchFamily="34" charset="-122"/>
                 <a:ea typeface="微软雅黑" panose="020B0503020204020204" pitchFamily="34" charset="-122"/>
               </a:rPr>
-              <a:t>所有元素都必须有一个关闭标签</a:t>
+              <a:t>至于解析后的数据，则需要程序员自己开发软件去支持。</a:t>
             </a:r>
             <a:endParaRPr lang="en-US" altLang="zh-CN" sz="2000" dirty="0">
               <a:latin typeface="微软雅黑" panose="020B0503020204020204" pitchFamily="34" charset="-122"/>
@@ -17831,299 +18064,18 @@
               <a:buChar char="•"/>
             </a:pPr>
             <a:r>
+              <a:rPr lang="en-US" altLang="zh-CN" sz="2000" dirty="0">
+                <a:latin typeface="微软雅黑" panose="020B0503020204020204" pitchFamily="34" charset="-122"/>
+                <a:ea typeface="微软雅黑" panose="020B0503020204020204" pitchFamily="34" charset="-122"/>
+              </a:rPr>
+              <a:t>XML</a:t>
+            </a:r>
+            <a:r>
               <a:rPr lang="zh-CN" altLang="en-US" sz="2000" dirty="0">
                 <a:latin typeface="微软雅黑" panose="020B0503020204020204" pitchFamily="34" charset="-122"/>
                 <a:ea typeface="微软雅黑" panose="020B0503020204020204" pitchFamily="34" charset="-122"/>
               </a:rPr>
-              <a:t>标签对大小写敏感</a:t>
-            </a:r>
-            <a:endParaRPr lang="en-US" altLang="zh-CN" sz="2000" dirty="0">
-              <a:latin typeface="微软雅黑" panose="020B0503020204020204" pitchFamily="34" charset="-122"/>
-              <a:ea typeface="微软雅黑" panose="020B0503020204020204" pitchFamily="34" charset="-122"/>
-            </a:endParaRPr>
-          </a:p>
-          <a:p>
-            <a:pPr marL="285750" indent="-285750">
-              <a:lnSpc>
-                <a:spcPct val="150000"/>
-              </a:lnSpc>
-              <a:buFont typeface="Arial" panose="020B0604020202020204" pitchFamily="34" charset="0"/>
-              <a:buChar char="•"/>
-            </a:pPr>
-            <a:r>
-              <a:rPr lang="zh-CN" altLang="en-US" sz="2000" dirty="0">
-                <a:latin typeface="微软雅黑" panose="020B0503020204020204" pitchFamily="34" charset="-122"/>
-                <a:ea typeface="微软雅黑" panose="020B0503020204020204" pitchFamily="34" charset="-122"/>
-              </a:rPr>
-              <a:t>属性必须加引号</a:t>
-            </a:r>
-            <a:endParaRPr lang="en-US" altLang="zh-CN" sz="2000" dirty="0">
-              <a:latin typeface="微软雅黑" panose="020B0503020204020204" pitchFamily="34" charset="-122"/>
-              <a:ea typeface="微软雅黑" panose="020B0503020204020204" pitchFamily="34" charset="-122"/>
-            </a:endParaRPr>
-          </a:p>
-          <a:p>
-            <a:pPr marL="285750" indent="-285750">
-              <a:lnSpc>
-                <a:spcPct val="150000"/>
-              </a:lnSpc>
-              <a:buFont typeface="Arial" panose="020B0604020202020204" pitchFamily="34" charset="0"/>
-              <a:buChar char="•"/>
-            </a:pPr>
-            <a:r>
-              <a:rPr lang="zh-CN" altLang="en-US" sz="2000" dirty="0">
-                <a:latin typeface="微软雅黑" panose="020B0503020204020204" pitchFamily="34" charset="-122"/>
-                <a:ea typeface="微软雅黑" panose="020B0503020204020204" pitchFamily="34" charset="-122"/>
-              </a:rPr>
-              <a:t>标签必须被正确嵌套</a:t>
-            </a:r>
-            <a:endParaRPr lang="en-US" altLang="zh-CN" sz="2000" dirty="0">
-              <a:latin typeface="微软雅黑" panose="020B0503020204020204" pitchFamily="34" charset="-122"/>
-              <a:ea typeface="微软雅黑" panose="020B0503020204020204" pitchFamily="34" charset="-122"/>
-            </a:endParaRPr>
-          </a:p>
-          <a:p>
-            <a:pPr marL="285750" indent="-285750">
-              <a:lnSpc>
-                <a:spcPct val="150000"/>
-              </a:lnSpc>
-              <a:buFont typeface="Arial" panose="020B0604020202020204" pitchFamily="34" charset="0"/>
-              <a:buChar char="•"/>
-            </a:pPr>
-            <a:r>
-              <a:rPr lang="zh-CN" altLang="en-US" sz="2000" dirty="0">
-                <a:latin typeface="微软雅黑" panose="020B0503020204020204" pitchFamily="34" charset="-122"/>
-                <a:ea typeface="微软雅黑" panose="020B0503020204020204" pitchFamily="34" charset="-122"/>
-              </a:rPr>
-              <a:t>空格会被保留（</a:t>
-            </a:r>
-            <a:r>
-              <a:rPr lang="en-US" altLang="zh-CN" sz="2000" dirty="0">
-                <a:latin typeface="微软雅黑" panose="020B0503020204020204" pitchFamily="34" charset="-122"/>
-                <a:ea typeface="微软雅黑" panose="020B0503020204020204" pitchFamily="34" charset="-122"/>
-              </a:rPr>
-              <a:t>HTML</a:t>
-            </a:r>
-            <a:r>
-              <a:rPr lang="zh-CN" altLang="en-US" sz="2000" dirty="0">
-                <a:latin typeface="微软雅黑" panose="020B0503020204020204" pitchFamily="34" charset="-122"/>
-                <a:ea typeface="微软雅黑" panose="020B0503020204020204" pitchFamily="34" charset="-122"/>
-              </a:rPr>
-              <a:t>会把多个连续的空格字符裁减为一个）</a:t>
-            </a:r>
-            <a:endParaRPr lang="en-US" altLang="zh-CN" sz="2000" dirty="0">
-              <a:latin typeface="微软雅黑" panose="020B0503020204020204" pitchFamily="34" charset="-122"/>
-              <a:ea typeface="微软雅黑" panose="020B0503020204020204" pitchFamily="34" charset="-122"/>
-            </a:endParaRPr>
-          </a:p>
-          <a:p>
-            <a:pPr marL="285750" indent="-285750">
-              <a:lnSpc>
-                <a:spcPct val="150000"/>
-              </a:lnSpc>
-              <a:buFont typeface="Arial" panose="020B0604020202020204" pitchFamily="34" charset="0"/>
-              <a:buChar char="•"/>
-            </a:pPr>
-            <a:r>
-              <a:rPr lang="en-US" altLang="zh-CN" sz="2000" dirty="0">
-                <a:latin typeface="微软雅黑" panose="020B0503020204020204" pitchFamily="34" charset="-122"/>
-                <a:ea typeface="微软雅黑" panose="020B0503020204020204" pitchFamily="34" charset="-122"/>
-              </a:rPr>
-              <a:t>XML</a:t>
-            </a:r>
-            <a:r>
-              <a:rPr lang="zh-CN" altLang="en-US" sz="2000" dirty="0">
-                <a:latin typeface="微软雅黑" panose="020B0503020204020204" pitchFamily="34" charset="-122"/>
-                <a:ea typeface="微软雅黑" panose="020B0503020204020204" pitchFamily="34" charset="-122"/>
-              </a:rPr>
-              <a:t>声明存在的话需要放在第一行，但它不是必须的</a:t>
-            </a:r>
-            <a:endParaRPr lang="en-US" altLang="zh-CN" sz="2000" dirty="0">
-              <a:latin typeface="微软雅黑" panose="020B0503020204020204" pitchFamily="34" charset="-122"/>
-              <a:ea typeface="微软雅黑" panose="020B0503020204020204" pitchFamily="34" charset="-122"/>
-            </a:endParaRPr>
-          </a:p>
-          <a:p>
-            <a:pPr lvl="1">
-              <a:lnSpc>
-                <a:spcPct val="150000"/>
-              </a:lnSpc>
-            </a:pPr>
-            <a:r>
-              <a:rPr lang="en-US" altLang="zh-CN" dirty="0">
-                <a:latin typeface="微软雅黑" panose="020B0503020204020204" pitchFamily="34" charset="-122"/>
-                <a:ea typeface="微软雅黑" panose="020B0503020204020204" pitchFamily="34" charset="-122"/>
-              </a:rPr>
-              <a:t>&lt;?xml version="1.0" encoding="utf-8"?&gt;</a:t>
-            </a:r>
-          </a:p>
-        </p:txBody>
-      </p:sp>
-      <p:sp>
-        <p:nvSpPr>
-          <p:cNvPr id="3" name="文本框 2"/>
-          <p:cNvSpPr txBox="1"/>
-          <p:nvPr/>
-        </p:nvSpPr>
-        <p:spPr>
-          <a:xfrm>
-            <a:off x="7658099" y="1624355"/>
-            <a:ext cx="4329113" cy="4801314"/>
-          </a:xfrm>
-          <a:prstGeom prst="rect">
-            <a:avLst/>
-          </a:prstGeom>
-          <a:noFill/>
-        </p:spPr>
-        <p:txBody>
-          <a:bodyPr wrap="square" rtlCol="0">
-            <a:spAutoFit/>
-          </a:bodyPr>
-          <a:lstStyle/>
-          <a:p>
-            <a:pPr marL="285750" indent="-285750">
-              <a:buFont typeface="Arial" panose="020B0604020202020204" pitchFamily="34" charset="0"/>
-              <a:buChar char="•"/>
-            </a:pPr>
-            <a:r>
-              <a:rPr lang="zh-CN" altLang="en-US" dirty="0"/>
-              <a:t>错误的格式：</a:t>
-            </a:r>
-            <a:endParaRPr lang="en-US" altLang="zh-CN" dirty="0"/>
-          </a:p>
-          <a:p>
-            <a:pPr lvl="1"/>
-            <a:r>
-              <a:rPr lang="en-US" altLang="zh-CN" i="1" dirty="0"/>
-              <a:t>//</a:t>
-            </a:r>
-            <a:r>
-              <a:rPr lang="zh-CN" altLang="en-US" i="1" dirty="0"/>
-              <a:t>没有根元素</a:t>
-            </a:r>
-            <a:endParaRPr lang="en-US" altLang="zh-CN" i="1" dirty="0"/>
-          </a:p>
-          <a:p>
-            <a:pPr lvl="1"/>
-            <a:r>
-              <a:rPr lang="en-US" altLang="zh-CN" dirty="0"/>
-              <a:t>&lt;name&gt;Albert&lt;/name&gt;</a:t>
-            </a:r>
-          </a:p>
-          <a:p>
-            <a:pPr lvl="1"/>
-            <a:endParaRPr lang="en-US" altLang="zh-CN" dirty="0"/>
-          </a:p>
-          <a:p>
-            <a:pPr lvl="1"/>
-            <a:r>
-              <a:rPr lang="en-US" altLang="zh-CN" i="1" dirty="0"/>
-              <a:t>//</a:t>
-            </a:r>
-            <a:r>
-              <a:rPr lang="zh-CN" altLang="en-US" i="1" dirty="0"/>
-              <a:t>大小写不统一</a:t>
-            </a:r>
-            <a:endParaRPr lang="en-US" altLang="zh-CN" i="1" dirty="0"/>
-          </a:p>
-          <a:p>
-            <a:pPr lvl="1"/>
-            <a:r>
-              <a:rPr lang="en-US" altLang="zh-CN" dirty="0"/>
-              <a:t>&lt;name&gt;Albert&lt;/Name&gt;</a:t>
-            </a:r>
-          </a:p>
-          <a:p>
-            <a:pPr lvl="1"/>
-            <a:endParaRPr lang="en-US" altLang="zh-CN" dirty="0"/>
-          </a:p>
-          <a:p>
-            <a:pPr lvl="1"/>
-            <a:r>
-              <a:rPr lang="en-US" altLang="zh-CN" i="1" dirty="0"/>
-              <a:t>//</a:t>
-            </a:r>
-            <a:r>
-              <a:rPr lang="zh-CN" altLang="en-US" i="1" dirty="0"/>
-              <a:t>没有关闭标签</a:t>
-            </a:r>
-            <a:endParaRPr lang="en-US" altLang="zh-CN" i="1" dirty="0"/>
-          </a:p>
-          <a:p>
-            <a:pPr lvl="1"/>
-            <a:r>
-              <a:rPr lang="en-US" altLang="zh-CN" dirty="0"/>
-              <a:t>&lt;name&gt;Albert</a:t>
-            </a:r>
-          </a:p>
-          <a:p>
-            <a:pPr lvl="1"/>
-            <a:endParaRPr lang="en-US" altLang="zh-CN" dirty="0"/>
-          </a:p>
-          <a:p>
-            <a:pPr lvl="1"/>
-            <a:r>
-              <a:rPr lang="en-US" altLang="zh-CN" i="1" dirty="0"/>
-              <a:t>//</a:t>
-            </a:r>
-            <a:r>
-              <a:rPr lang="zh-CN" altLang="en-US" i="1" dirty="0"/>
-              <a:t>属性没有加引号</a:t>
-            </a:r>
-            <a:endParaRPr lang="en-US" altLang="zh-CN" i="1" dirty="0"/>
-          </a:p>
-          <a:p>
-            <a:pPr lvl="1"/>
-            <a:r>
-              <a:rPr lang="en-US" altLang="zh-CN" dirty="0"/>
-              <a:t>&lt;name sex=male&gt;Albert&lt;/name&gt;</a:t>
-            </a:r>
-          </a:p>
-          <a:p>
-            <a:pPr marL="285750" indent="-285750">
-              <a:buFont typeface="Arial" panose="020B0604020202020204" pitchFamily="34" charset="0"/>
-              <a:buChar char="•"/>
-            </a:pPr>
-            <a:r>
-              <a:rPr lang="zh-CN" altLang="en-US" dirty="0"/>
-              <a:t>正确的格式：</a:t>
-            </a:r>
-            <a:endParaRPr lang="en-US" altLang="zh-CN" dirty="0"/>
-          </a:p>
-          <a:p>
-            <a:pPr lvl="1"/>
-            <a:r>
-              <a:rPr lang="en-US" altLang="zh-CN" dirty="0"/>
-              <a:t>&lt;person&gt;</a:t>
-            </a:r>
-          </a:p>
-          <a:p>
-            <a:pPr lvl="1"/>
-            <a:r>
-              <a:rPr lang="en-US" altLang="zh-CN" dirty="0"/>
-              <a:t>    &lt;name sex=“male”&gt;</a:t>
-            </a:r>
-            <a:r>
-              <a:rPr lang="en-US" altLang="zh-CN" dirty="0" err="1"/>
-              <a:t>ALbert</a:t>
-            </a:r>
-            <a:r>
-              <a:rPr lang="en-US" altLang="zh-CN" dirty="0"/>
-              <a:t>&lt;/name&gt;</a:t>
-            </a:r>
-          </a:p>
-          <a:p>
-            <a:pPr lvl="1"/>
-            <a:r>
-              <a:rPr lang="en-US" altLang="zh-CN" dirty="0"/>
-              <a:t>    &lt;age&gt;27&lt;/age&gt;</a:t>
-            </a:r>
-          </a:p>
-          <a:p>
-            <a:pPr lvl="1"/>
-            <a:r>
-              <a:rPr lang="en-US" altLang="zh-CN" dirty="0"/>
-              <a:t>&lt;/person&gt;</a:t>
+              <a:t>提供的是统一的格式化规则，统一的解析规则。基于此，互联网的数据传输兼容性大大提升，不需要针对每种格式去编写对应的解析程序。</a:t>
             </a:r>
           </a:p>
         </p:txBody>
@@ -18131,7 +18083,7 @@
     </p:spTree>
     <p:extLst>
       <p:ext uri="{BB962C8B-B14F-4D97-AF65-F5344CB8AC3E}">
-        <p14:creationId xmlns:p14="http://schemas.microsoft.com/office/powerpoint/2010/main" val="3135136331"/>
+        <p14:creationId xmlns:p14="http://schemas.microsoft.com/office/powerpoint/2010/main" val="1224927052"/>
       </p:ext>
     </p:extLst>
   </p:cSld>
@@ -18175,25 +18127,30 @@
           <a:p>
             <a:r>
               <a:rPr lang="en-US" altLang="zh-CN" b="0" dirty="0"/>
+              <a:t>PHP</a:t>
+            </a:r>
+            <a:r>
+              <a:rPr lang="zh-CN" altLang="en-US" b="0" dirty="0"/>
+              <a:t>解析</a:t>
+            </a:r>
+            <a:r>
+              <a:rPr lang="en-US" altLang="zh-CN" b="0" dirty="0"/>
               <a:t>XML</a:t>
             </a:r>
-            <a:r>
-              <a:rPr lang="zh-CN" altLang="en-US" b="0" dirty="0"/>
-              <a:t>什么也不做</a:t>
-            </a:r>
-          </a:p>
-        </p:txBody>
-      </p:sp>
-      <p:sp>
-        <p:nvSpPr>
-          <p:cNvPr id="4" name="文本框 3"/>
+            <a:endParaRPr lang="zh-CN" altLang="en-US" b="0" dirty="0"/>
+          </a:p>
+        </p:txBody>
+      </p:sp>
+      <p:sp>
+        <p:nvSpPr>
+          <p:cNvPr id="3" name="文本框 2"/>
           <p:cNvSpPr txBox="1"/>
           <p:nvPr/>
         </p:nvSpPr>
         <p:spPr>
           <a:xfrm>
-            <a:off x="1185864" y="1714500"/>
-            <a:ext cx="9258300" cy="1938992"/>
+            <a:off x="1054100" y="1785937"/>
+            <a:ext cx="10047288" cy="3600986"/>
           </a:xfrm>
           <a:prstGeom prst="rect">
             <a:avLst/>
@@ -18218,6 +18175,20 @@
                 <a:latin typeface="微软雅黑" panose="020B0503020204020204" pitchFamily="34" charset="-122"/>
                 <a:ea typeface="微软雅黑" panose="020B0503020204020204" pitchFamily="34" charset="-122"/>
               </a:rPr>
+              <a:t>PHP</a:t>
+            </a:r>
+            <a:r>
+              <a:rPr lang="zh-CN" altLang="en-US" sz="2000" dirty="0">
+                <a:latin typeface="微软雅黑" panose="020B0503020204020204" pitchFamily="34" charset="-122"/>
+                <a:ea typeface="微软雅黑" panose="020B0503020204020204" pitchFamily="34" charset="-122"/>
+              </a:rPr>
+              <a:t>内置了处理</a:t>
+            </a:r>
+            <a:r>
+              <a:rPr lang="en-US" altLang="zh-CN" sz="2000" dirty="0">
+                <a:latin typeface="微软雅黑" panose="020B0503020204020204" pitchFamily="34" charset="-122"/>
+                <a:ea typeface="微软雅黑" panose="020B0503020204020204" pitchFamily="34" charset="-122"/>
+              </a:rPr>
               <a:t>XML</a:t>
             </a:r>
             <a:r>
@@ -18225,7 +18196,63 @@
                 <a:latin typeface="微软雅黑" panose="020B0503020204020204" pitchFamily="34" charset="-122"/>
                 <a:ea typeface="微软雅黑" panose="020B0503020204020204" pitchFamily="34" charset="-122"/>
               </a:rPr>
-              <a:t>仅仅是规定了如何去编写，统一了格式方便程序去解析。</a:t>
+              <a:t>的扩展，比较简单的扩展</a:t>
+            </a:r>
+            <a:r>
+              <a:rPr lang="en-US" altLang="zh-CN" sz="2000" dirty="0" err="1">
+                <a:latin typeface="微软雅黑" panose="020B0503020204020204" pitchFamily="34" charset="-122"/>
+                <a:ea typeface="微软雅黑" panose="020B0503020204020204" pitchFamily="34" charset="-122"/>
+              </a:rPr>
+              <a:t>SimpleXML</a:t>
+            </a:r>
+            <a:r>
+              <a:rPr lang="zh-CN" altLang="en-US" sz="2000" dirty="0">
+                <a:latin typeface="微软雅黑" panose="020B0503020204020204" pitchFamily="34" charset="-122"/>
+                <a:ea typeface="微软雅黑" panose="020B0503020204020204" pitchFamily="34" charset="-122"/>
+              </a:rPr>
+              <a:t>可以把</a:t>
+            </a:r>
+            <a:r>
+              <a:rPr lang="en-US" altLang="zh-CN" sz="2000" dirty="0">
+                <a:latin typeface="微软雅黑" panose="020B0503020204020204" pitchFamily="34" charset="-122"/>
+                <a:ea typeface="微软雅黑" panose="020B0503020204020204" pitchFamily="34" charset="-122"/>
+              </a:rPr>
+              <a:t>XML</a:t>
+            </a:r>
+            <a:r>
+              <a:rPr lang="zh-CN" altLang="en-US" sz="2000" dirty="0">
+                <a:latin typeface="微软雅黑" panose="020B0503020204020204" pitchFamily="34" charset="-122"/>
+                <a:ea typeface="微软雅黑" panose="020B0503020204020204" pitchFamily="34" charset="-122"/>
+              </a:rPr>
+              <a:t>格式的字符串解析成</a:t>
+            </a:r>
+            <a:r>
+              <a:rPr lang="en-US" altLang="zh-CN" sz="2000" dirty="0" err="1">
+                <a:latin typeface="微软雅黑" panose="020B0503020204020204" pitchFamily="34" charset="-122"/>
+                <a:ea typeface="微软雅黑" panose="020B0503020204020204" pitchFamily="34" charset="-122"/>
+              </a:rPr>
+              <a:t>SimpleXMLElement</a:t>
+            </a:r>
+            <a:r>
+              <a:rPr lang="zh-CN" altLang="en-US" sz="2000" dirty="0">
+                <a:latin typeface="微软雅黑" panose="020B0503020204020204" pitchFamily="34" charset="-122"/>
+                <a:ea typeface="微软雅黑" panose="020B0503020204020204" pitchFamily="34" charset="-122"/>
+              </a:rPr>
+              <a:t>对象。使用</a:t>
+            </a:r>
+            <a:r>
+              <a:rPr lang="en-US" altLang="zh-CN" sz="2000" dirty="0" err="1">
+                <a:latin typeface="微软雅黑" panose="020B0503020204020204" pitchFamily="34" charset="-122"/>
+                <a:ea typeface="微软雅黑" panose="020B0503020204020204" pitchFamily="34" charset="-122"/>
+              </a:rPr>
+              <a:t>SimpleXMLElement</a:t>
+            </a:r>
+            <a:r>
+              <a:rPr lang="zh-CN" altLang="en-US" sz="2000" dirty="0">
+                <a:latin typeface="微软雅黑" panose="020B0503020204020204" pitchFamily="34" charset="-122"/>
+                <a:ea typeface="微软雅黑" panose="020B0503020204020204" pitchFamily="34" charset="-122"/>
+              </a:rPr>
+              <a:t>对象提供的方法可以获取需要的数据。</a:t>
             </a:r>
             <a:endParaRPr lang="en-US" altLang="zh-CN" sz="2000" dirty="0">
               <a:latin typeface="微软雅黑" panose="020B0503020204020204" pitchFamily="34" charset="-122"/>
@@ -18245,7 +18272,42 @@
                 <a:latin typeface="微软雅黑" panose="020B0503020204020204" pitchFamily="34" charset="-122"/>
                 <a:ea typeface="微软雅黑" panose="020B0503020204020204" pitchFamily="34" charset="-122"/>
               </a:rPr>
-              <a:t>至于解析后的数据，则需要程序员自己开发软件去支持。</a:t>
+              <a:t>使用</a:t>
+            </a:r>
+            <a:r>
+              <a:rPr lang="en-US" altLang="zh-CN" sz="2000" dirty="0" err="1">
+                <a:latin typeface="微软雅黑" panose="020B0503020204020204" pitchFamily="34" charset="-122"/>
+                <a:ea typeface="微软雅黑" panose="020B0503020204020204" pitchFamily="34" charset="-122"/>
+              </a:rPr>
+              <a:t>simplexml_load_string</a:t>
+            </a:r>
+            <a:r>
+              <a:rPr lang="en-US" altLang="zh-CN" sz="2000" dirty="0">
+                <a:latin typeface="微软雅黑" panose="020B0503020204020204" pitchFamily="34" charset="-122"/>
+                <a:ea typeface="微软雅黑" panose="020B0503020204020204" pitchFamily="34" charset="-122"/>
+              </a:rPr>
+              <a:t>($xml)</a:t>
+            </a:r>
+            <a:r>
+              <a:rPr lang="zh-CN" altLang="en-US" sz="2000" dirty="0">
+                <a:latin typeface="微软雅黑" panose="020B0503020204020204" pitchFamily="34" charset="-122"/>
+                <a:ea typeface="微软雅黑" panose="020B0503020204020204" pitchFamily="34" charset="-122"/>
+              </a:rPr>
+              <a:t>函数对</a:t>
+            </a:r>
+            <a:r>
+              <a:rPr lang="en-US" altLang="zh-CN" sz="2000" dirty="0">
+                <a:latin typeface="微软雅黑" panose="020B0503020204020204" pitchFamily="34" charset="-122"/>
+                <a:ea typeface="微软雅黑" panose="020B0503020204020204" pitchFamily="34" charset="-122"/>
+              </a:rPr>
+              <a:t>$xml</a:t>
+            </a:r>
+            <a:r>
+              <a:rPr lang="zh-CN" altLang="en-US" sz="2000" dirty="0">
+                <a:latin typeface="微软雅黑" panose="020B0503020204020204" pitchFamily="34" charset="-122"/>
+                <a:ea typeface="微软雅黑" panose="020B0503020204020204" pitchFamily="34" charset="-122"/>
+              </a:rPr>
+              <a:t>进行解析。</a:t>
             </a:r>
             <a:endParaRPr lang="en-US" altLang="zh-CN" sz="2000" dirty="0">
               <a:latin typeface="微软雅黑" panose="020B0503020204020204" pitchFamily="34" charset="-122"/>
@@ -18272,15 +18334,125 @@
                 <a:latin typeface="微软雅黑" panose="020B0503020204020204" pitchFamily="34" charset="-122"/>
                 <a:ea typeface="微软雅黑" panose="020B0503020204020204" pitchFamily="34" charset="-122"/>
               </a:rPr>
-              <a:t>提供的是统一的格式化规则，统一的解析规则。基于此，互联网的数据传输兼容性大大提升，不需要针对每种格式去编写对应的解析程序。</a:t>
-            </a:r>
+              <a:t>标签的名称就会被解析为对象的属性。</a:t>
+            </a:r>
+            <a:endParaRPr lang="en-US" altLang="zh-CN" sz="2000" dirty="0">
+              <a:latin typeface="微软雅黑" panose="020B0503020204020204" pitchFamily="34" charset="-122"/>
+              <a:ea typeface="微软雅黑" panose="020B0503020204020204" pitchFamily="34" charset="-122"/>
+            </a:endParaRPr>
+          </a:p>
+          <a:p>
+            <a:pPr marL="285750" indent="-285750">
+              <a:lnSpc>
+                <a:spcPct val="150000"/>
+              </a:lnSpc>
+              <a:buFont typeface="Arial" panose="020B0604020202020204" pitchFamily="34" charset="0"/>
+              <a:buChar char="•"/>
+            </a:pPr>
+            <a:r>
+              <a:rPr lang="zh-CN" altLang="en-US" sz="2000" dirty="0">
+                <a:latin typeface="微软雅黑" panose="020B0503020204020204" pitchFamily="34" charset="-122"/>
+                <a:ea typeface="微软雅黑" panose="020B0503020204020204" pitchFamily="34" charset="-122"/>
+              </a:rPr>
+              <a:t>使用</a:t>
+            </a:r>
+            <a:r>
+              <a:rPr lang="en-US" altLang="zh-CN" sz="2000" dirty="0" err="1">
+                <a:latin typeface="微软雅黑" panose="020B0503020204020204" pitchFamily="34" charset="-122"/>
+                <a:ea typeface="微软雅黑" panose="020B0503020204020204" pitchFamily="34" charset="-122"/>
+              </a:rPr>
+              <a:t>get_object_vars</a:t>
+            </a:r>
+            <a:r>
+              <a:rPr lang="zh-CN" altLang="en-US" sz="2000" dirty="0">
+                <a:latin typeface="微软雅黑" panose="020B0503020204020204" pitchFamily="34" charset="-122"/>
+                <a:ea typeface="微软雅黑" panose="020B0503020204020204" pitchFamily="34" charset="-122"/>
+              </a:rPr>
+              <a:t>函数可以把</a:t>
+            </a:r>
+            <a:r>
+              <a:rPr lang="en-US" altLang="zh-CN" sz="2000" dirty="0">
+                <a:latin typeface="微软雅黑" panose="020B0503020204020204" pitchFamily="34" charset="-122"/>
+                <a:ea typeface="微软雅黑" panose="020B0503020204020204" pitchFamily="34" charset="-122"/>
+              </a:rPr>
+              <a:t>PHP</a:t>
+            </a:r>
+            <a:r>
+              <a:rPr lang="zh-CN" altLang="en-US" sz="2000" dirty="0">
+                <a:latin typeface="微软雅黑" panose="020B0503020204020204" pitchFamily="34" charset="-122"/>
+                <a:ea typeface="微软雅黑" panose="020B0503020204020204" pitchFamily="34" charset="-122"/>
+              </a:rPr>
+              <a:t>对象转换成数组。</a:t>
+            </a:r>
+            <a:endParaRPr lang="en-US" altLang="zh-CN" sz="2000" dirty="0">
+              <a:latin typeface="微软雅黑" panose="020B0503020204020204" pitchFamily="34" charset="-122"/>
+              <a:ea typeface="微软雅黑" panose="020B0503020204020204" pitchFamily="34" charset="-122"/>
+            </a:endParaRPr>
+          </a:p>
+          <a:p>
+            <a:pPr marL="285750" indent="-285750">
+              <a:lnSpc>
+                <a:spcPct val="150000"/>
+              </a:lnSpc>
+              <a:buFont typeface="Arial" panose="020B0604020202020204" pitchFamily="34" charset="0"/>
+              <a:buChar char="•"/>
+            </a:pPr>
+            <a:r>
+              <a:rPr lang="en-US" altLang="zh-CN" sz="2000" dirty="0" err="1">
+                <a:latin typeface="微软雅黑" panose="020B0503020204020204" pitchFamily="34" charset="-122"/>
+                <a:ea typeface="微软雅黑" panose="020B0503020204020204" pitchFamily="34" charset="-122"/>
+              </a:rPr>
+              <a:t>DOMDocument</a:t>
+            </a:r>
+            <a:r>
+              <a:rPr lang="zh-CN" altLang="en-US" sz="2000" dirty="0">
+                <a:latin typeface="微软雅黑" panose="020B0503020204020204" pitchFamily="34" charset="-122"/>
+                <a:ea typeface="微软雅黑" panose="020B0503020204020204" pitchFamily="34" charset="-122"/>
+              </a:rPr>
+              <a:t>类可以加载</a:t>
+            </a:r>
+            <a:r>
+              <a:rPr lang="en-US" altLang="zh-CN" sz="2000" dirty="0">
+                <a:latin typeface="微软雅黑" panose="020B0503020204020204" pitchFamily="34" charset="-122"/>
+                <a:ea typeface="微软雅黑" panose="020B0503020204020204" pitchFamily="34" charset="-122"/>
+              </a:rPr>
+              <a:t>XML</a:t>
+            </a:r>
+            <a:r>
+              <a:rPr lang="zh-CN" altLang="en-US" sz="2000" dirty="0">
+                <a:latin typeface="微软雅黑" panose="020B0503020204020204" pitchFamily="34" charset="-122"/>
+                <a:ea typeface="微软雅黑" panose="020B0503020204020204" pitchFamily="34" charset="-122"/>
+              </a:rPr>
+              <a:t>数据为</a:t>
+            </a:r>
+            <a:r>
+              <a:rPr lang="en-US" altLang="zh-CN" sz="2000" dirty="0">
+                <a:latin typeface="微软雅黑" panose="020B0503020204020204" pitchFamily="34" charset="-122"/>
+                <a:ea typeface="微软雅黑" panose="020B0503020204020204" pitchFamily="34" charset="-122"/>
+              </a:rPr>
+              <a:t>DOM</a:t>
+            </a:r>
+            <a:r>
+              <a:rPr lang="zh-CN" altLang="en-US" sz="2000" dirty="0">
+                <a:latin typeface="微软雅黑" panose="020B0503020204020204" pitchFamily="34" charset="-122"/>
+                <a:ea typeface="微软雅黑" panose="020B0503020204020204" pitchFamily="34" charset="-122"/>
+              </a:rPr>
+              <a:t>，之后使用方法操标签数据。</a:t>
+            </a:r>
+            <a:endParaRPr lang="en-US" altLang="zh-CN" sz="2000" dirty="0">
+              <a:latin typeface="微软雅黑" panose="020B0503020204020204" pitchFamily="34" charset="-122"/>
+              <a:ea typeface="微软雅黑" panose="020B0503020204020204" pitchFamily="34" charset="-122"/>
+            </a:endParaRPr>
+          </a:p>
+          <a:p>
+            <a:endParaRPr lang="zh-CN" altLang="en-US" dirty="0"/>
           </a:p>
         </p:txBody>
       </p:sp>
     </p:spTree>
     <p:extLst>
       <p:ext uri="{BB962C8B-B14F-4D97-AF65-F5344CB8AC3E}">
-        <p14:creationId xmlns:p14="http://schemas.microsoft.com/office/powerpoint/2010/main" val="1224927052"/>
+        <p14:creationId xmlns:p14="http://schemas.microsoft.com/office/powerpoint/2010/main" val="780860877"/>
       </p:ext>
     </p:extLst>
   </p:cSld>
@@ -18317,18 +18489,19 @@
             <p:ph sz="quarter" idx="13"/>
           </p:nvPr>
         </p:nvSpPr>
-        <p:spPr/>
+        <p:spPr>
+          <a:xfrm>
+            <a:off x="1054099" y="543636"/>
+            <a:ext cx="6646863" cy="685800"/>
+          </a:xfrm>
+        </p:spPr>
         <p:txBody>
           <a:bodyPr/>
           <a:lstStyle/>
           <a:p>
             <a:r>
-              <a:rPr lang="en-US" altLang="zh-CN" b="0" dirty="0"/>
-              <a:t>PHP</a:t>
-            </a:r>
-            <a:r>
               <a:rPr lang="zh-CN" altLang="en-US" b="0" dirty="0"/>
-              <a:t>解析</a:t>
+              <a:t>使用其他扩展库解析</a:t>
             </a:r>
             <a:r>
               <a:rPr lang="en-US" altLang="zh-CN" b="0" dirty="0"/>
@@ -18340,14 +18513,14 @@
       </p:sp>
       <p:sp>
         <p:nvSpPr>
-          <p:cNvPr id="3" name="文本框 2"/>
+          <p:cNvPr id="4" name="文本框 3"/>
           <p:cNvSpPr txBox="1"/>
           <p:nvPr/>
         </p:nvSpPr>
         <p:spPr>
           <a:xfrm>
-            <a:off x="1054100" y="1785937"/>
-            <a:ext cx="10047288" cy="3600986"/>
+            <a:off x="1054099" y="1828800"/>
+            <a:ext cx="9961564" cy="2400657"/>
           </a:xfrm>
           <a:prstGeom prst="rect">
             <a:avLst/>
@@ -18368,96 +18541,71 @@
               <a:buChar char="•"/>
             </a:pPr>
             <a:r>
+              <a:rPr lang="zh-CN" altLang="en-US" sz="2000" dirty="0">
+                <a:latin typeface="微软雅黑" panose="020B0503020204020204" pitchFamily="34" charset="-122"/>
+                <a:ea typeface="微软雅黑" panose="020B0503020204020204" pitchFamily="34" charset="-122"/>
+              </a:rPr>
+              <a:t>使用</a:t>
+            </a:r>
+            <a:r>
               <a:rPr lang="en-US" altLang="zh-CN" sz="2000" dirty="0">
                 <a:latin typeface="微软雅黑" panose="020B0503020204020204" pitchFamily="34" charset="-122"/>
                 <a:ea typeface="微软雅黑" panose="020B0503020204020204" pitchFamily="34" charset="-122"/>
               </a:rPr>
-              <a:t>PHP</a:t>
+              <a:t>composer</a:t>
             </a:r>
             <a:r>
               <a:rPr lang="zh-CN" altLang="en-US" sz="2000" dirty="0">
                 <a:latin typeface="微软雅黑" panose="020B0503020204020204" pitchFamily="34" charset="-122"/>
                 <a:ea typeface="微软雅黑" panose="020B0503020204020204" pitchFamily="34" charset="-122"/>
               </a:rPr>
-              <a:t>内置了处理</a:t>
+              <a:t>下载</a:t>
+            </a:r>
+            <a:r>
+              <a:rPr lang="en-US" altLang="zh-CN" sz="2000" dirty="0" err="1">
+                <a:latin typeface="微软雅黑" panose="020B0503020204020204" pitchFamily="34" charset="-122"/>
+                <a:ea typeface="微软雅黑" panose="020B0503020204020204" pitchFamily="34" charset="-122"/>
+              </a:rPr>
+              <a:t>houdunwang</a:t>
             </a:r>
             <a:r>
               <a:rPr lang="en-US" altLang="zh-CN" sz="2000" dirty="0">
                 <a:latin typeface="微软雅黑" panose="020B0503020204020204" pitchFamily="34" charset="-122"/>
                 <a:ea typeface="微软雅黑" panose="020B0503020204020204" pitchFamily="34" charset="-122"/>
               </a:rPr>
-              <a:t>XML</a:t>
-            </a:r>
-            <a:r>
-              <a:rPr lang="zh-CN" altLang="en-US" sz="2000" dirty="0">
-                <a:latin typeface="微软雅黑" panose="020B0503020204020204" pitchFamily="34" charset="-122"/>
-                <a:ea typeface="微软雅黑" panose="020B0503020204020204" pitchFamily="34" charset="-122"/>
-              </a:rPr>
-              <a:t>的扩展，比较简单的扩展</a:t>
+              <a:t>/xml</a:t>
+            </a:r>
+          </a:p>
+          <a:p>
+            <a:pPr lvl="1">
+              <a:lnSpc>
+                <a:spcPct val="150000"/>
+              </a:lnSpc>
+            </a:pPr>
+            <a:r>
+              <a:rPr lang="en-US" altLang="zh-CN" sz="2000" dirty="0">
+                <a:latin typeface="微软雅黑" panose="020B0503020204020204" pitchFamily="34" charset="-122"/>
+                <a:ea typeface="微软雅黑" panose="020B0503020204020204" pitchFamily="34" charset="-122"/>
+              </a:rPr>
+              <a:t>composer require </a:t>
             </a:r>
             <a:r>
               <a:rPr lang="en-US" altLang="zh-CN" sz="2000" dirty="0" err="1">
                 <a:latin typeface="微软雅黑" panose="020B0503020204020204" pitchFamily="34" charset="-122"/>
                 <a:ea typeface="微软雅黑" panose="020B0503020204020204" pitchFamily="34" charset="-122"/>
               </a:rPr>
-              <a:t>SimpleXML</a:t>
-            </a:r>
-            <a:r>
-              <a:rPr lang="zh-CN" altLang="en-US" sz="2000" dirty="0">
-                <a:latin typeface="微软雅黑" panose="020B0503020204020204" pitchFamily="34" charset="-122"/>
-                <a:ea typeface="微软雅黑" panose="020B0503020204020204" pitchFamily="34" charset="-122"/>
-              </a:rPr>
-              <a:t>可以把</a:t>
+              <a:t>houdunwang</a:t>
             </a:r>
             <a:r>
               <a:rPr lang="en-US" altLang="zh-CN" sz="2000" dirty="0">
                 <a:latin typeface="微软雅黑" panose="020B0503020204020204" pitchFamily="34" charset="-122"/>
                 <a:ea typeface="微软雅黑" panose="020B0503020204020204" pitchFamily="34" charset="-122"/>
               </a:rPr>
-              <a:t>XML</a:t>
-            </a:r>
-            <a:r>
-              <a:rPr lang="zh-CN" altLang="en-US" sz="2000" dirty="0">
-                <a:latin typeface="微软雅黑" panose="020B0503020204020204" pitchFamily="34" charset="-122"/>
-                <a:ea typeface="微软雅黑" panose="020B0503020204020204" pitchFamily="34" charset="-122"/>
-              </a:rPr>
-              <a:t>格式的字符串解析成</a:t>
-            </a:r>
-            <a:r>
-              <a:rPr lang="en-US" altLang="zh-CN" sz="2000" dirty="0" err="1">
-                <a:latin typeface="微软雅黑" panose="020B0503020204020204" pitchFamily="34" charset="-122"/>
-                <a:ea typeface="微软雅黑" panose="020B0503020204020204" pitchFamily="34" charset="-122"/>
-              </a:rPr>
-              <a:t>SimpleXMLElement</a:t>
-            </a:r>
-            <a:r>
-              <a:rPr lang="zh-CN" altLang="en-US" sz="2000" dirty="0">
-                <a:latin typeface="微软雅黑" panose="020B0503020204020204" pitchFamily="34" charset="-122"/>
-                <a:ea typeface="微软雅黑" panose="020B0503020204020204" pitchFamily="34" charset="-122"/>
-              </a:rPr>
-              <a:t>对象。使用</a:t>
-            </a:r>
-            <a:r>
-              <a:rPr lang="en-US" altLang="zh-CN" sz="2000" dirty="0" err="1">
-                <a:latin typeface="微软雅黑" panose="020B0503020204020204" pitchFamily="34" charset="-122"/>
-                <a:ea typeface="微软雅黑" panose="020B0503020204020204" pitchFamily="34" charset="-122"/>
-              </a:rPr>
-              <a:t>SimpleXMLElement</a:t>
-            </a:r>
-            <a:r>
-              <a:rPr lang="zh-CN" altLang="en-US" sz="2000" dirty="0">
-                <a:latin typeface="微软雅黑" panose="020B0503020204020204" pitchFamily="34" charset="-122"/>
-                <a:ea typeface="微软雅黑" panose="020B0503020204020204" pitchFamily="34" charset="-122"/>
-              </a:rPr>
-              <a:t>对象提供的方法可以获取需要的数据。</a:t>
-            </a:r>
-            <a:endParaRPr lang="en-US" altLang="zh-CN" sz="2000" dirty="0">
-              <a:latin typeface="微软雅黑" panose="020B0503020204020204" pitchFamily="34" charset="-122"/>
-              <a:ea typeface="微软雅黑" panose="020B0503020204020204" pitchFamily="34" charset="-122"/>
-            </a:endParaRPr>
-          </a:p>
-          <a:p>
-            <a:pPr marL="285750" indent="-285750">
+              <a:t>/xml</a:t>
+            </a:r>
+          </a:p>
+          <a:p>
+            <a:pPr marL="342900" indent="-342900">
               <a:lnSpc>
                 <a:spcPct val="150000"/>
               </a:lnSpc>
@@ -18469,42 +18617,7 @@
                 <a:latin typeface="微软雅黑" panose="020B0503020204020204" pitchFamily="34" charset="-122"/>
                 <a:ea typeface="微软雅黑" panose="020B0503020204020204" pitchFamily="34" charset="-122"/>
               </a:rPr>
-              <a:t>使用</a:t>
-            </a:r>
-            <a:r>
-              <a:rPr lang="en-US" altLang="zh-CN" sz="2000" dirty="0" err="1">
-                <a:latin typeface="微软雅黑" panose="020B0503020204020204" pitchFamily="34" charset="-122"/>
-                <a:ea typeface="微软雅黑" panose="020B0503020204020204" pitchFamily="34" charset="-122"/>
-              </a:rPr>
-              <a:t>simplexml_load_string</a:t>
-            </a:r>
-            <a:r>
-              <a:rPr lang="en-US" altLang="zh-CN" sz="2000" dirty="0">
-                <a:latin typeface="微软雅黑" panose="020B0503020204020204" pitchFamily="34" charset="-122"/>
-                <a:ea typeface="微软雅黑" panose="020B0503020204020204" pitchFamily="34" charset="-122"/>
-              </a:rPr>
-              <a:t>($xml)</a:t>
-            </a:r>
-            <a:r>
-              <a:rPr lang="zh-CN" altLang="en-US" sz="2000" dirty="0">
-                <a:latin typeface="微软雅黑" panose="020B0503020204020204" pitchFamily="34" charset="-122"/>
-                <a:ea typeface="微软雅黑" panose="020B0503020204020204" pitchFamily="34" charset="-122"/>
-              </a:rPr>
-              <a:t>函数对</a:t>
-            </a:r>
-            <a:r>
-              <a:rPr lang="en-US" altLang="zh-CN" sz="2000" dirty="0">
-                <a:latin typeface="微软雅黑" panose="020B0503020204020204" pitchFamily="34" charset="-122"/>
-                <a:ea typeface="微软雅黑" panose="020B0503020204020204" pitchFamily="34" charset="-122"/>
-              </a:rPr>
-              <a:t>$xml</a:t>
-            </a:r>
-            <a:r>
-              <a:rPr lang="zh-CN" altLang="en-US" sz="2000" dirty="0">
-                <a:latin typeface="微软雅黑" panose="020B0503020204020204" pitchFamily="34" charset="-122"/>
-                <a:ea typeface="微软雅黑" panose="020B0503020204020204" pitchFamily="34" charset="-122"/>
-              </a:rPr>
-              <a:t>进行解析。</a:t>
+              <a:t>使用方式：</a:t>
             </a:r>
             <a:endParaRPr lang="en-US" altLang="zh-CN" sz="2000" dirty="0">
               <a:latin typeface="微软雅黑" panose="020B0503020204020204" pitchFamily="34" charset="-122"/>
@@ -18512,18 +18625,65 @@
             </a:endParaRPr>
           </a:p>
           <a:p>
-            <a:pPr marL="285750" indent="-285750">
+            <a:pPr lvl="1">
               <a:lnSpc>
                 <a:spcPct val="150000"/>
               </a:lnSpc>
-              <a:buFont typeface="Arial" panose="020B0604020202020204" pitchFamily="34" charset="0"/>
-              <a:buChar char="•"/>
             </a:pPr>
             <a:r>
               <a:rPr lang="en-US" altLang="zh-CN" sz="2000" dirty="0">
                 <a:latin typeface="微软雅黑" panose="020B0503020204020204" pitchFamily="34" charset="-122"/>
                 <a:ea typeface="微软雅黑" panose="020B0503020204020204" pitchFamily="34" charset="-122"/>
               </a:rPr>
+              <a:t>$result = </a:t>
+            </a:r>
+            <a:r>
+              <a:rPr lang="en-US" altLang="zh-CN" sz="2000" dirty="0" err="1">
+                <a:latin typeface="微软雅黑" panose="020B0503020204020204" pitchFamily="34" charset="-122"/>
+                <a:ea typeface="微软雅黑" panose="020B0503020204020204" pitchFamily="34" charset="-122"/>
+              </a:rPr>
+              <a:t>houdunwang</a:t>
+            </a:r>
+            <a:r>
+              <a:rPr lang="en-US" altLang="zh-CN" sz="2000" dirty="0">
+                <a:latin typeface="微软雅黑" panose="020B0503020204020204" pitchFamily="34" charset="-122"/>
+                <a:ea typeface="微软雅黑" panose="020B0503020204020204" pitchFamily="34" charset="-122"/>
+              </a:rPr>
+              <a:t>\xml\Xml::</a:t>
+            </a:r>
+            <a:r>
+              <a:rPr lang="en-US" altLang="zh-CN" sz="2000" dirty="0" err="1">
+                <a:latin typeface="微软雅黑" panose="020B0503020204020204" pitchFamily="34" charset="-122"/>
+                <a:ea typeface="微软雅黑" panose="020B0503020204020204" pitchFamily="34" charset="-122"/>
+              </a:rPr>
+              <a:t>toArray</a:t>
+            </a:r>
+            <a:r>
+              <a:rPr lang="en-US" altLang="zh-CN" sz="2000" dirty="0">
+                <a:latin typeface="微软雅黑" panose="020B0503020204020204" pitchFamily="34" charset="-122"/>
+                <a:ea typeface="微软雅黑" panose="020B0503020204020204" pitchFamily="34" charset="-122"/>
+              </a:rPr>
+              <a:t>($xml);</a:t>
+            </a:r>
+          </a:p>
+          <a:p>
+            <a:pPr lvl="1">
+              <a:lnSpc>
+                <a:spcPct val="150000"/>
+              </a:lnSpc>
+            </a:pPr>
+            <a:r>
+              <a:rPr lang="zh-CN" altLang="en-US" sz="2000" dirty="0">
+                <a:latin typeface="微软雅黑" panose="020B0503020204020204" pitchFamily="34" charset="-122"/>
+                <a:ea typeface="微软雅黑" panose="020B0503020204020204" pitchFamily="34" charset="-122"/>
+              </a:rPr>
+              <a:t>此方法会把</a:t>
+            </a:r>
+            <a:r>
+              <a:rPr lang="en-US" altLang="zh-CN" sz="2000" dirty="0">
+                <a:latin typeface="微软雅黑" panose="020B0503020204020204" pitchFamily="34" charset="-122"/>
+                <a:ea typeface="微软雅黑" panose="020B0503020204020204" pitchFamily="34" charset="-122"/>
+              </a:rPr>
               <a:t>XML</a:t>
             </a:r>
             <a:r>
@@ -18531,125 +18691,33 @@
                 <a:latin typeface="微软雅黑" panose="020B0503020204020204" pitchFamily="34" charset="-122"/>
                 <a:ea typeface="微软雅黑" panose="020B0503020204020204" pitchFamily="34" charset="-122"/>
               </a:rPr>
-              <a:t>标签的名称就会被解析为对象的属性。</a:t>
+              <a:t>格式的文本数据转换成</a:t>
+            </a:r>
+            <a:r>
+              <a:rPr lang="en-US" altLang="zh-CN" sz="2000" dirty="0">
+                <a:latin typeface="微软雅黑" panose="020B0503020204020204" pitchFamily="34" charset="-122"/>
+                <a:ea typeface="微软雅黑" panose="020B0503020204020204" pitchFamily="34" charset="-122"/>
+              </a:rPr>
+              <a:t>PHP</a:t>
+            </a:r>
+            <a:r>
+              <a:rPr lang="zh-CN" altLang="en-US" sz="2000" dirty="0">
+                <a:latin typeface="微软雅黑" panose="020B0503020204020204" pitchFamily="34" charset="-122"/>
+                <a:ea typeface="微软雅黑" panose="020B0503020204020204" pitchFamily="34" charset="-122"/>
+              </a:rPr>
+              <a:t>的数组。</a:t>
             </a:r>
             <a:endParaRPr lang="en-US" altLang="zh-CN" sz="2000" dirty="0">
               <a:latin typeface="微软雅黑" panose="020B0503020204020204" pitchFamily="34" charset="-122"/>
               <a:ea typeface="微软雅黑" panose="020B0503020204020204" pitchFamily="34" charset="-122"/>
             </a:endParaRPr>
           </a:p>
-          <a:p>
-            <a:pPr marL="285750" indent="-285750">
-              <a:lnSpc>
-                <a:spcPct val="150000"/>
-              </a:lnSpc>
-              <a:buFont typeface="Arial" panose="020B0604020202020204" pitchFamily="34" charset="0"/>
-              <a:buChar char="•"/>
-            </a:pPr>
-            <a:r>
-              <a:rPr lang="zh-CN" altLang="en-US" sz="2000" dirty="0">
-                <a:latin typeface="微软雅黑" panose="020B0503020204020204" pitchFamily="34" charset="-122"/>
-                <a:ea typeface="微软雅黑" panose="020B0503020204020204" pitchFamily="34" charset="-122"/>
-              </a:rPr>
-              <a:t>使用</a:t>
-            </a:r>
-            <a:r>
-              <a:rPr lang="en-US" altLang="zh-CN" sz="2000" dirty="0" err="1">
-                <a:latin typeface="微软雅黑" panose="020B0503020204020204" pitchFamily="34" charset="-122"/>
-                <a:ea typeface="微软雅黑" panose="020B0503020204020204" pitchFamily="34" charset="-122"/>
-              </a:rPr>
-              <a:t>get_object_vars</a:t>
-            </a:r>
-            <a:r>
-              <a:rPr lang="zh-CN" altLang="en-US" sz="2000" dirty="0">
-                <a:latin typeface="微软雅黑" panose="020B0503020204020204" pitchFamily="34" charset="-122"/>
-                <a:ea typeface="微软雅黑" panose="020B0503020204020204" pitchFamily="34" charset="-122"/>
-              </a:rPr>
-              <a:t>函数可以把</a:t>
-            </a:r>
-            <a:r>
-              <a:rPr lang="en-US" altLang="zh-CN" sz="2000" dirty="0">
-                <a:latin typeface="微软雅黑" panose="020B0503020204020204" pitchFamily="34" charset="-122"/>
-                <a:ea typeface="微软雅黑" panose="020B0503020204020204" pitchFamily="34" charset="-122"/>
-              </a:rPr>
-              <a:t>PHP</a:t>
-            </a:r>
-            <a:r>
-              <a:rPr lang="zh-CN" altLang="en-US" sz="2000" dirty="0">
-                <a:latin typeface="微软雅黑" panose="020B0503020204020204" pitchFamily="34" charset="-122"/>
-                <a:ea typeface="微软雅黑" panose="020B0503020204020204" pitchFamily="34" charset="-122"/>
-              </a:rPr>
-              <a:t>对象转换成数组。</a:t>
-            </a:r>
-            <a:endParaRPr lang="en-US" altLang="zh-CN" sz="2000" dirty="0">
-              <a:latin typeface="微软雅黑" panose="020B0503020204020204" pitchFamily="34" charset="-122"/>
-              <a:ea typeface="微软雅黑" panose="020B0503020204020204" pitchFamily="34" charset="-122"/>
-            </a:endParaRPr>
-          </a:p>
-          <a:p>
-            <a:pPr marL="285750" indent="-285750">
-              <a:lnSpc>
-                <a:spcPct val="150000"/>
-              </a:lnSpc>
-              <a:buFont typeface="Arial" panose="020B0604020202020204" pitchFamily="34" charset="0"/>
-              <a:buChar char="•"/>
-            </a:pPr>
-            <a:r>
-              <a:rPr lang="en-US" altLang="zh-CN" sz="2000" dirty="0" err="1">
-                <a:latin typeface="微软雅黑" panose="020B0503020204020204" pitchFamily="34" charset="-122"/>
-                <a:ea typeface="微软雅黑" panose="020B0503020204020204" pitchFamily="34" charset="-122"/>
-              </a:rPr>
-              <a:t>DOMDocument</a:t>
-            </a:r>
-            <a:r>
-              <a:rPr lang="zh-CN" altLang="en-US" sz="2000" dirty="0">
-                <a:latin typeface="微软雅黑" panose="020B0503020204020204" pitchFamily="34" charset="-122"/>
-                <a:ea typeface="微软雅黑" panose="020B0503020204020204" pitchFamily="34" charset="-122"/>
-              </a:rPr>
-              <a:t>类可以加载</a:t>
-            </a:r>
-            <a:r>
-              <a:rPr lang="en-US" altLang="zh-CN" sz="2000" dirty="0">
-                <a:latin typeface="微软雅黑" panose="020B0503020204020204" pitchFamily="34" charset="-122"/>
-                <a:ea typeface="微软雅黑" panose="020B0503020204020204" pitchFamily="34" charset="-122"/>
-              </a:rPr>
-              <a:t>XML</a:t>
-            </a:r>
-            <a:r>
-              <a:rPr lang="zh-CN" altLang="en-US" sz="2000" dirty="0">
-                <a:latin typeface="微软雅黑" panose="020B0503020204020204" pitchFamily="34" charset="-122"/>
-                <a:ea typeface="微软雅黑" panose="020B0503020204020204" pitchFamily="34" charset="-122"/>
-              </a:rPr>
-              <a:t>数据为</a:t>
-            </a:r>
-            <a:r>
-              <a:rPr lang="en-US" altLang="zh-CN" sz="2000" dirty="0">
-                <a:latin typeface="微软雅黑" panose="020B0503020204020204" pitchFamily="34" charset="-122"/>
-                <a:ea typeface="微软雅黑" panose="020B0503020204020204" pitchFamily="34" charset="-122"/>
-              </a:rPr>
-              <a:t>DOM</a:t>
-            </a:r>
-            <a:r>
-              <a:rPr lang="zh-CN" altLang="en-US" sz="2000" dirty="0">
-                <a:latin typeface="微软雅黑" panose="020B0503020204020204" pitchFamily="34" charset="-122"/>
-                <a:ea typeface="微软雅黑" panose="020B0503020204020204" pitchFamily="34" charset="-122"/>
-              </a:rPr>
-              <a:t>，之后使用方法操标签数据。</a:t>
-            </a:r>
-            <a:endParaRPr lang="en-US" altLang="zh-CN" sz="2000" dirty="0">
-              <a:latin typeface="微软雅黑" panose="020B0503020204020204" pitchFamily="34" charset="-122"/>
-              <a:ea typeface="微软雅黑" panose="020B0503020204020204" pitchFamily="34" charset="-122"/>
-            </a:endParaRPr>
-          </a:p>
-          <a:p>
-            <a:endParaRPr lang="zh-CN" altLang="en-US" dirty="0"/>
-          </a:p>
         </p:txBody>
       </p:sp>
     </p:spTree>
     <p:extLst>
       <p:ext uri="{BB962C8B-B14F-4D97-AF65-F5344CB8AC3E}">
-        <p14:creationId xmlns:p14="http://schemas.microsoft.com/office/powerpoint/2010/main" val="780860877"/>
+        <p14:creationId xmlns:p14="http://schemas.microsoft.com/office/powerpoint/2010/main" val="1683636829"/>
       </p:ext>
     </p:extLst>
   </p:cSld>
@@ -18686,25 +18754,15 @@
             <p:ph sz="quarter" idx="13"/>
           </p:nvPr>
         </p:nvSpPr>
-        <p:spPr>
-          <a:xfrm>
-            <a:off x="1054099" y="543636"/>
-            <a:ext cx="6646863" cy="685800"/>
-          </a:xfrm>
-        </p:spPr>
+        <p:spPr/>
         <p:txBody>
           <a:bodyPr/>
           <a:lstStyle/>
           <a:p>
             <a:r>
               <a:rPr lang="zh-CN" altLang="en-US" b="0" dirty="0"/>
-              <a:t>使用其他扩展库解析</a:t>
-            </a:r>
-            <a:r>
-              <a:rPr lang="en-US" altLang="zh-CN" b="0" dirty="0"/>
-              <a:t>XML</a:t>
-            </a:r>
-            <a:endParaRPr lang="zh-CN" altLang="en-US" b="0" dirty="0"/>
+              <a:t>第二讲</a:t>
+            </a:r>
           </a:p>
         </p:txBody>
       </p:sp>
@@ -18716,8 +18774,8 @@
         </p:nvSpPr>
         <p:spPr>
           <a:xfrm>
-            <a:off x="1054099" y="1828800"/>
-            <a:ext cx="9961564" cy="2400657"/>
+            <a:off x="4058444" y="2343152"/>
+            <a:ext cx="4699794" cy="2062103"/>
           </a:xfrm>
           <a:prstGeom prst="rect">
             <a:avLst/>
@@ -18730,191 +18788,118 @@
           </a:bodyPr>
           <a:lstStyle/>
           <a:p>
-            <a:pPr marL="285750" indent="-285750">
+            <a:pPr marL="514350" indent="-514350">
               <a:lnSpc>
-                <a:spcPct val="150000"/>
+                <a:spcPct val="200000"/>
               </a:lnSpc>
-              <a:buFont typeface="Arial" panose="020B0604020202020204" pitchFamily="34" charset="0"/>
-              <a:buChar char="•"/>
+              <a:buFont typeface="+mj-ea"/>
+              <a:buAutoNum type="ea1JpnChsDbPeriod"/>
             </a:pPr>
             <a:r>
+              <a:rPr lang="en-US" altLang="zh-CN" sz="2000" dirty="0">
+                <a:solidFill>
+                  <a:schemeClr val="tx1">
+                    <a:lumMod val="65000"/>
+                    <a:lumOff val="35000"/>
+                  </a:schemeClr>
+                </a:solidFill>
+                <a:latin typeface="微软雅黑" panose="020B0503020204020204" pitchFamily="34" charset="-122"/>
+                <a:ea typeface="微软雅黑" panose="020B0503020204020204" pitchFamily="34" charset="-122"/>
+              </a:rPr>
+              <a:t>XML</a:t>
+            </a:r>
+            <a:r>
               <a:rPr lang="zh-CN" altLang="en-US" sz="2000" dirty="0">
-                <a:latin typeface="微软雅黑" panose="020B0503020204020204" pitchFamily="34" charset="-122"/>
-                <a:ea typeface="微软雅黑" panose="020B0503020204020204" pitchFamily="34" charset="-122"/>
-              </a:rPr>
-              <a:t>使用</a:t>
-            </a:r>
-            <a:r>
-              <a:rPr lang="en-US" altLang="zh-CN" sz="2000" dirty="0">
-                <a:latin typeface="微软雅黑" panose="020B0503020204020204" pitchFamily="34" charset="-122"/>
-                <a:ea typeface="微软雅黑" panose="020B0503020204020204" pitchFamily="34" charset="-122"/>
-              </a:rPr>
-              <a:t>composer</a:t>
-            </a:r>
-            <a:r>
-              <a:rPr lang="zh-CN" altLang="en-US" sz="2000" dirty="0">
-                <a:latin typeface="微软雅黑" panose="020B0503020204020204" pitchFamily="34" charset="-122"/>
-                <a:ea typeface="微软雅黑" panose="020B0503020204020204" pitchFamily="34" charset="-122"/>
-              </a:rPr>
-              <a:t>下载</a:t>
-            </a:r>
-            <a:r>
-              <a:rPr lang="en-US" altLang="zh-CN" sz="2000" dirty="0" err="1">
-                <a:latin typeface="微软雅黑" panose="020B0503020204020204" pitchFamily="34" charset="-122"/>
-                <a:ea typeface="微软雅黑" panose="020B0503020204020204" pitchFamily="34" charset="-122"/>
-              </a:rPr>
-              <a:t>houdunwang</a:t>
-            </a:r>
-            <a:r>
-              <a:rPr lang="en-US" altLang="zh-CN" sz="2000" dirty="0">
-                <a:latin typeface="微软雅黑" panose="020B0503020204020204" pitchFamily="34" charset="-122"/>
-                <a:ea typeface="微软雅黑" panose="020B0503020204020204" pitchFamily="34" charset="-122"/>
-              </a:rPr>
-              <a:t>/xml</a:t>
-            </a:r>
-          </a:p>
-          <a:p>
-            <a:pPr lvl="1">
-              <a:lnSpc>
-                <a:spcPct val="150000"/>
-              </a:lnSpc>
-            </a:pPr>
-            <a:r>
-              <a:rPr lang="en-US" altLang="zh-CN" sz="2000" dirty="0">
-                <a:latin typeface="微软雅黑" panose="020B0503020204020204" pitchFamily="34" charset="-122"/>
-                <a:ea typeface="微软雅黑" panose="020B0503020204020204" pitchFamily="34" charset="-122"/>
-              </a:rPr>
-              <a:t>composer require </a:t>
-            </a:r>
-            <a:r>
-              <a:rPr lang="en-US" altLang="zh-CN" sz="2000" dirty="0" err="1">
-                <a:latin typeface="微软雅黑" panose="020B0503020204020204" pitchFamily="34" charset="-122"/>
-                <a:ea typeface="微软雅黑" panose="020B0503020204020204" pitchFamily="34" charset="-122"/>
-              </a:rPr>
-              <a:t>houdunwang</a:t>
-            </a:r>
-            <a:r>
-              <a:rPr lang="en-US" altLang="zh-CN" sz="2000" dirty="0">
-                <a:latin typeface="微软雅黑" panose="020B0503020204020204" pitchFamily="34" charset="-122"/>
-                <a:ea typeface="微软雅黑" panose="020B0503020204020204" pitchFamily="34" charset="-122"/>
-              </a:rPr>
-              <a:t>/xml</a:t>
-            </a:r>
-          </a:p>
-          <a:p>
-            <a:pPr marL="342900" indent="-342900">
-              <a:lnSpc>
-                <a:spcPct val="150000"/>
-              </a:lnSpc>
-              <a:buFont typeface="Arial" panose="020B0604020202020204" pitchFamily="34" charset="0"/>
-              <a:buChar char="•"/>
-            </a:pPr>
-            <a:r>
-              <a:rPr lang="zh-CN" altLang="en-US" sz="2000" dirty="0">
-                <a:latin typeface="微软雅黑" panose="020B0503020204020204" pitchFamily="34" charset="-122"/>
-                <a:ea typeface="微软雅黑" panose="020B0503020204020204" pitchFamily="34" charset="-122"/>
-              </a:rPr>
-              <a:t>使用方式：</a:t>
+                <a:solidFill>
+                  <a:schemeClr val="tx1">
+                    <a:lumMod val="65000"/>
+                    <a:lumOff val="35000"/>
+                  </a:schemeClr>
+                </a:solidFill>
+                <a:latin typeface="微软雅黑" panose="020B0503020204020204" pitchFamily="34" charset="-122"/>
+                <a:ea typeface="微软雅黑" panose="020B0503020204020204" pitchFamily="34" charset="-122"/>
+              </a:rPr>
+              <a:t>解析</a:t>
             </a:r>
             <a:endParaRPr lang="en-US" altLang="zh-CN" sz="2000" dirty="0">
+              <a:solidFill>
+                <a:schemeClr val="tx1">
+                  <a:lumMod val="65000"/>
+                  <a:lumOff val="35000"/>
+                </a:schemeClr>
+              </a:solidFill>
               <a:latin typeface="微软雅黑" panose="020B0503020204020204" pitchFamily="34" charset="-122"/>
               <a:ea typeface="微软雅黑" panose="020B0503020204020204" pitchFamily="34" charset="-122"/>
             </a:endParaRPr>
           </a:p>
           <a:p>
-            <a:pPr lvl="1">
+            <a:pPr marL="514350" indent="-514350">
               <a:lnSpc>
-                <a:spcPct val="150000"/>
+                <a:spcPct val="200000"/>
               </a:lnSpc>
+              <a:buFont typeface="+mj-ea"/>
+              <a:buAutoNum type="ea1JpnChsDbPeriod"/>
             </a:pPr>
             <a:r>
-              <a:rPr lang="en-US" altLang="zh-CN" sz="2000" dirty="0">
-                <a:latin typeface="微软雅黑" panose="020B0503020204020204" pitchFamily="34" charset="-122"/>
-                <a:ea typeface="微软雅黑" panose="020B0503020204020204" pitchFamily="34" charset="-122"/>
-              </a:rPr>
-              <a:t>$result = </a:t>
-            </a:r>
-            <a:r>
-              <a:rPr lang="en-US" altLang="zh-CN" sz="2000" dirty="0" err="1">
-                <a:latin typeface="微软雅黑" panose="020B0503020204020204" pitchFamily="34" charset="-122"/>
-                <a:ea typeface="微软雅黑" panose="020B0503020204020204" pitchFamily="34" charset="-122"/>
-              </a:rPr>
-              <a:t>houdunwang</a:t>
-            </a:r>
-            <a:r>
-              <a:rPr lang="en-US" altLang="zh-CN" sz="2000" dirty="0">
-                <a:latin typeface="微软雅黑" panose="020B0503020204020204" pitchFamily="34" charset="-122"/>
-                <a:ea typeface="微软雅黑" panose="020B0503020204020204" pitchFamily="34" charset="-122"/>
-              </a:rPr>
-              <a:t>\xml\Xml::</a:t>
-            </a:r>
-            <a:r>
-              <a:rPr lang="en-US" altLang="zh-CN" sz="2000" dirty="0" err="1">
-                <a:latin typeface="微软雅黑" panose="020B0503020204020204" pitchFamily="34" charset="-122"/>
-                <a:ea typeface="微软雅黑" panose="020B0503020204020204" pitchFamily="34" charset="-122"/>
-              </a:rPr>
-              <a:t>toArray</a:t>
-            </a:r>
-            <a:r>
-              <a:rPr lang="en-US" altLang="zh-CN" sz="2000" dirty="0">
-                <a:latin typeface="微软雅黑" panose="020B0503020204020204" pitchFamily="34" charset="-122"/>
-                <a:ea typeface="微软雅黑" panose="020B0503020204020204" pitchFamily="34" charset="-122"/>
-              </a:rPr>
-              <a:t>($xml);</a:t>
-            </a:r>
-          </a:p>
-          <a:p>
-            <a:pPr lvl="1">
-              <a:lnSpc>
-                <a:spcPct val="150000"/>
-              </a:lnSpc>
-            </a:pPr>
-            <a:r>
-              <a:rPr lang="zh-CN" altLang="en-US" sz="2000" dirty="0">
-                <a:latin typeface="微软雅黑" panose="020B0503020204020204" pitchFamily="34" charset="-122"/>
-                <a:ea typeface="微软雅黑" panose="020B0503020204020204" pitchFamily="34" charset="-122"/>
-              </a:rPr>
-              <a:t>此方法会把</a:t>
-            </a:r>
-            <a:r>
-              <a:rPr lang="en-US" altLang="zh-CN" sz="2000" dirty="0">
-                <a:latin typeface="微软雅黑" panose="020B0503020204020204" pitchFamily="34" charset="-122"/>
-                <a:ea typeface="微软雅黑" panose="020B0503020204020204" pitchFamily="34" charset="-122"/>
-              </a:rPr>
-              <a:t>XML</a:t>
-            </a:r>
-            <a:r>
-              <a:rPr lang="zh-CN" altLang="en-US" sz="2000" dirty="0">
-                <a:latin typeface="微软雅黑" panose="020B0503020204020204" pitchFamily="34" charset="-122"/>
-                <a:ea typeface="微软雅黑" panose="020B0503020204020204" pitchFamily="34" charset="-122"/>
-              </a:rPr>
-              <a:t>格式的文本数据转换成</a:t>
-            </a:r>
-            <a:r>
-              <a:rPr lang="en-US" altLang="zh-CN" sz="2000" dirty="0">
-                <a:latin typeface="微软雅黑" panose="020B0503020204020204" pitchFamily="34" charset="-122"/>
-                <a:ea typeface="微软雅黑" panose="020B0503020204020204" pitchFamily="34" charset="-122"/>
-              </a:rPr>
-              <a:t>PHP</a:t>
-            </a:r>
-            <a:r>
-              <a:rPr lang="zh-CN" altLang="en-US" sz="2000" dirty="0">
-                <a:latin typeface="微软雅黑" panose="020B0503020204020204" pitchFamily="34" charset="-122"/>
-                <a:ea typeface="微软雅黑" panose="020B0503020204020204" pitchFamily="34" charset="-122"/>
-              </a:rPr>
-              <a:t>的数组。</a:t>
-            </a:r>
-            <a:endParaRPr lang="en-US" altLang="zh-CN" sz="2000" dirty="0">
+              <a:rPr lang="zh-CN" altLang="en-US" sz="2400" dirty="0">
+                <a:solidFill>
+                  <a:schemeClr val="accent6">
+                    <a:lumMod val="75000"/>
+                  </a:schemeClr>
+                </a:solidFill>
+                <a:latin typeface="微软雅黑" panose="020B0503020204020204" pitchFamily="34" charset="-122"/>
+                <a:ea typeface="微软雅黑" panose="020B0503020204020204" pitchFamily="34" charset="-122"/>
+              </a:rPr>
+              <a:t>接收并回复消息</a:t>
+            </a:r>
+            <a:endParaRPr lang="en-US" altLang="zh-CN" sz="2400" dirty="0">
+              <a:solidFill>
+                <a:schemeClr val="accent6">
+                  <a:lumMod val="75000"/>
+                </a:schemeClr>
+              </a:solidFill>
               <a:latin typeface="微软雅黑" panose="020B0503020204020204" pitchFamily="34" charset="-122"/>
               <a:ea typeface="微软雅黑" panose="020B0503020204020204" pitchFamily="34" charset="-122"/>
             </a:endParaRPr>
           </a:p>
+          <a:p>
+            <a:pPr marL="514350" indent="-514350">
+              <a:lnSpc>
+                <a:spcPct val="200000"/>
+              </a:lnSpc>
+              <a:buFont typeface="+mj-ea"/>
+              <a:buAutoNum type="ea1JpnChsDbPeriod"/>
+            </a:pPr>
+            <a:r>
+              <a:rPr lang="zh-CN" altLang="en-US" sz="2000" dirty="0">
+                <a:solidFill>
+                  <a:schemeClr val="tx1">
+                    <a:lumMod val="65000"/>
+                    <a:lumOff val="35000"/>
+                  </a:schemeClr>
+                </a:solidFill>
+                <a:latin typeface="微软雅黑" panose="020B0503020204020204" pitchFamily="34" charset="-122"/>
+                <a:ea typeface="微软雅黑" panose="020B0503020204020204" pitchFamily="34" charset="-122"/>
+              </a:rPr>
+              <a:t>消息加密解密</a:t>
+            </a:r>
+            <a:endParaRPr lang="en-US" altLang="zh-CN" sz="2000" dirty="0">
+              <a:solidFill>
+                <a:schemeClr val="tx1">
+                  <a:lumMod val="65000"/>
+                  <a:lumOff val="35000"/>
+                </a:schemeClr>
+              </a:solidFill>
+              <a:latin typeface="微软雅黑" panose="020B0503020204020204" pitchFamily="34" charset="-122"/>
+              <a:ea typeface="微软雅黑" panose="020B0503020204020204" pitchFamily="34" charset="-122"/>
+            </a:endParaRPr>
+          </a:p>
         </p:txBody>
       </p:sp>
     </p:spTree>
     <p:extLst>
       <p:ext uri="{BB962C8B-B14F-4D97-AF65-F5344CB8AC3E}">
-        <p14:creationId xmlns:p14="http://schemas.microsoft.com/office/powerpoint/2010/main" val="1683636829"/>
+        <p14:creationId xmlns:p14="http://schemas.microsoft.com/office/powerpoint/2010/main" val="2999457395"/>
       </p:ext>
     </p:extLst>
   </p:cSld>
